--- a/UC Dash Presentation.pptx
+++ b/UC Dash Presentation.pptx
@@ -5,11 +5,14 @@
     <p:sldMasterId id="2147483803" r:id="rId1"/>
     <p:sldMasterId id="2147483648" r:id="rId2"/>
   </p:sldMasterIdLst>
+  <p:notesMasterIdLst>
+    <p:notesMasterId r:id="rId7"/>
+  </p:notesMasterIdLst>
   <p:sldIdLst>
     <p:sldId id="258" r:id="rId3"/>
     <p:sldId id="257" r:id="rId4"/>
-    <p:sldId id="256" r:id="rId5"/>
-    <p:sldId id="259" r:id="rId6"/>
+    <p:sldId id="259" r:id="rId5"/>
+    <p:sldId id="256" r:id="rId6"/>
   </p:sldIdLst>
   <p:sldSz cx="12192000" cy="6858000"/>
   <p:notesSz cx="6858000" cy="9144000"/>
@@ -875,6 +878,759 @@
 </file>
 
 <file path=ppt/diagrams/colors2.xml><?xml version="1.0" encoding="utf-8"?>
+<dgm:colorsDef xmlns:dgm="http://schemas.openxmlformats.org/drawingml/2006/diagram" xmlns:a="http://schemas.openxmlformats.org/drawingml/2006/main" uniqueId="urn:microsoft.com/office/officeart/2018/5/colors/Iconchunking_neutralicon_accent0_3">
+  <dgm:title val=""/>
+  <dgm:desc val=""/>
+  <dgm:catLst>
+    <dgm:cat type="mainScheme" pri="10300"/>
+  </dgm:catLst>
+  <dgm:styleLbl name="node0">
+    <dgm:fillClrLst meth="repeat">
+      <a:schemeClr val="dk2"/>
+    </dgm:fillClrLst>
+    <dgm:linClrLst meth="repeat">
+      <a:schemeClr val="lt2"/>
+    </dgm:linClrLst>
+    <dgm:effectClrLst/>
+    <dgm:txLinClrLst/>
+    <dgm:txFillClrLst/>
+    <dgm:txEffectClrLst/>
+  </dgm:styleLbl>
+  <dgm:styleLbl name="alignNode1">
+    <dgm:fillClrLst meth="repeat">
+      <a:schemeClr val="dk2"/>
+    </dgm:fillClrLst>
+    <dgm:linClrLst meth="repeat">
+      <a:schemeClr val="dk2"/>
+    </dgm:linClrLst>
+    <dgm:effectClrLst/>
+    <dgm:txLinClrLst/>
+    <dgm:txFillClrLst/>
+    <dgm:txEffectClrLst/>
+  </dgm:styleLbl>
+  <dgm:styleLbl name="node1">
+    <dgm:fillClrLst meth="repeat">
+      <a:schemeClr val="bg1"/>
+    </dgm:fillClrLst>
+    <dgm:linClrLst meth="repeat">
+      <a:schemeClr val="lt2">
+        <a:alpha val="0"/>
+      </a:schemeClr>
+    </dgm:linClrLst>
+    <dgm:effectClrLst/>
+    <dgm:txLinClrLst/>
+    <dgm:txFillClrLst meth="repeat">
+      <a:schemeClr val="dk1"/>
+    </dgm:txFillClrLst>
+    <dgm:txEffectClrLst/>
+  </dgm:styleLbl>
+  <dgm:styleLbl name="lnNode1">
+    <dgm:fillClrLst meth="repeat">
+      <a:schemeClr val="dk2"/>
+    </dgm:fillClrLst>
+    <dgm:linClrLst meth="repeat">
+      <a:schemeClr val="lt2"/>
+    </dgm:linClrLst>
+    <dgm:effectClrLst/>
+    <dgm:txLinClrLst/>
+    <dgm:txFillClrLst/>
+    <dgm:txEffectClrLst/>
+  </dgm:styleLbl>
+  <dgm:styleLbl name="vennNode1">
+    <dgm:fillClrLst meth="repeat">
+      <a:schemeClr val="dk2">
+        <a:alpha val="50000"/>
+      </a:schemeClr>
+    </dgm:fillClrLst>
+    <dgm:linClrLst meth="repeat">
+      <a:schemeClr val="lt2"/>
+    </dgm:linClrLst>
+    <dgm:effectClrLst/>
+    <dgm:txLinClrLst/>
+    <dgm:txFillClrLst/>
+    <dgm:txEffectClrLst/>
+  </dgm:styleLbl>
+  <dgm:styleLbl name="node2">
+    <dgm:fillClrLst meth="repeat">
+      <a:schemeClr val="dk2"/>
+    </dgm:fillClrLst>
+    <dgm:linClrLst meth="repeat">
+      <a:schemeClr val="lt2"/>
+    </dgm:linClrLst>
+    <dgm:effectClrLst/>
+    <dgm:txLinClrLst/>
+    <dgm:txFillClrLst/>
+    <dgm:txEffectClrLst/>
+  </dgm:styleLbl>
+  <dgm:styleLbl name="node3">
+    <dgm:fillClrLst meth="repeat">
+      <a:schemeClr val="dk2"/>
+    </dgm:fillClrLst>
+    <dgm:linClrLst meth="repeat">
+      <a:schemeClr val="lt2"/>
+    </dgm:linClrLst>
+    <dgm:effectClrLst/>
+    <dgm:txLinClrLst/>
+    <dgm:txFillClrLst/>
+    <dgm:txEffectClrLst/>
+  </dgm:styleLbl>
+  <dgm:styleLbl name="node4">
+    <dgm:fillClrLst meth="repeat">
+      <a:schemeClr val="dk2"/>
+    </dgm:fillClrLst>
+    <dgm:linClrLst meth="repeat">
+      <a:schemeClr val="lt2"/>
+    </dgm:linClrLst>
+    <dgm:effectClrLst/>
+    <dgm:txLinClrLst/>
+    <dgm:txFillClrLst/>
+    <dgm:txEffectClrLst/>
+  </dgm:styleLbl>
+  <dgm:styleLbl name="fgImgPlace1">
+    <dgm:fillClrLst meth="repeat">
+      <a:schemeClr val="dk2">
+        <a:tint val="50000"/>
+      </a:schemeClr>
+    </dgm:fillClrLst>
+    <dgm:linClrLst meth="repeat">
+      <a:schemeClr val="lt2"/>
+    </dgm:linClrLst>
+    <dgm:effectClrLst/>
+    <dgm:txLinClrLst/>
+    <dgm:txFillClrLst meth="repeat">
+      <a:schemeClr val="lt2"/>
+    </dgm:txFillClrLst>
+    <dgm:txEffectClrLst/>
+  </dgm:styleLbl>
+  <dgm:styleLbl name="alignImgPlace1">
+    <dgm:fillClrLst meth="repeat">
+      <a:schemeClr val="dk2">
+        <a:tint val="50000"/>
+      </a:schemeClr>
+    </dgm:fillClrLst>
+    <dgm:linClrLst meth="repeat">
+      <a:schemeClr val="dk2">
+        <a:shade val="80000"/>
+      </a:schemeClr>
+    </dgm:linClrLst>
+    <dgm:effectClrLst/>
+    <dgm:txLinClrLst/>
+    <dgm:txFillClrLst meth="repeat">
+      <a:schemeClr val="lt2"/>
+    </dgm:txFillClrLst>
+    <dgm:txEffectClrLst/>
+  </dgm:styleLbl>
+  <dgm:styleLbl name="bgImgPlace1">
+    <dgm:fillClrLst meth="repeat">
+      <a:schemeClr val="dk2">
+        <a:tint val="50000"/>
+      </a:schemeClr>
+    </dgm:fillClrLst>
+    <dgm:linClrLst meth="repeat">
+      <a:schemeClr val="dk2">
+        <a:shade val="80000"/>
+      </a:schemeClr>
+    </dgm:linClrLst>
+    <dgm:effectClrLst/>
+    <dgm:txLinClrLst/>
+    <dgm:txFillClrLst meth="repeat">
+      <a:schemeClr val="lt2"/>
+    </dgm:txFillClrLst>
+    <dgm:txEffectClrLst/>
+  </dgm:styleLbl>
+  <dgm:styleLbl name="sibTrans2D1">
+    <dgm:fillClrLst meth="repeat">
+      <a:schemeClr val="dk2">
+        <a:tint val="60000"/>
+      </a:schemeClr>
+    </dgm:fillClrLst>
+    <dgm:linClrLst meth="repeat">
+      <a:schemeClr val="dk2">
+        <a:tint val="60000"/>
+      </a:schemeClr>
+    </dgm:linClrLst>
+    <dgm:effectClrLst/>
+    <dgm:txLinClrLst/>
+    <dgm:txFillClrLst/>
+    <dgm:txEffectClrLst/>
+  </dgm:styleLbl>
+  <dgm:styleLbl name="fgSibTrans2D1">
+    <dgm:fillClrLst meth="repeat">
+      <a:schemeClr val="dk2">
+        <a:tint val="60000"/>
+      </a:schemeClr>
+    </dgm:fillClrLst>
+    <dgm:linClrLst meth="repeat">
+      <a:schemeClr val="dk2">
+        <a:tint val="60000"/>
+      </a:schemeClr>
+    </dgm:linClrLst>
+    <dgm:effectClrLst/>
+    <dgm:txLinClrLst/>
+    <dgm:txFillClrLst/>
+    <dgm:txEffectClrLst/>
+  </dgm:styleLbl>
+  <dgm:styleLbl name="bgSibTrans2D1">
+    <dgm:fillClrLst meth="repeat">
+      <a:schemeClr val="dk2">
+        <a:tint val="60000"/>
+      </a:schemeClr>
+    </dgm:fillClrLst>
+    <dgm:linClrLst meth="repeat">
+      <a:schemeClr val="dk2">
+        <a:tint val="60000"/>
+      </a:schemeClr>
+    </dgm:linClrLst>
+    <dgm:effectClrLst/>
+    <dgm:txLinClrLst/>
+    <dgm:txFillClrLst/>
+    <dgm:txEffectClrLst/>
+  </dgm:styleLbl>
+  <dgm:styleLbl name="sibTrans1D1">
+    <dgm:fillClrLst meth="repeat">
+      <a:schemeClr val="dk2"/>
+    </dgm:fillClrLst>
+    <dgm:linClrLst meth="repeat">
+      <a:schemeClr val="dk2"/>
+    </dgm:linClrLst>
+    <dgm:effectClrLst/>
+    <dgm:txLinClrLst/>
+    <dgm:txFillClrLst meth="repeat">
+      <a:schemeClr val="lt2"/>
+    </dgm:txFillClrLst>
+    <dgm:txEffectClrLst/>
+  </dgm:styleLbl>
+  <dgm:styleLbl name="callout">
+    <dgm:fillClrLst meth="repeat">
+      <a:schemeClr val="dk2"/>
+    </dgm:fillClrLst>
+    <dgm:linClrLst meth="repeat">
+      <a:schemeClr val="dk2">
+        <a:tint val="50000"/>
+      </a:schemeClr>
+    </dgm:linClrLst>
+    <dgm:effectClrLst/>
+    <dgm:txLinClrLst/>
+    <dgm:txFillClrLst meth="repeat">
+      <a:schemeClr val="lt2"/>
+    </dgm:txFillClrLst>
+    <dgm:txEffectClrLst/>
+  </dgm:styleLbl>
+  <dgm:styleLbl name="asst0">
+    <dgm:fillClrLst meth="repeat">
+      <a:schemeClr val="dk2"/>
+    </dgm:fillClrLst>
+    <dgm:linClrLst meth="repeat">
+      <a:schemeClr val="lt2"/>
+    </dgm:linClrLst>
+    <dgm:effectClrLst/>
+    <dgm:txLinClrLst/>
+    <dgm:txFillClrLst/>
+    <dgm:txEffectClrLst/>
+  </dgm:styleLbl>
+  <dgm:styleLbl name="asst1">
+    <dgm:fillClrLst meth="repeat">
+      <a:schemeClr val="dk2"/>
+    </dgm:fillClrLst>
+    <dgm:linClrLst meth="repeat">
+      <a:schemeClr val="lt2"/>
+    </dgm:linClrLst>
+    <dgm:effectClrLst/>
+    <dgm:txLinClrLst/>
+    <dgm:txFillClrLst/>
+    <dgm:txEffectClrLst/>
+  </dgm:styleLbl>
+  <dgm:styleLbl name="asst2">
+    <dgm:fillClrLst meth="repeat">
+      <a:schemeClr val="dk2"/>
+    </dgm:fillClrLst>
+    <dgm:linClrLst meth="repeat">
+      <a:schemeClr val="lt2"/>
+    </dgm:linClrLst>
+    <dgm:effectClrLst/>
+    <dgm:txLinClrLst/>
+    <dgm:txFillClrLst/>
+    <dgm:txEffectClrLst/>
+  </dgm:styleLbl>
+  <dgm:styleLbl name="asst3">
+    <dgm:fillClrLst meth="repeat">
+      <a:schemeClr val="dk2"/>
+    </dgm:fillClrLst>
+    <dgm:linClrLst meth="repeat">
+      <a:schemeClr val="lt2"/>
+    </dgm:linClrLst>
+    <dgm:effectClrLst/>
+    <dgm:txLinClrLst/>
+    <dgm:txFillClrLst/>
+    <dgm:txEffectClrLst/>
+  </dgm:styleLbl>
+  <dgm:styleLbl name="asst4">
+    <dgm:fillClrLst meth="repeat">
+      <a:schemeClr val="dk2"/>
+    </dgm:fillClrLst>
+    <dgm:linClrLst meth="repeat">
+      <a:schemeClr val="lt2"/>
+    </dgm:linClrLst>
+    <dgm:effectClrLst/>
+    <dgm:txLinClrLst/>
+    <dgm:txFillClrLst/>
+    <dgm:txEffectClrLst/>
+  </dgm:styleLbl>
+  <dgm:styleLbl name="parChTrans2D1">
+    <dgm:fillClrLst meth="repeat">
+      <a:schemeClr val="dk2">
+        <a:tint val="60000"/>
+      </a:schemeClr>
+    </dgm:fillClrLst>
+    <dgm:linClrLst meth="repeat">
+      <a:schemeClr val="dk2">
+        <a:tint val="60000"/>
+      </a:schemeClr>
+    </dgm:linClrLst>
+    <dgm:effectClrLst/>
+    <dgm:txLinClrLst/>
+    <dgm:txFillClrLst meth="repeat">
+      <a:schemeClr val="lt2"/>
+    </dgm:txFillClrLst>
+    <dgm:txEffectClrLst/>
+  </dgm:styleLbl>
+  <dgm:styleLbl name="parChTrans2D2">
+    <dgm:fillClrLst meth="repeat">
+      <a:schemeClr val="dk2"/>
+    </dgm:fillClrLst>
+    <dgm:linClrLst meth="repeat">
+      <a:schemeClr val="dk2"/>
+    </dgm:linClrLst>
+    <dgm:effectClrLst/>
+    <dgm:txLinClrLst/>
+    <dgm:txFillClrLst meth="repeat">
+      <a:schemeClr val="lt2"/>
+    </dgm:txFillClrLst>
+    <dgm:txEffectClrLst/>
+  </dgm:styleLbl>
+  <dgm:styleLbl name="parChTrans2D3">
+    <dgm:fillClrLst meth="repeat">
+      <a:schemeClr val="dk2"/>
+    </dgm:fillClrLst>
+    <dgm:linClrLst meth="repeat">
+      <a:schemeClr val="dk2"/>
+    </dgm:linClrLst>
+    <dgm:effectClrLst/>
+    <dgm:txLinClrLst/>
+    <dgm:txFillClrLst meth="repeat">
+      <a:schemeClr val="lt2"/>
+    </dgm:txFillClrLst>
+    <dgm:txEffectClrLst/>
+  </dgm:styleLbl>
+  <dgm:styleLbl name="parChTrans2D4">
+    <dgm:fillClrLst meth="repeat">
+      <a:schemeClr val="dk2"/>
+    </dgm:fillClrLst>
+    <dgm:linClrLst meth="repeat">
+      <a:schemeClr val="dk2"/>
+    </dgm:linClrLst>
+    <dgm:effectClrLst/>
+    <dgm:txLinClrLst/>
+    <dgm:txFillClrLst meth="repeat">
+      <a:schemeClr val="lt2"/>
+    </dgm:txFillClrLst>
+    <dgm:txEffectClrLst/>
+  </dgm:styleLbl>
+  <dgm:styleLbl name="parChTrans1D1">
+    <dgm:fillClrLst meth="repeat">
+      <a:schemeClr val="dk2"/>
+    </dgm:fillClrLst>
+    <dgm:linClrLst meth="repeat">
+      <a:schemeClr val="dk2">
+        <a:shade val="60000"/>
+      </a:schemeClr>
+    </dgm:linClrLst>
+    <dgm:effectClrLst/>
+    <dgm:txLinClrLst/>
+    <dgm:txFillClrLst meth="repeat">
+      <a:schemeClr val="tx1"/>
+    </dgm:txFillClrLst>
+    <dgm:txEffectClrLst/>
+  </dgm:styleLbl>
+  <dgm:styleLbl name="parChTrans1D2">
+    <dgm:fillClrLst meth="repeat">
+      <a:schemeClr val="dk2"/>
+    </dgm:fillClrLst>
+    <dgm:linClrLst meth="repeat">
+      <a:schemeClr val="dk2">
+        <a:shade val="60000"/>
+      </a:schemeClr>
+    </dgm:linClrLst>
+    <dgm:effectClrLst/>
+    <dgm:txLinClrLst/>
+    <dgm:txFillClrLst meth="repeat">
+      <a:schemeClr val="tx1"/>
+    </dgm:txFillClrLst>
+    <dgm:txEffectClrLst/>
+  </dgm:styleLbl>
+  <dgm:styleLbl name="parChTrans1D3">
+    <dgm:fillClrLst meth="repeat">
+      <a:schemeClr val="dk2"/>
+    </dgm:fillClrLst>
+    <dgm:linClrLst meth="repeat">
+      <a:schemeClr val="dk2">
+        <a:shade val="80000"/>
+      </a:schemeClr>
+    </dgm:linClrLst>
+    <dgm:effectClrLst/>
+    <dgm:txLinClrLst/>
+    <dgm:txFillClrLst meth="repeat">
+      <a:schemeClr val="tx1"/>
+    </dgm:txFillClrLst>
+    <dgm:txEffectClrLst/>
+  </dgm:styleLbl>
+  <dgm:styleLbl name="parChTrans1D4">
+    <dgm:fillClrLst meth="repeat">
+      <a:schemeClr val="dk2"/>
+    </dgm:fillClrLst>
+    <dgm:linClrLst meth="repeat">
+      <a:schemeClr val="dk2">
+        <a:shade val="80000"/>
+      </a:schemeClr>
+    </dgm:linClrLst>
+    <dgm:effectClrLst/>
+    <dgm:txLinClrLst/>
+    <dgm:txFillClrLst meth="repeat">
+      <a:schemeClr val="tx1"/>
+    </dgm:txFillClrLst>
+    <dgm:txEffectClrLst/>
+  </dgm:styleLbl>
+  <dgm:styleLbl name="fgAcc1">
+    <dgm:fillClrLst meth="repeat">
+      <a:schemeClr val="lt2">
+        <a:alpha val="90000"/>
+      </a:schemeClr>
+    </dgm:fillClrLst>
+    <dgm:linClrLst meth="repeat">
+      <a:schemeClr val="dk2"/>
+    </dgm:linClrLst>
+    <dgm:effectClrLst/>
+    <dgm:txLinClrLst/>
+    <dgm:txFillClrLst meth="repeat">
+      <a:schemeClr val="dk1"/>
+    </dgm:txFillClrLst>
+    <dgm:txEffectClrLst/>
+  </dgm:styleLbl>
+  <dgm:styleLbl name="conFgAcc1">
+    <dgm:fillClrLst meth="repeat">
+      <a:schemeClr val="lt2">
+        <a:alpha val="90000"/>
+      </a:schemeClr>
+    </dgm:fillClrLst>
+    <dgm:linClrLst meth="repeat">
+      <a:schemeClr val="dk2"/>
+    </dgm:linClrLst>
+    <dgm:effectClrLst/>
+    <dgm:txLinClrLst/>
+    <dgm:txFillClrLst meth="repeat">
+      <a:schemeClr val="dk1"/>
+    </dgm:txFillClrLst>
+    <dgm:txEffectClrLst/>
+  </dgm:styleLbl>
+  <dgm:styleLbl name="alignAcc1">
+    <dgm:fillClrLst meth="repeat">
+      <a:schemeClr val="lt2">
+        <a:alpha val="90000"/>
+      </a:schemeClr>
+    </dgm:fillClrLst>
+    <dgm:linClrLst meth="repeat">
+      <a:schemeClr val="dk2"/>
+    </dgm:linClrLst>
+    <dgm:effectClrLst/>
+    <dgm:txLinClrLst/>
+    <dgm:txFillClrLst meth="repeat">
+      <a:schemeClr val="dk1"/>
+    </dgm:txFillClrLst>
+    <dgm:txEffectClrLst/>
+  </dgm:styleLbl>
+  <dgm:styleLbl name="trAlignAcc1">
+    <dgm:fillClrLst meth="repeat">
+      <a:schemeClr val="lt2">
+        <a:alpha val="40000"/>
+      </a:schemeClr>
+    </dgm:fillClrLst>
+    <dgm:linClrLst meth="repeat">
+      <a:schemeClr val="dk2"/>
+    </dgm:linClrLst>
+    <dgm:effectClrLst/>
+    <dgm:txLinClrLst/>
+    <dgm:txFillClrLst meth="repeat">
+      <a:schemeClr val="dk1"/>
+    </dgm:txFillClrLst>
+    <dgm:txEffectClrLst/>
+  </dgm:styleLbl>
+  <dgm:styleLbl name="bgAcc1">
+    <dgm:fillClrLst meth="repeat">
+      <a:schemeClr val="lt2">
+        <a:alpha val="90000"/>
+      </a:schemeClr>
+    </dgm:fillClrLst>
+    <dgm:linClrLst meth="repeat">
+      <a:schemeClr val="dk2"/>
+    </dgm:linClrLst>
+    <dgm:effectClrLst/>
+    <dgm:txLinClrLst/>
+    <dgm:txFillClrLst meth="repeat">
+      <a:schemeClr val="dk1"/>
+    </dgm:txFillClrLst>
+    <dgm:txEffectClrLst/>
+  </dgm:styleLbl>
+  <dgm:styleLbl name="solidFgAcc1">
+    <dgm:fillClrLst meth="repeat">
+      <a:schemeClr val="lt2"/>
+    </dgm:fillClrLst>
+    <dgm:linClrLst meth="repeat">
+      <a:schemeClr val="dk2"/>
+    </dgm:linClrLst>
+    <dgm:effectClrLst/>
+    <dgm:txLinClrLst/>
+    <dgm:txFillClrLst meth="repeat">
+      <a:schemeClr val="dk1"/>
+    </dgm:txFillClrLst>
+    <dgm:txEffectClrLst/>
+  </dgm:styleLbl>
+  <dgm:styleLbl name="solidAlignAcc1">
+    <dgm:fillClrLst meth="repeat">
+      <a:schemeClr val="lt2"/>
+    </dgm:fillClrLst>
+    <dgm:linClrLst meth="repeat">
+      <a:schemeClr val="dk2"/>
+    </dgm:linClrLst>
+    <dgm:effectClrLst/>
+    <dgm:txLinClrLst/>
+    <dgm:txFillClrLst meth="repeat">
+      <a:schemeClr val="dk1"/>
+    </dgm:txFillClrLst>
+    <dgm:txEffectClrLst/>
+  </dgm:styleLbl>
+  <dgm:styleLbl name="solidBgAcc1">
+    <dgm:fillClrLst meth="repeat">
+      <a:schemeClr val="lt2"/>
+    </dgm:fillClrLst>
+    <dgm:linClrLst meth="repeat">
+      <a:schemeClr val="dk2"/>
+    </dgm:linClrLst>
+    <dgm:effectClrLst/>
+    <dgm:txLinClrLst/>
+    <dgm:txFillClrLst meth="repeat">
+      <a:schemeClr val="dk1"/>
+    </dgm:txFillClrLst>
+    <dgm:txEffectClrLst/>
+  </dgm:styleLbl>
+  <dgm:styleLbl name="fgAccFollowNode1">
+    <dgm:fillClrLst meth="repeat">
+      <a:schemeClr val="dk2">
+        <a:alpha val="90000"/>
+        <a:tint val="40000"/>
+      </a:schemeClr>
+    </dgm:fillClrLst>
+    <dgm:linClrLst meth="repeat">
+      <a:schemeClr val="dk2">
+        <a:alpha val="90000"/>
+        <a:tint val="40000"/>
+      </a:schemeClr>
+    </dgm:linClrLst>
+    <dgm:effectClrLst/>
+    <dgm:txLinClrLst/>
+    <dgm:txFillClrLst meth="repeat">
+      <a:schemeClr val="dk1"/>
+    </dgm:txFillClrLst>
+    <dgm:txEffectClrLst/>
+  </dgm:styleLbl>
+  <dgm:styleLbl name="alignAccFollowNode1">
+    <dgm:fillClrLst meth="repeat">
+      <a:schemeClr val="dk2">
+        <a:alpha val="90000"/>
+        <a:tint val="40000"/>
+      </a:schemeClr>
+    </dgm:fillClrLst>
+    <dgm:linClrLst meth="repeat">
+      <a:schemeClr val="dk2">
+        <a:alpha val="90000"/>
+        <a:tint val="40000"/>
+      </a:schemeClr>
+    </dgm:linClrLst>
+    <dgm:effectClrLst/>
+    <dgm:txLinClrLst/>
+    <dgm:txFillClrLst meth="repeat">
+      <a:schemeClr val="dk1"/>
+    </dgm:txFillClrLst>
+    <dgm:txEffectClrLst/>
+  </dgm:styleLbl>
+  <dgm:styleLbl name="bgAccFollowNode1">
+    <dgm:fillClrLst meth="repeat">
+      <a:schemeClr val="dk2">
+        <a:alpha val="90000"/>
+        <a:tint val="40000"/>
+      </a:schemeClr>
+    </dgm:fillClrLst>
+    <dgm:linClrLst meth="repeat">
+      <a:schemeClr val="dk2">
+        <a:alpha val="90000"/>
+        <a:tint val="40000"/>
+      </a:schemeClr>
+    </dgm:linClrLst>
+    <dgm:effectClrLst/>
+    <dgm:txLinClrLst/>
+    <dgm:txFillClrLst meth="repeat">
+      <a:schemeClr val="dk1"/>
+    </dgm:txFillClrLst>
+    <dgm:txEffectClrLst/>
+  </dgm:styleLbl>
+  <dgm:styleLbl name="fgAcc0">
+    <dgm:fillClrLst meth="repeat">
+      <a:schemeClr val="lt2">
+        <a:alpha val="90000"/>
+      </a:schemeClr>
+    </dgm:fillClrLst>
+    <dgm:linClrLst meth="repeat">
+      <a:schemeClr val="dk2"/>
+    </dgm:linClrLst>
+    <dgm:effectClrLst/>
+    <dgm:txLinClrLst/>
+    <dgm:txFillClrLst meth="repeat">
+      <a:schemeClr val="dk1"/>
+    </dgm:txFillClrLst>
+    <dgm:txEffectClrLst/>
+  </dgm:styleLbl>
+  <dgm:styleLbl name="fgAcc2">
+    <dgm:fillClrLst meth="repeat">
+      <a:schemeClr val="lt2">
+        <a:alpha val="90000"/>
+      </a:schemeClr>
+    </dgm:fillClrLst>
+    <dgm:linClrLst meth="repeat">
+      <a:schemeClr val="dk2"/>
+    </dgm:linClrLst>
+    <dgm:effectClrLst/>
+    <dgm:txLinClrLst/>
+    <dgm:txFillClrLst meth="repeat">
+      <a:schemeClr val="dk1"/>
+    </dgm:txFillClrLst>
+    <dgm:txEffectClrLst/>
+  </dgm:styleLbl>
+  <dgm:styleLbl name="fgAcc3">
+    <dgm:fillClrLst meth="repeat">
+      <a:schemeClr val="lt2">
+        <a:alpha val="90000"/>
+      </a:schemeClr>
+    </dgm:fillClrLst>
+    <dgm:linClrLst meth="repeat">
+      <a:schemeClr val="dk2"/>
+    </dgm:linClrLst>
+    <dgm:effectClrLst/>
+    <dgm:txLinClrLst/>
+    <dgm:txFillClrLst meth="repeat">
+      <a:schemeClr val="dk1"/>
+    </dgm:txFillClrLst>
+    <dgm:txEffectClrLst/>
+  </dgm:styleLbl>
+  <dgm:styleLbl name="fgAcc4">
+    <dgm:fillClrLst meth="repeat">
+      <a:schemeClr val="lt2">
+        <a:alpha val="90000"/>
+      </a:schemeClr>
+    </dgm:fillClrLst>
+    <dgm:linClrLst meth="repeat">
+      <a:schemeClr val="dk2"/>
+    </dgm:linClrLst>
+    <dgm:effectClrLst/>
+    <dgm:txLinClrLst/>
+    <dgm:txFillClrLst meth="repeat">
+      <a:schemeClr val="dk1"/>
+    </dgm:txFillClrLst>
+    <dgm:txEffectClrLst/>
+  </dgm:styleLbl>
+  <dgm:styleLbl name="bgShp">
+    <dgm:fillClrLst meth="repeat">
+      <a:schemeClr val="dk2"/>
+    </dgm:fillClrLst>
+    <dgm:linClrLst meth="repeat">
+      <a:schemeClr val="lt2">
+        <a:alpha val="0"/>
+      </a:schemeClr>
+    </dgm:linClrLst>
+    <dgm:effectClrLst/>
+    <dgm:txLinClrLst/>
+    <dgm:txFillClrLst/>
+    <dgm:txEffectClrLst/>
+  </dgm:styleLbl>
+  <dgm:styleLbl name="dkBgShp">
+    <dgm:fillClrLst meth="repeat">
+      <a:schemeClr val="dk2">
+        <a:shade val="80000"/>
+      </a:schemeClr>
+    </dgm:fillClrLst>
+    <dgm:linClrLst meth="repeat">
+      <a:schemeClr val="dk2"/>
+    </dgm:linClrLst>
+    <dgm:effectClrLst/>
+    <dgm:txLinClrLst/>
+    <dgm:txFillClrLst meth="repeat">
+      <a:schemeClr val="lt1"/>
+    </dgm:txFillClrLst>
+    <dgm:txEffectClrLst/>
+  </dgm:styleLbl>
+  <dgm:styleLbl name="trBgShp">
+    <dgm:fillClrLst meth="repeat">
+      <a:schemeClr val="dk2">
+        <a:tint val="50000"/>
+        <a:alpha val="40000"/>
+      </a:schemeClr>
+    </dgm:fillClrLst>
+    <dgm:linClrLst meth="repeat">
+      <a:schemeClr val="dk2"/>
+    </dgm:linClrLst>
+    <dgm:effectClrLst/>
+    <dgm:txLinClrLst/>
+    <dgm:txFillClrLst meth="repeat">
+      <a:schemeClr val="lt1"/>
+    </dgm:txFillClrLst>
+    <dgm:txEffectClrLst/>
+  </dgm:styleLbl>
+  <dgm:styleLbl name="fgShp">
+    <dgm:fillClrLst meth="repeat">
+      <a:schemeClr val="dk2">
+        <a:tint val="60000"/>
+      </a:schemeClr>
+    </dgm:fillClrLst>
+    <dgm:linClrLst meth="repeat">
+      <a:schemeClr val="lt2"/>
+    </dgm:linClrLst>
+    <dgm:effectClrLst/>
+    <dgm:txLinClrLst/>
+    <dgm:txFillClrLst meth="repeat">
+      <a:schemeClr val="dk1"/>
+    </dgm:txFillClrLst>
+    <dgm:txEffectClrLst/>
+  </dgm:styleLbl>
+  <dgm:styleLbl name="revTx">
+    <dgm:fillClrLst meth="repeat">
+      <a:schemeClr val="lt2">
+        <a:alpha val="0"/>
+      </a:schemeClr>
+    </dgm:fillClrLst>
+    <dgm:linClrLst meth="repeat">
+      <a:schemeClr val="dk1">
+        <a:alpha val="0"/>
+      </a:schemeClr>
+    </dgm:linClrLst>
+    <dgm:effectClrLst/>
+    <dgm:txLinClrLst/>
+    <dgm:txFillClrLst meth="repeat">
+      <a:schemeClr val="tx1"/>
+    </dgm:txFillClrLst>
+    <dgm:txEffectClrLst/>
+  </dgm:styleLbl>
+</dgm:colorsDef>
+</file>
+
+<file path=ppt/diagrams/colors3.xml><?xml version="1.0" encoding="utf-8"?>
 <dgm:colorsDef xmlns:dgm="http://schemas.openxmlformats.org/drawingml/2006/diagram" xmlns:a="http://schemas.openxmlformats.org/drawingml/2006/main" uniqueId="urn:microsoft.com/office/officeart/2005/8/colors/accent1_2">
   <dgm:title val=""/>
   <dgm:desc val=""/>
@@ -1603,759 +2359,6 @@
   <dgm:styleLbl name="revTx">
     <dgm:fillClrLst meth="repeat">
       <a:schemeClr val="lt1">
-        <a:alpha val="0"/>
-      </a:schemeClr>
-    </dgm:fillClrLst>
-    <dgm:linClrLst meth="repeat">
-      <a:schemeClr val="dk1">
-        <a:alpha val="0"/>
-      </a:schemeClr>
-    </dgm:linClrLst>
-    <dgm:effectClrLst/>
-    <dgm:txLinClrLst/>
-    <dgm:txFillClrLst meth="repeat">
-      <a:schemeClr val="tx1"/>
-    </dgm:txFillClrLst>
-    <dgm:txEffectClrLst/>
-  </dgm:styleLbl>
-</dgm:colorsDef>
-</file>
-
-<file path=ppt/diagrams/colors3.xml><?xml version="1.0" encoding="utf-8"?>
-<dgm:colorsDef xmlns:dgm="http://schemas.openxmlformats.org/drawingml/2006/diagram" xmlns:a="http://schemas.openxmlformats.org/drawingml/2006/main" uniqueId="urn:microsoft.com/office/officeart/2018/5/colors/Iconchunking_neutralicon_accent0_3">
-  <dgm:title val=""/>
-  <dgm:desc val=""/>
-  <dgm:catLst>
-    <dgm:cat type="mainScheme" pri="10300"/>
-  </dgm:catLst>
-  <dgm:styleLbl name="node0">
-    <dgm:fillClrLst meth="repeat">
-      <a:schemeClr val="dk2"/>
-    </dgm:fillClrLst>
-    <dgm:linClrLst meth="repeat">
-      <a:schemeClr val="lt2"/>
-    </dgm:linClrLst>
-    <dgm:effectClrLst/>
-    <dgm:txLinClrLst/>
-    <dgm:txFillClrLst/>
-    <dgm:txEffectClrLst/>
-  </dgm:styleLbl>
-  <dgm:styleLbl name="alignNode1">
-    <dgm:fillClrLst meth="repeat">
-      <a:schemeClr val="dk2"/>
-    </dgm:fillClrLst>
-    <dgm:linClrLst meth="repeat">
-      <a:schemeClr val="dk2"/>
-    </dgm:linClrLst>
-    <dgm:effectClrLst/>
-    <dgm:txLinClrLst/>
-    <dgm:txFillClrLst/>
-    <dgm:txEffectClrLst/>
-  </dgm:styleLbl>
-  <dgm:styleLbl name="node1">
-    <dgm:fillClrLst meth="repeat">
-      <a:schemeClr val="bg1"/>
-    </dgm:fillClrLst>
-    <dgm:linClrLst meth="repeat">
-      <a:schemeClr val="lt2">
-        <a:alpha val="0"/>
-      </a:schemeClr>
-    </dgm:linClrLst>
-    <dgm:effectClrLst/>
-    <dgm:txLinClrLst/>
-    <dgm:txFillClrLst meth="repeat">
-      <a:schemeClr val="dk1"/>
-    </dgm:txFillClrLst>
-    <dgm:txEffectClrLst/>
-  </dgm:styleLbl>
-  <dgm:styleLbl name="lnNode1">
-    <dgm:fillClrLst meth="repeat">
-      <a:schemeClr val="dk2"/>
-    </dgm:fillClrLst>
-    <dgm:linClrLst meth="repeat">
-      <a:schemeClr val="lt2"/>
-    </dgm:linClrLst>
-    <dgm:effectClrLst/>
-    <dgm:txLinClrLst/>
-    <dgm:txFillClrLst/>
-    <dgm:txEffectClrLst/>
-  </dgm:styleLbl>
-  <dgm:styleLbl name="vennNode1">
-    <dgm:fillClrLst meth="repeat">
-      <a:schemeClr val="dk2">
-        <a:alpha val="50000"/>
-      </a:schemeClr>
-    </dgm:fillClrLst>
-    <dgm:linClrLst meth="repeat">
-      <a:schemeClr val="lt2"/>
-    </dgm:linClrLst>
-    <dgm:effectClrLst/>
-    <dgm:txLinClrLst/>
-    <dgm:txFillClrLst/>
-    <dgm:txEffectClrLst/>
-  </dgm:styleLbl>
-  <dgm:styleLbl name="node2">
-    <dgm:fillClrLst meth="repeat">
-      <a:schemeClr val="dk2"/>
-    </dgm:fillClrLst>
-    <dgm:linClrLst meth="repeat">
-      <a:schemeClr val="lt2"/>
-    </dgm:linClrLst>
-    <dgm:effectClrLst/>
-    <dgm:txLinClrLst/>
-    <dgm:txFillClrLst/>
-    <dgm:txEffectClrLst/>
-  </dgm:styleLbl>
-  <dgm:styleLbl name="node3">
-    <dgm:fillClrLst meth="repeat">
-      <a:schemeClr val="dk2"/>
-    </dgm:fillClrLst>
-    <dgm:linClrLst meth="repeat">
-      <a:schemeClr val="lt2"/>
-    </dgm:linClrLst>
-    <dgm:effectClrLst/>
-    <dgm:txLinClrLst/>
-    <dgm:txFillClrLst/>
-    <dgm:txEffectClrLst/>
-  </dgm:styleLbl>
-  <dgm:styleLbl name="node4">
-    <dgm:fillClrLst meth="repeat">
-      <a:schemeClr val="dk2"/>
-    </dgm:fillClrLst>
-    <dgm:linClrLst meth="repeat">
-      <a:schemeClr val="lt2"/>
-    </dgm:linClrLst>
-    <dgm:effectClrLst/>
-    <dgm:txLinClrLst/>
-    <dgm:txFillClrLst/>
-    <dgm:txEffectClrLst/>
-  </dgm:styleLbl>
-  <dgm:styleLbl name="fgImgPlace1">
-    <dgm:fillClrLst meth="repeat">
-      <a:schemeClr val="dk2">
-        <a:tint val="50000"/>
-      </a:schemeClr>
-    </dgm:fillClrLst>
-    <dgm:linClrLst meth="repeat">
-      <a:schemeClr val="lt2"/>
-    </dgm:linClrLst>
-    <dgm:effectClrLst/>
-    <dgm:txLinClrLst/>
-    <dgm:txFillClrLst meth="repeat">
-      <a:schemeClr val="lt2"/>
-    </dgm:txFillClrLst>
-    <dgm:txEffectClrLst/>
-  </dgm:styleLbl>
-  <dgm:styleLbl name="alignImgPlace1">
-    <dgm:fillClrLst meth="repeat">
-      <a:schemeClr val="dk2">
-        <a:tint val="50000"/>
-      </a:schemeClr>
-    </dgm:fillClrLst>
-    <dgm:linClrLst meth="repeat">
-      <a:schemeClr val="dk2">
-        <a:shade val="80000"/>
-      </a:schemeClr>
-    </dgm:linClrLst>
-    <dgm:effectClrLst/>
-    <dgm:txLinClrLst/>
-    <dgm:txFillClrLst meth="repeat">
-      <a:schemeClr val="lt2"/>
-    </dgm:txFillClrLst>
-    <dgm:txEffectClrLst/>
-  </dgm:styleLbl>
-  <dgm:styleLbl name="bgImgPlace1">
-    <dgm:fillClrLst meth="repeat">
-      <a:schemeClr val="dk2">
-        <a:tint val="50000"/>
-      </a:schemeClr>
-    </dgm:fillClrLst>
-    <dgm:linClrLst meth="repeat">
-      <a:schemeClr val="dk2">
-        <a:shade val="80000"/>
-      </a:schemeClr>
-    </dgm:linClrLst>
-    <dgm:effectClrLst/>
-    <dgm:txLinClrLst/>
-    <dgm:txFillClrLst meth="repeat">
-      <a:schemeClr val="lt2"/>
-    </dgm:txFillClrLst>
-    <dgm:txEffectClrLst/>
-  </dgm:styleLbl>
-  <dgm:styleLbl name="sibTrans2D1">
-    <dgm:fillClrLst meth="repeat">
-      <a:schemeClr val="dk2">
-        <a:tint val="60000"/>
-      </a:schemeClr>
-    </dgm:fillClrLst>
-    <dgm:linClrLst meth="repeat">
-      <a:schemeClr val="dk2">
-        <a:tint val="60000"/>
-      </a:schemeClr>
-    </dgm:linClrLst>
-    <dgm:effectClrLst/>
-    <dgm:txLinClrLst/>
-    <dgm:txFillClrLst/>
-    <dgm:txEffectClrLst/>
-  </dgm:styleLbl>
-  <dgm:styleLbl name="fgSibTrans2D1">
-    <dgm:fillClrLst meth="repeat">
-      <a:schemeClr val="dk2">
-        <a:tint val="60000"/>
-      </a:schemeClr>
-    </dgm:fillClrLst>
-    <dgm:linClrLst meth="repeat">
-      <a:schemeClr val="dk2">
-        <a:tint val="60000"/>
-      </a:schemeClr>
-    </dgm:linClrLst>
-    <dgm:effectClrLst/>
-    <dgm:txLinClrLst/>
-    <dgm:txFillClrLst/>
-    <dgm:txEffectClrLst/>
-  </dgm:styleLbl>
-  <dgm:styleLbl name="bgSibTrans2D1">
-    <dgm:fillClrLst meth="repeat">
-      <a:schemeClr val="dk2">
-        <a:tint val="60000"/>
-      </a:schemeClr>
-    </dgm:fillClrLst>
-    <dgm:linClrLst meth="repeat">
-      <a:schemeClr val="dk2">
-        <a:tint val="60000"/>
-      </a:schemeClr>
-    </dgm:linClrLst>
-    <dgm:effectClrLst/>
-    <dgm:txLinClrLst/>
-    <dgm:txFillClrLst/>
-    <dgm:txEffectClrLst/>
-  </dgm:styleLbl>
-  <dgm:styleLbl name="sibTrans1D1">
-    <dgm:fillClrLst meth="repeat">
-      <a:schemeClr val="dk2"/>
-    </dgm:fillClrLst>
-    <dgm:linClrLst meth="repeat">
-      <a:schemeClr val="dk2"/>
-    </dgm:linClrLst>
-    <dgm:effectClrLst/>
-    <dgm:txLinClrLst/>
-    <dgm:txFillClrLst meth="repeat">
-      <a:schemeClr val="lt2"/>
-    </dgm:txFillClrLst>
-    <dgm:txEffectClrLst/>
-  </dgm:styleLbl>
-  <dgm:styleLbl name="callout">
-    <dgm:fillClrLst meth="repeat">
-      <a:schemeClr val="dk2"/>
-    </dgm:fillClrLst>
-    <dgm:linClrLst meth="repeat">
-      <a:schemeClr val="dk2">
-        <a:tint val="50000"/>
-      </a:schemeClr>
-    </dgm:linClrLst>
-    <dgm:effectClrLst/>
-    <dgm:txLinClrLst/>
-    <dgm:txFillClrLst meth="repeat">
-      <a:schemeClr val="lt2"/>
-    </dgm:txFillClrLst>
-    <dgm:txEffectClrLst/>
-  </dgm:styleLbl>
-  <dgm:styleLbl name="asst0">
-    <dgm:fillClrLst meth="repeat">
-      <a:schemeClr val="dk2"/>
-    </dgm:fillClrLst>
-    <dgm:linClrLst meth="repeat">
-      <a:schemeClr val="lt2"/>
-    </dgm:linClrLst>
-    <dgm:effectClrLst/>
-    <dgm:txLinClrLst/>
-    <dgm:txFillClrLst/>
-    <dgm:txEffectClrLst/>
-  </dgm:styleLbl>
-  <dgm:styleLbl name="asst1">
-    <dgm:fillClrLst meth="repeat">
-      <a:schemeClr val="dk2"/>
-    </dgm:fillClrLst>
-    <dgm:linClrLst meth="repeat">
-      <a:schemeClr val="lt2"/>
-    </dgm:linClrLst>
-    <dgm:effectClrLst/>
-    <dgm:txLinClrLst/>
-    <dgm:txFillClrLst/>
-    <dgm:txEffectClrLst/>
-  </dgm:styleLbl>
-  <dgm:styleLbl name="asst2">
-    <dgm:fillClrLst meth="repeat">
-      <a:schemeClr val="dk2"/>
-    </dgm:fillClrLst>
-    <dgm:linClrLst meth="repeat">
-      <a:schemeClr val="lt2"/>
-    </dgm:linClrLst>
-    <dgm:effectClrLst/>
-    <dgm:txLinClrLst/>
-    <dgm:txFillClrLst/>
-    <dgm:txEffectClrLst/>
-  </dgm:styleLbl>
-  <dgm:styleLbl name="asst3">
-    <dgm:fillClrLst meth="repeat">
-      <a:schemeClr val="dk2"/>
-    </dgm:fillClrLst>
-    <dgm:linClrLst meth="repeat">
-      <a:schemeClr val="lt2"/>
-    </dgm:linClrLst>
-    <dgm:effectClrLst/>
-    <dgm:txLinClrLst/>
-    <dgm:txFillClrLst/>
-    <dgm:txEffectClrLst/>
-  </dgm:styleLbl>
-  <dgm:styleLbl name="asst4">
-    <dgm:fillClrLst meth="repeat">
-      <a:schemeClr val="dk2"/>
-    </dgm:fillClrLst>
-    <dgm:linClrLst meth="repeat">
-      <a:schemeClr val="lt2"/>
-    </dgm:linClrLst>
-    <dgm:effectClrLst/>
-    <dgm:txLinClrLst/>
-    <dgm:txFillClrLst/>
-    <dgm:txEffectClrLst/>
-  </dgm:styleLbl>
-  <dgm:styleLbl name="parChTrans2D1">
-    <dgm:fillClrLst meth="repeat">
-      <a:schemeClr val="dk2">
-        <a:tint val="60000"/>
-      </a:schemeClr>
-    </dgm:fillClrLst>
-    <dgm:linClrLst meth="repeat">
-      <a:schemeClr val="dk2">
-        <a:tint val="60000"/>
-      </a:schemeClr>
-    </dgm:linClrLst>
-    <dgm:effectClrLst/>
-    <dgm:txLinClrLst/>
-    <dgm:txFillClrLst meth="repeat">
-      <a:schemeClr val="lt2"/>
-    </dgm:txFillClrLst>
-    <dgm:txEffectClrLst/>
-  </dgm:styleLbl>
-  <dgm:styleLbl name="parChTrans2D2">
-    <dgm:fillClrLst meth="repeat">
-      <a:schemeClr val="dk2"/>
-    </dgm:fillClrLst>
-    <dgm:linClrLst meth="repeat">
-      <a:schemeClr val="dk2"/>
-    </dgm:linClrLst>
-    <dgm:effectClrLst/>
-    <dgm:txLinClrLst/>
-    <dgm:txFillClrLst meth="repeat">
-      <a:schemeClr val="lt2"/>
-    </dgm:txFillClrLst>
-    <dgm:txEffectClrLst/>
-  </dgm:styleLbl>
-  <dgm:styleLbl name="parChTrans2D3">
-    <dgm:fillClrLst meth="repeat">
-      <a:schemeClr val="dk2"/>
-    </dgm:fillClrLst>
-    <dgm:linClrLst meth="repeat">
-      <a:schemeClr val="dk2"/>
-    </dgm:linClrLst>
-    <dgm:effectClrLst/>
-    <dgm:txLinClrLst/>
-    <dgm:txFillClrLst meth="repeat">
-      <a:schemeClr val="lt2"/>
-    </dgm:txFillClrLst>
-    <dgm:txEffectClrLst/>
-  </dgm:styleLbl>
-  <dgm:styleLbl name="parChTrans2D4">
-    <dgm:fillClrLst meth="repeat">
-      <a:schemeClr val="dk2"/>
-    </dgm:fillClrLst>
-    <dgm:linClrLst meth="repeat">
-      <a:schemeClr val="dk2"/>
-    </dgm:linClrLst>
-    <dgm:effectClrLst/>
-    <dgm:txLinClrLst/>
-    <dgm:txFillClrLst meth="repeat">
-      <a:schemeClr val="lt2"/>
-    </dgm:txFillClrLst>
-    <dgm:txEffectClrLst/>
-  </dgm:styleLbl>
-  <dgm:styleLbl name="parChTrans1D1">
-    <dgm:fillClrLst meth="repeat">
-      <a:schemeClr val="dk2"/>
-    </dgm:fillClrLst>
-    <dgm:linClrLst meth="repeat">
-      <a:schemeClr val="dk2">
-        <a:shade val="60000"/>
-      </a:schemeClr>
-    </dgm:linClrLst>
-    <dgm:effectClrLst/>
-    <dgm:txLinClrLst/>
-    <dgm:txFillClrLst meth="repeat">
-      <a:schemeClr val="tx1"/>
-    </dgm:txFillClrLst>
-    <dgm:txEffectClrLst/>
-  </dgm:styleLbl>
-  <dgm:styleLbl name="parChTrans1D2">
-    <dgm:fillClrLst meth="repeat">
-      <a:schemeClr val="dk2"/>
-    </dgm:fillClrLst>
-    <dgm:linClrLst meth="repeat">
-      <a:schemeClr val="dk2">
-        <a:shade val="60000"/>
-      </a:schemeClr>
-    </dgm:linClrLst>
-    <dgm:effectClrLst/>
-    <dgm:txLinClrLst/>
-    <dgm:txFillClrLst meth="repeat">
-      <a:schemeClr val="tx1"/>
-    </dgm:txFillClrLst>
-    <dgm:txEffectClrLst/>
-  </dgm:styleLbl>
-  <dgm:styleLbl name="parChTrans1D3">
-    <dgm:fillClrLst meth="repeat">
-      <a:schemeClr val="dk2"/>
-    </dgm:fillClrLst>
-    <dgm:linClrLst meth="repeat">
-      <a:schemeClr val="dk2">
-        <a:shade val="80000"/>
-      </a:schemeClr>
-    </dgm:linClrLst>
-    <dgm:effectClrLst/>
-    <dgm:txLinClrLst/>
-    <dgm:txFillClrLst meth="repeat">
-      <a:schemeClr val="tx1"/>
-    </dgm:txFillClrLst>
-    <dgm:txEffectClrLst/>
-  </dgm:styleLbl>
-  <dgm:styleLbl name="parChTrans1D4">
-    <dgm:fillClrLst meth="repeat">
-      <a:schemeClr val="dk2"/>
-    </dgm:fillClrLst>
-    <dgm:linClrLst meth="repeat">
-      <a:schemeClr val="dk2">
-        <a:shade val="80000"/>
-      </a:schemeClr>
-    </dgm:linClrLst>
-    <dgm:effectClrLst/>
-    <dgm:txLinClrLst/>
-    <dgm:txFillClrLst meth="repeat">
-      <a:schemeClr val="tx1"/>
-    </dgm:txFillClrLst>
-    <dgm:txEffectClrLst/>
-  </dgm:styleLbl>
-  <dgm:styleLbl name="fgAcc1">
-    <dgm:fillClrLst meth="repeat">
-      <a:schemeClr val="lt2">
-        <a:alpha val="90000"/>
-      </a:schemeClr>
-    </dgm:fillClrLst>
-    <dgm:linClrLst meth="repeat">
-      <a:schemeClr val="dk2"/>
-    </dgm:linClrLst>
-    <dgm:effectClrLst/>
-    <dgm:txLinClrLst/>
-    <dgm:txFillClrLst meth="repeat">
-      <a:schemeClr val="dk1"/>
-    </dgm:txFillClrLst>
-    <dgm:txEffectClrLst/>
-  </dgm:styleLbl>
-  <dgm:styleLbl name="conFgAcc1">
-    <dgm:fillClrLst meth="repeat">
-      <a:schemeClr val="lt2">
-        <a:alpha val="90000"/>
-      </a:schemeClr>
-    </dgm:fillClrLst>
-    <dgm:linClrLst meth="repeat">
-      <a:schemeClr val="dk2"/>
-    </dgm:linClrLst>
-    <dgm:effectClrLst/>
-    <dgm:txLinClrLst/>
-    <dgm:txFillClrLst meth="repeat">
-      <a:schemeClr val="dk1"/>
-    </dgm:txFillClrLst>
-    <dgm:txEffectClrLst/>
-  </dgm:styleLbl>
-  <dgm:styleLbl name="alignAcc1">
-    <dgm:fillClrLst meth="repeat">
-      <a:schemeClr val="lt2">
-        <a:alpha val="90000"/>
-      </a:schemeClr>
-    </dgm:fillClrLst>
-    <dgm:linClrLst meth="repeat">
-      <a:schemeClr val="dk2"/>
-    </dgm:linClrLst>
-    <dgm:effectClrLst/>
-    <dgm:txLinClrLst/>
-    <dgm:txFillClrLst meth="repeat">
-      <a:schemeClr val="dk1"/>
-    </dgm:txFillClrLst>
-    <dgm:txEffectClrLst/>
-  </dgm:styleLbl>
-  <dgm:styleLbl name="trAlignAcc1">
-    <dgm:fillClrLst meth="repeat">
-      <a:schemeClr val="lt2">
-        <a:alpha val="40000"/>
-      </a:schemeClr>
-    </dgm:fillClrLst>
-    <dgm:linClrLst meth="repeat">
-      <a:schemeClr val="dk2"/>
-    </dgm:linClrLst>
-    <dgm:effectClrLst/>
-    <dgm:txLinClrLst/>
-    <dgm:txFillClrLst meth="repeat">
-      <a:schemeClr val="dk1"/>
-    </dgm:txFillClrLst>
-    <dgm:txEffectClrLst/>
-  </dgm:styleLbl>
-  <dgm:styleLbl name="bgAcc1">
-    <dgm:fillClrLst meth="repeat">
-      <a:schemeClr val="lt2">
-        <a:alpha val="90000"/>
-      </a:schemeClr>
-    </dgm:fillClrLst>
-    <dgm:linClrLst meth="repeat">
-      <a:schemeClr val="dk2"/>
-    </dgm:linClrLst>
-    <dgm:effectClrLst/>
-    <dgm:txLinClrLst/>
-    <dgm:txFillClrLst meth="repeat">
-      <a:schemeClr val="dk1"/>
-    </dgm:txFillClrLst>
-    <dgm:txEffectClrLst/>
-  </dgm:styleLbl>
-  <dgm:styleLbl name="solidFgAcc1">
-    <dgm:fillClrLst meth="repeat">
-      <a:schemeClr val="lt2"/>
-    </dgm:fillClrLst>
-    <dgm:linClrLst meth="repeat">
-      <a:schemeClr val="dk2"/>
-    </dgm:linClrLst>
-    <dgm:effectClrLst/>
-    <dgm:txLinClrLst/>
-    <dgm:txFillClrLst meth="repeat">
-      <a:schemeClr val="dk1"/>
-    </dgm:txFillClrLst>
-    <dgm:txEffectClrLst/>
-  </dgm:styleLbl>
-  <dgm:styleLbl name="solidAlignAcc1">
-    <dgm:fillClrLst meth="repeat">
-      <a:schemeClr val="lt2"/>
-    </dgm:fillClrLst>
-    <dgm:linClrLst meth="repeat">
-      <a:schemeClr val="dk2"/>
-    </dgm:linClrLst>
-    <dgm:effectClrLst/>
-    <dgm:txLinClrLst/>
-    <dgm:txFillClrLst meth="repeat">
-      <a:schemeClr val="dk1"/>
-    </dgm:txFillClrLst>
-    <dgm:txEffectClrLst/>
-  </dgm:styleLbl>
-  <dgm:styleLbl name="solidBgAcc1">
-    <dgm:fillClrLst meth="repeat">
-      <a:schemeClr val="lt2"/>
-    </dgm:fillClrLst>
-    <dgm:linClrLst meth="repeat">
-      <a:schemeClr val="dk2"/>
-    </dgm:linClrLst>
-    <dgm:effectClrLst/>
-    <dgm:txLinClrLst/>
-    <dgm:txFillClrLst meth="repeat">
-      <a:schemeClr val="dk1"/>
-    </dgm:txFillClrLst>
-    <dgm:txEffectClrLst/>
-  </dgm:styleLbl>
-  <dgm:styleLbl name="fgAccFollowNode1">
-    <dgm:fillClrLst meth="repeat">
-      <a:schemeClr val="dk2">
-        <a:alpha val="90000"/>
-        <a:tint val="40000"/>
-      </a:schemeClr>
-    </dgm:fillClrLst>
-    <dgm:linClrLst meth="repeat">
-      <a:schemeClr val="dk2">
-        <a:alpha val="90000"/>
-        <a:tint val="40000"/>
-      </a:schemeClr>
-    </dgm:linClrLst>
-    <dgm:effectClrLst/>
-    <dgm:txLinClrLst/>
-    <dgm:txFillClrLst meth="repeat">
-      <a:schemeClr val="dk1"/>
-    </dgm:txFillClrLst>
-    <dgm:txEffectClrLst/>
-  </dgm:styleLbl>
-  <dgm:styleLbl name="alignAccFollowNode1">
-    <dgm:fillClrLst meth="repeat">
-      <a:schemeClr val="dk2">
-        <a:alpha val="90000"/>
-        <a:tint val="40000"/>
-      </a:schemeClr>
-    </dgm:fillClrLst>
-    <dgm:linClrLst meth="repeat">
-      <a:schemeClr val="dk2">
-        <a:alpha val="90000"/>
-        <a:tint val="40000"/>
-      </a:schemeClr>
-    </dgm:linClrLst>
-    <dgm:effectClrLst/>
-    <dgm:txLinClrLst/>
-    <dgm:txFillClrLst meth="repeat">
-      <a:schemeClr val="dk1"/>
-    </dgm:txFillClrLst>
-    <dgm:txEffectClrLst/>
-  </dgm:styleLbl>
-  <dgm:styleLbl name="bgAccFollowNode1">
-    <dgm:fillClrLst meth="repeat">
-      <a:schemeClr val="dk2">
-        <a:alpha val="90000"/>
-        <a:tint val="40000"/>
-      </a:schemeClr>
-    </dgm:fillClrLst>
-    <dgm:linClrLst meth="repeat">
-      <a:schemeClr val="dk2">
-        <a:alpha val="90000"/>
-        <a:tint val="40000"/>
-      </a:schemeClr>
-    </dgm:linClrLst>
-    <dgm:effectClrLst/>
-    <dgm:txLinClrLst/>
-    <dgm:txFillClrLst meth="repeat">
-      <a:schemeClr val="dk1"/>
-    </dgm:txFillClrLst>
-    <dgm:txEffectClrLst/>
-  </dgm:styleLbl>
-  <dgm:styleLbl name="fgAcc0">
-    <dgm:fillClrLst meth="repeat">
-      <a:schemeClr val="lt2">
-        <a:alpha val="90000"/>
-      </a:schemeClr>
-    </dgm:fillClrLst>
-    <dgm:linClrLst meth="repeat">
-      <a:schemeClr val="dk2"/>
-    </dgm:linClrLst>
-    <dgm:effectClrLst/>
-    <dgm:txLinClrLst/>
-    <dgm:txFillClrLst meth="repeat">
-      <a:schemeClr val="dk1"/>
-    </dgm:txFillClrLst>
-    <dgm:txEffectClrLst/>
-  </dgm:styleLbl>
-  <dgm:styleLbl name="fgAcc2">
-    <dgm:fillClrLst meth="repeat">
-      <a:schemeClr val="lt2">
-        <a:alpha val="90000"/>
-      </a:schemeClr>
-    </dgm:fillClrLst>
-    <dgm:linClrLst meth="repeat">
-      <a:schemeClr val="dk2"/>
-    </dgm:linClrLst>
-    <dgm:effectClrLst/>
-    <dgm:txLinClrLst/>
-    <dgm:txFillClrLst meth="repeat">
-      <a:schemeClr val="dk1"/>
-    </dgm:txFillClrLst>
-    <dgm:txEffectClrLst/>
-  </dgm:styleLbl>
-  <dgm:styleLbl name="fgAcc3">
-    <dgm:fillClrLst meth="repeat">
-      <a:schemeClr val="lt2">
-        <a:alpha val="90000"/>
-      </a:schemeClr>
-    </dgm:fillClrLst>
-    <dgm:linClrLst meth="repeat">
-      <a:schemeClr val="dk2"/>
-    </dgm:linClrLst>
-    <dgm:effectClrLst/>
-    <dgm:txLinClrLst/>
-    <dgm:txFillClrLst meth="repeat">
-      <a:schemeClr val="dk1"/>
-    </dgm:txFillClrLst>
-    <dgm:txEffectClrLst/>
-  </dgm:styleLbl>
-  <dgm:styleLbl name="fgAcc4">
-    <dgm:fillClrLst meth="repeat">
-      <a:schemeClr val="lt2">
-        <a:alpha val="90000"/>
-      </a:schemeClr>
-    </dgm:fillClrLst>
-    <dgm:linClrLst meth="repeat">
-      <a:schemeClr val="dk2"/>
-    </dgm:linClrLst>
-    <dgm:effectClrLst/>
-    <dgm:txLinClrLst/>
-    <dgm:txFillClrLst meth="repeat">
-      <a:schemeClr val="dk1"/>
-    </dgm:txFillClrLst>
-    <dgm:txEffectClrLst/>
-  </dgm:styleLbl>
-  <dgm:styleLbl name="bgShp">
-    <dgm:fillClrLst meth="repeat">
-      <a:schemeClr val="dk2"/>
-    </dgm:fillClrLst>
-    <dgm:linClrLst meth="repeat">
-      <a:schemeClr val="lt2">
-        <a:alpha val="0"/>
-      </a:schemeClr>
-    </dgm:linClrLst>
-    <dgm:effectClrLst/>
-    <dgm:txLinClrLst/>
-    <dgm:txFillClrLst/>
-    <dgm:txEffectClrLst/>
-  </dgm:styleLbl>
-  <dgm:styleLbl name="dkBgShp">
-    <dgm:fillClrLst meth="repeat">
-      <a:schemeClr val="dk2">
-        <a:shade val="80000"/>
-      </a:schemeClr>
-    </dgm:fillClrLst>
-    <dgm:linClrLst meth="repeat">
-      <a:schemeClr val="dk2"/>
-    </dgm:linClrLst>
-    <dgm:effectClrLst/>
-    <dgm:txLinClrLst/>
-    <dgm:txFillClrLst meth="repeat">
-      <a:schemeClr val="lt1"/>
-    </dgm:txFillClrLst>
-    <dgm:txEffectClrLst/>
-  </dgm:styleLbl>
-  <dgm:styleLbl name="trBgShp">
-    <dgm:fillClrLst meth="repeat">
-      <a:schemeClr val="dk2">
-        <a:tint val="50000"/>
-        <a:alpha val="40000"/>
-      </a:schemeClr>
-    </dgm:fillClrLst>
-    <dgm:linClrLst meth="repeat">
-      <a:schemeClr val="dk2"/>
-    </dgm:linClrLst>
-    <dgm:effectClrLst/>
-    <dgm:txLinClrLst/>
-    <dgm:txFillClrLst meth="repeat">
-      <a:schemeClr val="lt1"/>
-    </dgm:txFillClrLst>
-    <dgm:txEffectClrLst/>
-  </dgm:styleLbl>
-  <dgm:styleLbl name="fgShp">
-    <dgm:fillClrLst meth="repeat">
-      <a:schemeClr val="dk2">
-        <a:tint val="60000"/>
-      </a:schemeClr>
-    </dgm:fillClrLst>
-    <dgm:linClrLst meth="repeat">
-      <a:schemeClr val="lt2"/>
-    </dgm:linClrLst>
-    <dgm:effectClrLst/>
-    <dgm:txLinClrLst/>
-    <dgm:txFillClrLst meth="repeat">
-      <a:schemeClr val="dk1"/>
-    </dgm:txFillClrLst>
-    <dgm:txEffectClrLst/>
-  </dgm:styleLbl>
-  <dgm:styleLbl name="revTx">
-    <dgm:fillClrLst meth="repeat">
-      <a:schemeClr val="lt2">
         <a:alpha val="0"/>
       </a:schemeClr>
     </dgm:fillClrLst>
@@ -3016,13 +3019,457 @@
   <dgm:whole/>
   <dgm:extLst>
     <a:ext uri="http://schemas.microsoft.com/office/drawing/2008/diagram">
-      <dsp:dataModelExt xmlns:dsp="http://schemas.microsoft.com/office/drawing/2008/diagram" relId="rId7" minVer="http://schemas.openxmlformats.org/drawingml/2006/diagram"/>
+      <dsp:dataModelExt xmlns:dsp="http://schemas.microsoft.com/office/drawing/2008/diagram" relId="rId8" minVer="http://schemas.openxmlformats.org/drawingml/2006/diagram"/>
     </a:ext>
   </dgm:extLst>
 </dgm:dataModel>
 </file>
 
 <file path=ppt/diagrams/data2.xml><?xml version="1.0" encoding="utf-8"?>
+<dgm:dataModel xmlns:dgm="http://schemas.openxmlformats.org/drawingml/2006/diagram" xmlns:a="http://schemas.openxmlformats.org/drawingml/2006/main">
+  <dgm:ptLst>
+    <dgm:pt modelId="{D7A587FD-9156-4FE6-B857-4DFDD965F980}" type="doc">
+      <dgm:prSet loTypeId="urn:microsoft.com/office/officeart/2018/5/layout/IconCircleLabelList" loCatId="icon" qsTypeId="urn:microsoft.com/office/officeart/2005/8/quickstyle/simple1" qsCatId="simple" csTypeId="urn:microsoft.com/office/officeart/2018/5/colors/Iconchunking_neutralicon_accent0_3" csCatId="mainScheme" phldr="1"/>
+      <dgm:spPr/>
+      <dgm:t>
+        <a:bodyPr/>
+        <a:lstStyle/>
+        <a:p>
+          <a:endParaRPr lang="en-US"/>
+        </a:p>
+      </dgm:t>
+    </dgm:pt>
+    <dgm:pt modelId="{BF62DA4A-DF28-4FD2-857D-A4415BD37848}">
+      <dgm:prSet custT="1"/>
+      <dgm:spPr/>
+      <dgm:t>
+        <a:bodyPr/>
+        <a:lstStyle/>
+        <a:p>
+          <a:pPr>
+            <a:lnSpc>
+              <a:spcPct val="100000"/>
+            </a:lnSpc>
+            <a:defRPr cap="all"/>
+          </a:pPr>
+          <a:r>
+            <a:rPr lang="en-US" sz="1100" b="1" dirty="0"/>
+            <a:t>The back-end consists of a web server, application server, and payment gateway.</a:t>
+          </a:r>
+        </a:p>
+      </dgm:t>
+    </dgm:pt>
+    <dgm:pt modelId="{05F084E6-0467-4DB7-B014-2A21F5BD37AD}" type="parTrans" cxnId="{69B5CF3A-49F4-414C-96A9-BF89710DE56D}">
+      <dgm:prSet/>
+      <dgm:spPr/>
+      <dgm:t>
+        <a:bodyPr/>
+        <a:lstStyle/>
+        <a:p>
+          <a:endParaRPr lang="en-US"/>
+        </a:p>
+      </dgm:t>
+    </dgm:pt>
+    <dgm:pt modelId="{A6CAC2AA-54D7-4E8F-B2BD-E2268B9E23AD}" type="sibTrans" cxnId="{69B5CF3A-49F4-414C-96A9-BF89710DE56D}">
+      <dgm:prSet/>
+      <dgm:spPr/>
+      <dgm:t>
+        <a:bodyPr/>
+        <a:lstStyle/>
+        <a:p>
+          <a:endParaRPr lang="en-US"/>
+        </a:p>
+      </dgm:t>
+    </dgm:pt>
+    <dgm:pt modelId="{87939433-38E9-41D8-BF09-AF6D41D58208}">
+      <dgm:prSet custT="1"/>
+      <dgm:spPr/>
+      <dgm:t>
+        <a:bodyPr/>
+        <a:lstStyle/>
+        <a:p>
+          <a:pPr>
+            <a:lnSpc>
+              <a:spcPct val="100000"/>
+            </a:lnSpc>
+            <a:defRPr cap="all"/>
+          </a:pPr>
+          <a:r>
+            <a:rPr lang="en-US" sz="1100" b="1" dirty="0"/>
+            <a:t>The database stores all user and order information, as well as food items and their availability.</a:t>
+          </a:r>
+        </a:p>
+      </dgm:t>
+    </dgm:pt>
+    <dgm:pt modelId="{D9E1509D-960F-466F-B4E6-D9F9091EE54B}" type="parTrans" cxnId="{4A70A4DF-28AE-4459-AA21-CA1D81362110}">
+      <dgm:prSet/>
+      <dgm:spPr/>
+      <dgm:t>
+        <a:bodyPr/>
+        <a:lstStyle/>
+        <a:p>
+          <a:endParaRPr lang="en-US"/>
+        </a:p>
+      </dgm:t>
+    </dgm:pt>
+    <dgm:pt modelId="{B60901D6-3504-4CD6-8562-A2D4E8652D2C}" type="sibTrans" cxnId="{4A70A4DF-28AE-4459-AA21-CA1D81362110}">
+      <dgm:prSet/>
+      <dgm:spPr/>
+      <dgm:t>
+        <a:bodyPr/>
+        <a:lstStyle/>
+        <a:p>
+          <a:endParaRPr lang="en-US"/>
+        </a:p>
+      </dgm:t>
+    </dgm:pt>
+    <dgm:pt modelId="{5CB1800A-08B9-465A-AD09-408F83201E76}">
+      <dgm:prSet custT="1"/>
+      <dgm:spPr/>
+      <dgm:t>
+        <a:bodyPr/>
+        <a:lstStyle/>
+        <a:p>
+          <a:pPr>
+            <a:lnSpc>
+              <a:spcPct val="100000"/>
+            </a:lnSpc>
+            <a:defRPr cap="all"/>
+          </a:pPr>
+          <a:r>
+            <a:rPr lang="en-US" sz="1100" b="1" dirty="0"/>
+            <a:t>The login page allows users to authenticate themselves using their email and password, and the order page allows them to select food items and place an order.</a:t>
+          </a:r>
+        </a:p>
+      </dgm:t>
+    </dgm:pt>
+    <dgm:pt modelId="{799A4015-637D-4C70-97AC-344A4B8C3E99}" type="parTrans" cxnId="{C44A1AB6-3B02-4F5C-A836-9C7071834EE2}">
+      <dgm:prSet/>
+      <dgm:spPr/>
+      <dgm:t>
+        <a:bodyPr/>
+        <a:lstStyle/>
+        <a:p>
+          <a:endParaRPr lang="en-US"/>
+        </a:p>
+      </dgm:t>
+    </dgm:pt>
+    <dgm:pt modelId="{464DA420-84CA-406D-93E1-08ADFBCE8186}" type="sibTrans" cxnId="{C44A1AB6-3B02-4F5C-A836-9C7071834EE2}">
+      <dgm:prSet/>
+      <dgm:spPr/>
+      <dgm:t>
+        <a:bodyPr/>
+        <a:lstStyle/>
+        <a:p>
+          <a:endParaRPr lang="en-US"/>
+        </a:p>
+      </dgm:t>
+    </dgm:pt>
+    <dgm:pt modelId="{EEBD2ABA-4BED-481B-8187-0B6E736FA4C0}">
+      <dgm:prSet custT="1"/>
+      <dgm:spPr/>
+      <dgm:t>
+        <a:bodyPr/>
+        <a:lstStyle/>
+        <a:p>
+          <a:pPr>
+            <a:lnSpc>
+              <a:spcPct val="100000"/>
+            </a:lnSpc>
+            <a:defRPr cap="all"/>
+          </a:pPr>
+          <a:r>
+            <a:rPr lang="en-US" sz="1100" b="1" dirty="0"/>
+            <a:t>The front-end for both pages will have client-side validation and order submission.</a:t>
+          </a:r>
+        </a:p>
+      </dgm:t>
+    </dgm:pt>
+    <dgm:pt modelId="{00070A6F-6FFE-44A7-A215-C16BAF618BBB}" type="parTrans" cxnId="{8C2627A7-857A-4805-B42C-B7E5BA86DF05}">
+      <dgm:prSet/>
+      <dgm:spPr/>
+      <dgm:t>
+        <a:bodyPr/>
+        <a:lstStyle/>
+        <a:p>
+          <a:endParaRPr lang="en-US"/>
+        </a:p>
+      </dgm:t>
+    </dgm:pt>
+    <dgm:pt modelId="{7DC74118-4F4D-455C-9713-B8167C57A725}" type="sibTrans" cxnId="{8C2627A7-857A-4805-B42C-B7E5BA86DF05}">
+      <dgm:prSet/>
+      <dgm:spPr/>
+      <dgm:t>
+        <a:bodyPr/>
+        <a:lstStyle/>
+        <a:p>
+          <a:endParaRPr lang="en-US"/>
+        </a:p>
+      </dgm:t>
+    </dgm:pt>
+    <dgm:pt modelId="{7A52EA71-8D4D-4686-AF4E-3D24AFB461A4}" type="pres">
+      <dgm:prSet presAssocID="{D7A587FD-9156-4FE6-B857-4DFDD965F980}" presName="root" presStyleCnt="0">
+        <dgm:presLayoutVars>
+          <dgm:dir/>
+          <dgm:resizeHandles val="exact"/>
+        </dgm:presLayoutVars>
+      </dgm:prSet>
+      <dgm:spPr/>
+    </dgm:pt>
+    <dgm:pt modelId="{42A36A07-0ED9-4410-BA40-601E822F558F}" type="pres">
+      <dgm:prSet presAssocID="{BF62DA4A-DF28-4FD2-857D-A4415BD37848}" presName="compNode" presStyleCnt="0"/>
+      <dgm:spPr/>
+    </dgm:pt>
+    <dgm:pt modelId="{2D4DAB30-F952-4900-9379-7325F1D9DD42}" type="pres">
+      <dgm:prSet presAssocID="{BF62DA4A-DF28-4FD2-857D-A4415BD37848}" presName="iconBgRect" presStyleLbl="bgShp" presStyleIdx="0" presStyleCnt="4"/>
+      <dgm:spPr/>
+    </dgm:pt>
+    <dgm:pt modelId="{C02F6B60-578D-4416-AE28-4D9AB25FB4F3}" type="pres">
+      <dgm:prSet presAssocID="{BF62DA4A-DF28-4FD2-857D-A4415BD37848}" presName="iconRect" presStyleLbl="node1" presStyleIdx="0" presStyleCnt="4"/>
+      <dgm:spPr>
+        <a:blipFill>
+          <a:blip xmlns:r="http://schemas.openxmlformats.org/officeDocument/2006/relationships" r:embed="rId1">
+            <a:extLst>
+              <a:ext uri="{28A0092B-C50C-407E-A947-70E740481C1C}">
+                <a14:useLocalDpi xmlns:a14="http://schemas.microsoft.com/office/drawing/2010/main" val="0"/>
+              </a:ext>
+              <a:ext uri="{96DAC541-7B7A-43D3-8B79-37D633B846F1}">
+                <asvg:svgBlip xmlns:asvg="http://schemas.microsoft.com/office/drawing/2016/SVG/main" r:embed="rId2"/>
+              </a:ext>
+            </a:extLst>
+          </a:blip>
+          <a:stretch>
+            <a:fillRect/>
+          </a:stretch>
+        </a:blipFill>
+        <a:ln>
+          <a:noFill/>
+        </a:ln>
+      </dgm:spPr>
+      <dgm:extLst>
+        <a:ext uri="{E40237B7-FDA0-4F09-8148-C483321AD2D9}">
+          <dgm14:cNvPr xmlns:dgm14="http://schemas.microsoft.com/office/drawing/2010/diagram" id="0" name="" descr="Server"/>
+        </a:ext>
+      </dgm:extLst>
+    </dgm:pt>
+    <dgm:pt modelId="{97716320-DEDF-4D18-A372-540D6730F21A}" type="pres">
+      <dgm:prSet presAssocID="{BF62DA4A-DF28-4FD2-857D-A4415BD37848}" presName="spaceRect" presStyleCnt="0"/>
+      <dgm:spPr/>
+    </dgm:pt>
+    <dgm:pt modelId="{7149BEF5-8D2C-4C39-B077-E1AEF50621A5}" type="pres">
+      <dgm:prSet presAssocID="{BF62DA4A-DF28-4FD2-857D-A4415BD37848}" presName="textRect" presStyleLbl="revTx" presStyleIdx="0" presStyleCnt="4">
+        <dgm:presLayoutVars>
+          <dgm:chMax val="1"/>
+          <dgm:chPref val="1"/>
+        </dgm:presLayoutVars>
+      </dgm:prSet>
+      <dgm:spPr/>
+    </dgm:pt>
+    <dgm:pt modelId="{6703ED8B-F896-4FEB-95C4-9C1B3B4D85A5}" type="pres">
+      <dgm:prSet presAssocID="{A6CAC2AA-54D7-4E8F-B2BD-E2268B9E23AD}" presName="sibTrans" presStyleCnt="0"/>
+      <dgm:spPr/>
+    </dgm:pt>
+    <dgm:pt modelId="{1906995B-FEE5-42F5-91D2-3B2D37FA3147}" type="pres">
+      <dgm:prSet presAssocID="{87939433-38E9-41D8-BF09-AF6D41D58208}" presName="compNode" presStyleCnt="0"/>
+      <dgm:spPr/>
+    </dgm:pt>
+    <dgm:pt modelId="{757C14B6-E1C8-4DFF-A405-0176323D99EC}" type="pres">
+      <dgm:prSet presAssocID="{87939433-38E9-41D8-BF09-AF6D41D58208}" presName="iconBgRect" presStyleLbl="bgShp" presStyleIdx="1" presStyleCnt="4"/>
+      <dgm:spPr/>
+    </dgm:pt>
+    <dgm:pt modelId="{F1326E29-1472-4D5F-8029-8F55051E4141}" type="pres">
+      <dgm:prSet presAssocID="{87939433-38E9-41D8-BF09-AF6D41D58208}" presName="iconRect" presStyleLbl="node1" presStyleIdx="1" presStyleCnt="4"/>
+      <dgm:spPr>
+        <a:blipFill>
+          <a:blip xmlns:r="http://schemas.openxmlformats.org/officeDocument/2006/relationships" r:embed="rId3">
+            <a:extLst>
+              <a:ext uri="{28A0092B-C50C-407E-A947-70E740481C1C}">
+                <a14:useLocalDpi xmlns:a14="http://schemas.microsoft.com/office/drawing/2010/main" val="0"/>
+              </a:ext>
+              <a:ext uri="{96DAC541-7B7A-43D3-8B79-37D633B846F1}">
+                <asvg:svgBlip xmlns:asvg="http://schemas.microsoft.com/office/drawing/2016/SVG/main" r:embed="rId4"/>
+              </a:ext>
+            </a:extLst>
+          </a:blip>
+          <a:stretch>
+            <a:fillRect/>
+          </a:stretch>
+        </a:blipFill>
+        <a:ln>
+          <a:noFill/>
+        </a:ln>
+      </dgm:spPr>
+      <dgm:extLst>
+        <a:ext uri="{E40237B7-FDA0-4F09-8148-C483321AD2D9}">
+          <dgm14:cNvPr xmlns:dgm14="http://schemas.microsoft.com/office/drawing/2010/diagram" id="0" name="" descr="Database"/>
+        </a:ext>
+      </dgm:extLst>
+    </dgm:pt>
+    <dgm:pt modelId="{30242C15-4A2D-4812-9874-28F5734D0704}" type="pres">
+      <dgm:prSet presAssocID="{87939433-38E9-41D8-BF09-AF6D41D58208}" presName="spaceRect" presStyleCnt="0"/>
+      <dgm:spPr/>
+    </dgm:pt>
+    <dgm:pt modelId="{D86B5B5B-B45C-4F81-A6F4-1AF9B76114CF}" type="pres">
+      <dgm:prSet presAssocID="{87939433-38E9-41D8-BF09-AF6D41D58208}" presName="textRect" presStyleLbl="revTx" presStyleIdx="1" presStyleCnt="4">
+        <dgm:presLayoutVars>
+          <dgm:chMax val="1"/>
+          <dgm:chPref val="1"/>
+        </dgm:presLayoutVars>
+      </dgm:prSet>
+      <dgm:spPr/>
+    </dgm:pt>
+    <dgm:pt modelId="{B30C4ED3-42CE-45F1-B7D3-C9BA03F6A728}" type="pres">
+      <dgm:prSet presAssocID="{B60901D6-3504-4CD6-8562-A2D4E8652D2C}" presName="sibTrans" presStyleCnt="0"/>
+      <dgm:spPr/>
+    </dgm:pt>
+    <dgm:pt modelId="{2A6907FF-C9C1-4FB1-8E15-76859BB4BCCF}" type="pres">
+      <dgm:prSet presAssocID="{5CB1800A-08B9-465A-AD09-408F83201E76}" presName="compNode" presStyleCnt="0"/>
+      <dgm:spPr/>
+    </dgm:pt>
+    <dgm:pt modelId="{29ECC7B9-929E-4E1D-9E07-8023F0948DD4}" type="pres">
+      <dgm:prSet presAssocID="{5CB1800A-08B9-465A-AD09-408F83201E76}" presName="iconBgRect" presStyleLbl="bgShp" presStyleIdx="2" presStyleCnt="4"/>
+      <dgm:spPr/>
+    </dgm:pt>
+    <dgm:pt modelId="{2E9329FE-42EB-4F86-BFEA-DD87D1A5B8F7}" type="pres">
+      <dgm:prSet presAssocID="{5CB1800A-08B9-465A-AD09-408F83201E76}" presName="iconRect" presStyleLbl="node1" presStyleIdx="2" presStyleCnt="4"/>
+      <dgm:spPr>
+        <a:blipFill>
+          <a:blip xmlns:r="http://schemas.openxmlformats.org/officeDocument/2006/relationships" r:embed="rId5">
+            <a:extLst>
+              <a:ext uri="{28A0092B-C50C-407E-A947-70E740481C1C}">
+                <a14:useLocalDpi xmlns:a14="http://schemas.microsoft.com/office/drawing/2010/main" val="0"/>
+              </a:ext>
+              <a:ext uri="{96DAC541-7B7A-43D3-8B79-37D633B846F1}">
+                <asvg:svgBlip xmlns:asvg="http://schemas.microsoft.com/office/drawing/2016/SVG/main" r:embed="rId6"/>
+              </a:ext>
+            </a:extLst>
+          </a:blip>
+          <a:stretch>
+            <a:fillRect/>
+          </a:stretch>
+        </a:blipFill>
+        <a:ln>
+          <a:noFill/>
+        </a:ln>
+      </dgm:spPr>
+      <dgm:extLst>
+        <a:ext uri="{E40237B7-FDA0-4F09-8148-C483321AD2D9}">
+          <dgm14:cNvPr xmlns:dgm14="http://schemas.microsoft.com/office/drawing/2010/diagram" id="0" name="" descr="Processor"/>
+        </a:ext>
+      </dgm:extLst>
+    </dgm:pt>
+    <dgm:pt modelId="{5FAA32D0-004F-4D7C-95C9-01EE3BC7E1D6}" type="pres">
+      <dgm:prSet presAssocID="{5CB1800A-08B9-465A-AD09-408F83201E76}" presName="spaceRect" presStyleCnt="0"/>
+      <dgm:spPr/>
+    </dgm:pt>
+    <dgm:pt modelId="{3C2538A6-F9D3-4160-9510-00B93C5C6C0C}" type="pres">
+      <dgm:prSet presAssocID="{5CB1800A-08B9-465A-AD09-408F83201E76}" presName="textRect" presStyleLbl="revTx" presStyleIdx="2" presStyleCnt="4">
+        <dgm:presLayoutVars>
+          <dgm:chMax val="1"/>
+          <dgm:chPref val="1"/>
+        </dgm:presLayoutVars>
+      </dgm:prSet>
+      <dgm:spPr/>
+    </dgm:pt>
+    <dgm:pt modelId="{423E16E7-3C6C-40B2-B9DF-0C06D63F1978}" type="pres">
+      <dgm:prSet presAssocID="{464DA420-84CA-406D-93E1-08ADFBCE8186}" presName="sibTrans" presStyleCnt="0"/>
+      <dgm:spPr/>
+    </dgm:pt>
+    <dgm:pt modelId="{6F5F47B7-F733-4CD3-AF2E-9F9DCEEE3A8E}" type="pres">
+      <dgm:prSet presAssocID="{EEBD2ABA-4BED-481B-8187-0B6E736FA4C0}" presName="compNode" presStyleCnt="0"/>
+      <dgm:spPr/>
+    </dgm:pt>
+    <dgm:pt modelId="{9C1AC9DF-FD0E-4719-8EC7-6088F64C6E31}" type="pres">
+      <dgm:prSet presAssocID="{EEBD2ABA-4BED-481B-8187-0B6E736FA4C0}" presName="iconBgRect" presStyleLbl="bgShp" presStyleIdx="3" presStyleCnt="4"/>
+      <dgm:spPr/>
+    </dgm:pt>
+    <dgm:pt modelId="{94C15A07-E121-4A20-8F76-E25090BCC874}" type="pres">
+      <dgm:prSet presAssocID="{EEBD2ABA-4BED-481B-8187-0B6E736FA4C0}" presName="iconRect" presStyleLbl="node1" presStyleIdx="3" presStyleCnt="4"/>
+      <dgm:spPr>
+        <a:blipFill>
+          <a:blip xmlns:r="http://schemas.openxmlformats.org/officeDocument/2006/relationships" r:embed="rId7">
+            <a:extLst>
+              <a:ext uri="{28A0092B-C50C-407E-A947-70E740481C1C}">
+                <a14:useLocalDpi xmlns:a14="http://schemas.microsoft.com/office/drawing/2010/main" val="0"/>
+              </a:ext>
+              <a:ext uri="{96DAC541-7B7A-43D3-8B79-37D633B846F1}">
+                <asvg:svgBlip xmlns:asvg="http://schemas.microsoft.com/office/drawing/2016/SVG/main" r:embed="rId8"/>
+              </a:ext>
+            </a:extLst>
+          </a:blip>
+          <a:stretch>
+            <a:fillRect/>
+          </a:stretch>
+        </a:blipFill>
+        <a:ln>
+          <a:noFill/>
+        </a:ln>
+      </dgm:spPr>
+      <dgm:extLst>
+        <a:ext uri="{E40237B7-FDA0-4F09-8148-C483321AD2D9}">
+          <dgm14:cNvPr xmlns:dgm14="http://schemas.microsoft.com/office/drawing/2010/diagram" id="0" name="" descr="Paper"/>
+        </a:ext>
+      </dgm:extLst>
+    </dgm:pt>
+    <dgm:pt modelId="{B82014F4-4465-4861-A45B-81C9B5717147}" type="pres">
+      <dgm:prSet presAssocID="{EEBD2ABA-4BED-481B-8187-0B6E736FA4C0}" presName="spaceRect" presStyleCnt="0"/>
+      <dgm:spPr/>
+    </dgm:pt>
+    <dgm:pt modelId="{3508E053-1E2D-47D4-B58E-BB2F71B1947B}" type="pres">
+      <dgm:prSet presAssocID="{EEBD2ABA-4BED-481B-8187-0B6E736FA4C0}" presName="textRect" presStyleLbl="revTx" presStyleIdx="3" presStyleCnt="4">
+        <dgm:presLayoutVars>
+          <dgm:chMax val="1"/>
+          <dgm:chPref val="1"/>
+        </dgm:presLayoutVars>
+      </dgm:prSet>
+      <dgm:spPr/>
+    </dgm:pt>
+  </dgm:ptLst>
+  <dgm:cxnLst>
+    <dgm:cxn modelId="{69B5CF3A-49F4-414C-96A9-BF89710DE56D}" srcId="{D7A587FD-9156-4FE6-B857-4DFDD965F980}" destId="{BF62DA4A-DF28-4FD2-857D-A4415BD37848}" srcOrd="0" destOrd="0" parTransId="{05F084E6-0467-4DB7-B014-2A21F5BD37AD}" sibTransId="{A6CAC2AA-54D7-4E8F-B2BD-E2268B9E23AD}"/>
+    <dgm:cxn modelId="{ADFE2CA0-84C8-4D19-B7A0-731894342679}" type="presOf" srcId="{5CB1800A-08B9-465A-AD09-408F83201E76}" destId="{3C2538A6-F9D3-4160-9510-00B93C5C6C0C}" srcOrd="0" destOrd="0" presId="urn:microsoft.com/office/officeart/2018/5/layout/IconCircleLabelList"/>
+    <dgm:cxn modelId="{8C2627A7-857A-4805-B42C-B7E5BA86DF05}" srcId="{D7A587FD-9156-4FE6-B857-4DFDD965F980}" destId="{EEBD2ABA-4BED-481B-8187-0B6E736FA4C0}" srcOrd="3" destOrd="0" parTransId="{00070A6F-6FFE-44A7-A215-C16BAF618BBB}" sibTransId="{7DC74118-4F4D-455C-9713-B8167C57A725}"/>
+    <dgm:cxn modelId="{FCE8CDAB-1811-4250-BBAC-413401D737DA}" type="presOf" srcId="{87939433-38E9-41D8-BF09-AF6D41D58208}" destId="{D86B5B5B-B45C-4F81-A6F4-1AF9B76114CF}" srcOrd="0" destOrd="0" presId="urn:microsoft.com/office/officeart/2018/5/layout/IconCircleLabelList"/>
+    <dgm:cxn modelId="{C44A1AB6-3B02-4F5C-A836-9C7071834EE2}" srcId="{D7A587FD-9156-4FE6-B857-4DFDD965F980}" destId="{5CB1800A-08B9-465A-AD09-408F83201E76}" srcOrd="2" destOrd="0" parTransId="{799A4015-637D-4C70-97AC-344A4B8C3E99}" sibTransId="{464DA420-84CA-406D-93E1-08ADFBCE8186}"/>
+    <dgm:cxn modelId="{E8A251CC-749D-41FF-AA75-680CB76520C7}" type="presOf" srcId="{D7A587FD-9156-4FE6-B857-4DFDD965F980}" destId="{7A52EA71-8D4D-4686-AF4E-3D24AFB461A4}" srcOrd="0" destOrd="0" presId="urn:microsoft.com/office/officeart/2018/5/layout/IconCircleLabelList"/>
+    <dgm:cxn modelId="{0B8C94D3-26D4-45B9-8A3D-9CF2461DEF1F}" type="presOf" srcId="{EEBD2ABA-4BED-481B-8187-0B6E736FA4C0}" destId="{3508E053-1E2D-47D4-B58E-BB2F71B1947B}" srcOrd="0" destOrd="0" presId="urn:microsoft.com/office/officeart/2018/5/layout/IconCircleLabelList"/>
+    <dgm:cxn modelId="{4A70A4DF-28AE-4459-AA21-CA1D81362110}" srcId="{D7A587FD-9156-4FE6-B857-4DFDD965F980}" destId="{87939433-38E9-41D8-BF09-AF6D41D58208}" srcOrd="1" destOrd="0" parTransId="{D9E1509D-960F-466F-B4E6-D9F9091EE54B}" sibTransId="{B60901D6-3504-4CD6-8562-A2D4E8652D2C}"/>
+    <dgm:cxn modelId="{D9BF06E6-6BCE-4F0F-AF8B-506162455C77}" type="presOf" srcId="{BF62DA4A-DF28-4FD2-857D-A4415BD37848}" destId="{7149BEF5-8D2C-4C39-B077-E1AEF50621A5}" srcOrd="0" destOrd="0" presId="urn:microsoft.com/office/officeart/2018/5/layout/IconCircleLabelList"/>
+    <dgm:cxn modelId="{97E2CA77-A9C3-43CA-BAF7-15DE2622E14E}" type="presParOf" srcId="{7A52EA71-8D4D-4686-AF4E-3D24AFB461A4}" destId="{42A36A07-0ED9-4410-BA40-601E822F558F}" srcOrd="0" destOrd="0" presId="urn:microsoft.com/office/officeart/2018/5/layout/IconCircleLabelList"/>
+    <dgm:cxn modelId="{561A4D8C-9626-4D46-AA14-DF5A595D8E6E}" type="presParOf" srcId="{42A36A07-0ED9-4410-BA40-601E822F558F}" destId="{2D4DAB30-F952-4900-9379-7325F1D9DD42}" srcOrd="0" destOrd="0" presId="urn:microsoft.com/office/officeart/2018/5/layout/IconCircleLabelList"/>
+    <dgm:cxn modelId="{09CF210A-1F3F-4724-8A90-9A963B4ADC5D}" type="presParOf" srcId="{42A36A07-0ED9-4410-BA40-601E822F558F}" destId="{C02F6B60-578D-4416-AE28-4D9AB25FB4F3}" srcOrd="1" destOrd="0" presId="urn:microsoft.com/office/officeart/2018/5/layout/IconCircleLabelList"/>
+    <dgm:cxn modelId="{93B71271-CF74-4D22-BFF4-9AEFF136E20F}" type="presParOf" srcId="{42A36A07-0ED9-4410-BA40-601E822F558F}" destId="{97716320-DEDF-4D18-A372-540D6730F21A}" srcOrd="2" destOrd="0" presId="urn:microsoft.com/office/officeart/2018/5/layout/IconCircleLabelList"/>
+    <dgm:cxn modelId="{E46C14F1-0660-4552-8D22-3763C34DE241}" type="presParOf" srcId="{42A36A07-0ED9-4410-BA40-601E822F558F}" destId="{7149BEF5-8D2C-4C39-B077-E1AEF50621A5}" srcOrd="3" destOrd="0" presId="urn:microsoft.com/office/officeart/2018/5/layout/IconCircleLabelList"/>
+    <dgm:cxn modelId="{BB0ADF02-1CFA-4904-8542-5669AD0A22D5}" type="presParOf" srcId="{7A52EA71-8D4D-4686-AF4E-3D24AFB461A4}" destId="{6703ED8B-F896-4FEB-95C4-9C1B3B4D85A5}" srcOrd="1" destOrd="0" presId="urn:microsoft.com/office/officeart/2018/5/layout/IconCircleLabelList"/>
+    <dgm:cxn modelId="{FE5B8860-3DD8-45AE-BD90-A8711ABB368C}" type="presParOf" srcId="{7A52EA71-8D4D-4686-AF4E-3D24AFB461A4}" destId="{1906995B-FEE5-42F5-91D2-3B2D37FA3147}" srcOrd="2" destOrd="0" presId="urn:microsoft.com/office/officeart/2018/5/layout/IconCircleLabelList"/>
+    <dgm:cxn modelId="{65041BF9-C9AB-4554-8254-57E456FFD235}" type="presParOf" srcId="{1906995B-FEE5-42F5-91D2-3B2D37FA3147}" destId="{757C14B6-E1C8-4DFF-A405-0176323D99EC}" srcOrd="0" destOrd="0" presId="urn:microsoft.com/office/officeart/2018/5/layout/IconCircleLabelList"/>
+    <dgm:cxn modelId="{2ADA9B00-4F0F-4F38-8A22-5647D76F8D46}" type="presParOf" srcId="{1906995B-FEE5-42F5-91D2-3B2D37FA3147}" destId="{F1326E29-1472-4D5F-8029-8F55051E4141}" srcOrd="1" destOrd="0" presId="urn:microsoft.com/office/officeart/2018/5/layout/IconCircleLabelList"/>
+    <dgm:cxn modelId="{49485B45-45FD-4440-A9BD-EC1BE5764070}" type="presParOf" srcId="{1906995B-FEE5-42F5-91D2-3B2D37FA3147}" destId="{30242C15-4A2D-4812-9874-28F5734D0704}" srcOrd="2" destOrd="0" presId="urn:microsoft.com/office/officeart/2018/5/layout/IconCircleLabelList"/>
+    <dgm:cxn modelId="{72723F42-5D62-4FBF-B36C-196782FEFF8D}" type="presParOf" srcId="{1906995B-FEE5-42F5-91D2-3B2D37FA3147}" destId="{D86B5B5B-B45C-4F81-A6F4-1AF9B76114CF}" srcOrd="3" destOrd="0" presId="urn:microsoft.com/office/officeart/2018/5/layout/IconCircleLabelList"/>
+    <dgm:cxn modelId="{930B2284-C255-4A64-969A-92BB49AFD906}" type="presParOf" srcId="{7A52EA71-8D4D-4686-AF4E-3D24AFB461A4}" destId="{B30C4ED3-42CE-45F1-B7D3-C9BA03F6A728}" srcOrd="3" destOrd="0" presId="urn:microsoft.com/office/officeart/2018/5/layout/IconCircleLabelList"/>
+    <dgm:cxn modelId="{A5839A33-5675-4D51-8BCA-1CA8FD13252D}" type="presParOf" srcId="{7A52EA71-8D4D-4686-AF4E-3D24AFB461A4}" destId="{2A6907FF-C9C1-4FB1-8E15-76859BB4BCCF}" srcOrd="4" destOrd="0" presId="urn:microsoft.com/office/officeart/2018/5/layout/IconCircleLabelList"/>
+    <dgm:cxn modelId="{543FD3E3-293C-4DE7-82ED-BDE41A6C0778}" type="presParOf" srcId="{2A6907FF-C9C1-4FB1-8E15-76859BB4BCCF}" destId="{29ECC7B9-929E-4E1D-9E07-8023F0948DD4}" srcOrd="0" destOrd="0" presId="urn:microsoft.com/office/officeart/2018/5/layout/IconCircleLabelList"/>
+    <dgm:cxn modelId="{09CCA058-09EB-4A1B-A663-1DCAFE4EE995}" type="presParOf" srcId="{2A6907FF-C9C1-4FB1-8E15-76859BB4BCCF}" destId="{2E9329FE-42EB-4F86-BFEA-DD87D1A5B8F7}" srcOrd="1" destOrd="0" presId="urn:microsoft.com/office/officeart/2018/5/layout/IconCircleLabelList"/>
+    <dgm:cxn modelId="{12EED233-7CB9-4AF1-888D-833F3AD987A0}" type="presParOf" srcId="{2A6907FF-C9C1-4FB1-8E15-76859BB4BCCF}" destId="{5FAA32D0-004F-4D7C-95C9-01EE3BC7E1D6}" srcOrd="2" destOrd="0" presId="urn:microsoft.com/office/officeart/2018/5/layout/IconCircleLabelList"/>
+    <dgm:cxn modelId="{7FAB64BC-B517-4F36-AE24-A783001B16F6}" type="presParOf" srcId="{2A6907FF-C9C1-4FB1-8E15-76859BB4BCCF}" destId="{3C2538A6-F9D3-4160-9510-00B93C5C6C0C}" srcOrd="3" destOrd="0" presId="urn:microsoft.com/office/officeart/2018/5/layout/IconCircleLabelList"/>
+    <dgm:cxn modelId="{9B730656-8F1F-408F-BA9F-EDF611509D47}" type="presParOf" srcId="{7A52EA71-8D4D-4686-AF4E-3D24AFB461A4}" destId="{423E16E7-3C6C-40B2-B9DF-0C06D63F1978}" srcOrd="5" destOrd="0" presId="urn:microsoft.com/office/officeart/2018/5/layout/IconCircleLabelList"/>
+    <dgm:cxn modelId="{284AFA44-434A-432D-90EE-4245210503CC}" type="presParOf" srcId="{7A52EA71-8D4D-4686-AF4E-3D24AFB461A4}" destId="{6F5F47B7-F733-4CD3-AF2E-9F9DCEEE3A8E}" srcOrd="6" destOrd="0" presId="urn:microsoft.com/office/officeart/2018/5/layout/IconCircleLabelList"/>
+    <dgm:cxn modelId="{371D1E1A-3DC3-436F-B5B4-4092B891DAEC}" type="presParOf" srcId="{6F5F47B7-F733-4CD3-AF2E-9F9DCEEE3A8E}" destId="{9C1AC9DF-FD0E-4719-8EC7-6088F64C6E31}" srcOrd="0" destOrd="0" presId="urn:microsoft.com/office/officeart/2018/5/layout/IconCircleLabelList"/>
+    <dgm:cxn modelId="{7886F95A-0D13-41C5-9D43-E4B329F3B164}" type="presParOf" srcId="{6F5F47B7-F733-4CD3-AF2E-9F9DCEEE3A8E}" destId="{94C15A07-E121-4A20-8F76-E25090BCC874}" srcOrd="1" destOrd="0" presId="urn:microsoft.com/office/officeart/2018/5/layout/IconCircleLabelList"/>
+    <dgm:cxn modelId="{61D3E6DC-5FC1-4455-A8D5-0DCF1D889A41}" type="presParOf" srcId="{6F5F47B7-F733-4CD3-AF2E-9F9DCEEE3A8E}" destId="{B82014F4-4465-4861-A45B-81C9B5717147}" srcOrd="2" destOrd="0" presId="urn:microsoft.com/office/officeart/2018/5/layout/IconCircleLabelList"/>
+    <dgm:cxn modelId="{7C912410-B53E-40EF-A570-A2BEED51CC3C}" type="presParOf" srcId="{6F5F47B7-F733-4CD3-AF2E-9F9DCEEE3A8E}" destId="{3508E053-1E2D-47D4-B58E-BB2F71B1947B}" srcOrd="3" destOrd="0" presId="urn:microsoft.com/office/officeart/2018/5/layout/IconCircleLabelList"/>
+  </dgm:cxnLst>
+  <dgm:bg/>
+  <dgm:whole/>
+  <dgm:extLst>
+    <a:ext uri="http://schemas.microsoft.com/office/drawing/2008/diagram">
+      <dsp:dataModelExt xmlns:dsp="http://schemas.microsoft.com/office/drawing/2008/diagram" relId="rId8" minVer="http://schemas.openxmlformats.org/drawingml/2006/diagram"/>
+    </a:ext>
+  </dgm:extLst>
+</dgm:dataModel>
+</file>
+
+<file path=ppt/diagrams/data3.xml><?xml version="1.0" encoding="utf-8"?>
 <dgm:dataModel xmlns:dgm="http://schemas.openxmlformats.org/drawingml/2006/diagram" xmlns:a="http://schemas.openxmlformats.org/drawingml/2006/main">
   <dgm:ptLst>
     <dgm:pt modelId="{4B903CDD-BACF-456B-83A6-B144C5C64EFD}" type="doc">
@@ -3522,450 +3969,6 @@
   <dgm:extLst>
     <a:ext uri="http://schemas.microsoft.com/office/drawing/2008/diagram">
       <dsp:dataModelExt xmlns:dsp="http://schemas.microsoft.com/office/drawing/2008/diagram" relId="rId7" minVer="http://schemas.openxmlformats.org/drawingml/2006/diagram"/>
-    </a:ext>
-  </dgm:extLst>
-</dgm:dataModel>
-</file>
-
-<file path=ppt/diagrams/data3.xml><?xml version="1.0" encoding="utf-8"?>
-<dgm:dataModel xmlns:dgm="http://schemas.openxmlformats.org/drawingml/2006/diagram" xmlns:a="http://schemas.openxmlformats.org/drawingml/2006/main">
-  <dgm:ptLst>
-    <dgm:pt modelId="{D7A587FD-9156-4FE6-B857-4DFDD965F980}" type="doc">
-      <dgm:prSet loTypeId="urn:microsoft.com/office/officeart/2018/5/layout/IconCircleLabelList" loCatId="icon" qsTypeId="urn:microsoft.com/office/officeart/2005/8/quickstyle/simple1" qsCatId="simple" csTypeId="urn:microsoft.com/office/officeart/2018/5/colors/Iconchunking_neutralicon_accent0_3" csCatId="mainScheme" phldr="1"/>
-      <dgm:spPr/>
-      <dgm:t>
-        <a:bodyPr/>
-        <a:lstStyle/>
-        <a:p>
-          <a:endParaRPr lang="en-US"/>
-        </a:p>
-      </dgm:t>
-    </dgm:pt>
-    <dgm:pt modelId="{BF62DA4A-DF28-4FD2-857D-A4415BD37848}">
-      <dgm:prSet/>
-      <dgm:spPr/>
-      <dgm:t>
-        <a:bodyPr/>
-        <a:lstStyle/>
-        <a:p>
-          <a:pPr>
-            <a:lnSpc>
-              <a:spcPct val="100000"/>
-            </a:lnSpc>
-            <a:defRPr cap="all"/>
-          </a:pPr>
-          <a:r>
-            <a:rPr lang="en-US"/>
-            <a:t>The back-end consists of a web server, application server, and payment gateway.</a:t>
-          </a:r>
-        </a:p>
-      </dgm:t>
-    </dgm:pt>
-    <dgm:pt modelId="{05F084E6-0467-4DB7-B014-2A21F5BD37AD}" type="parTrans" cxnId="{69B5CF3A-49F4-414C-96A9-BF89710DE56D}">
-      <dgm:prSet/>
-      <dgm:spPr/>
-      <dgm:t>
-        <a:bodyPr/>
-        <a:lstStyle/>
-        <a:p>
-          <a:endParaRPr lang="en-US"/>
-        </a:p>
-      </dgm:t>
-    </dgm:pt>
-    <dgm:pt modelId="{A6CAC2AA-54D7-4E8F-B2BD-E2268B9E23AD}" type="sibTrans" cxnId="{69B5CF3A-49F4-414C-96A9-BF89710DE56D}">
-      <dgm:prSet/>
-      <dgm:spPr/>
-      <dgm:t>
-        <a:bodyPr/>
-        <a:lstStyle/>
-        <a:p>
-          <a:endParaRPr lang="en-US"/>
-        </a:p>
-      </dgm:t>
-    </dgm:pt>
-    <dgm:pt modelId="{87939433-38E9-41D8-BF09-AF6D41D58208}">
-      <dgm:prSet/>
-      <dgm:spPr/>
-      <dgm:t>
-        <a:bodyPr/>
-        <a:lstStyle/>
-        <a:p>
-          <a:pPr>
-            <a:lnSpc>
-              <a:spcPct val="100000"/>
-            </a:lnSpc>
-            <a:defRPr cap="all"/>
-          </a:pPr>
-          <a:r>
-            <a:rPr lang="en-US"/>
-            <a:t>The database stores all user and order information, as well as food items and their availability.</a:t>
-          </a:r>
-        </a:p>
-      </dgm:t>
-    </dgm:pt>
-    <dgm:pt modelId="{D9E1509D-960F-466F-B4E6-D9F9091EE54B}" type="parTrans" cxnId="{4A70A4DF-28AE-4459-AA21-CA1D81362110}">
-      <dgm:prSet/>
-      <dgm:spPr/>
-      <dgm:t>
-        <a:bodyPr/>
-        <a:lstStyle/>
-        <a:p>
-          <a:endParaRPr lang="en-US"/>
-        </a:p>
-      </dgm:t>
-    </dgm:pt>
-    <dgm:pt modelId="{B60901D6-3504-4CD6-8562-A2D4E8652D2C}" type="sibTrans" cxnId="{4A70A4DF-28AE-4459-AA21-CA1D81362110}">
-      <dgm:prSet/>
-      <dgm:spPr/>
-      <dgm:t>
-        <a:bodyPr/>
-        <a:lstStyle/>
-        <a:p>
-          <a:endParaRPr lang="en-US"/>
-        </a:p>
-      </dgm:t>
-    </dgm:pt>
-    <dgm:pt modelId="{5CB1800A-08B9-465A-AD09-408F83201E76}">
-      <dgm:prSet/>
-      <dgm:spPr/>
-      <dgm:t>
-        <a:bodyPr/>
-        <a:lstStyle/>
-        <a:p>
-          <a:pPr>
-            <a:lnSpc>
-              <a:spcPct val="100000"/>
-            </a:lnSpc>
-            <a:defRPr cap="all"/>
-          </a:pPr>
-          <a:r>
-            <a:rPr lang="en-US"/>
-            <a:t>The login page allows users to authenticate themselves using their email and password, and the order page allows them to select food items and place an order.</a:t>
-          </a:r>
-        </a:p>
-      </dgm:t>
-    </dgm:pt>
-    <dgm:pt modelId="{799A4015-637D-4C70-97AC-344A4B8C3E99}" type="parTrans" cxnId="{C44A1AB6-3B02-4F5C-A836-9C7071834EE2}">
-      <dgm:prSet/>
-      <dgm:spPr/>
-      <dgm:t>
-        <a:bodyPr/>
-        <a:lstStyle/>
-        <a:p>
-          <a:endParaRPr lang="en-US"/>
-        </a:p>
-      </dgm:t>
-    </dgm:pt>
-    <dgm:pt modelId="{464DA420-84CA-406D-93E1-08ADFBCE8186}" type="sibTrans" cxnId="{C44A1AB6-3B02-4F5C-A836-9C7071834EE2}">
-      <dgm:prSet/>
-      <dgm:spPr/>
-      <dgm:t>
-        <a:bodyPr/>
-        <a:lstStyle/>
-        <a:p>
-          <a:endParaRPr lang="en-US"/>
-        </a:p>
-      </dgm:t>
-    </dgm:pt>
-    <dgm:pt modelId="{EEBD2ABA-4BED-481B-8187-0B6E736FA4C0}">
-      <dgm:prSet/>
-      <dgm:spPr/>
-      <dgm:t>
-        <a:bodyPr/>
-        <a:lstStyle/>
-        <a:p>
-          <a:pPr>
-            <a:lnSpc>
-              <a:spcPct val="100000"/>
-            </a:lnSpc>
-            <a:defRPr cap="all"/>
-          </a:pPr>
-          <a:r>
-            <a:rPr lang="en-US"/>
-            <a:t>The front-end for both pages will have client-side validation and order submission.</a:t>
-          </a:r>
-        </a:p>
-      </dgm:t>
-    </dgm:pt>
-    <dgm:pt modelId="{00070A6F-6FFE-44A7-A215-C16BAF618BBB}" type="parTrans" cxnId="{8C2627A7-857A-4805-B42C-B7E5BA86DF05}">
-      <dgm:prSet/>
-      <dgm:spPr/>
-      <dgm:t>
-        <a:bodyPr/>
-        <a:lstStyle/>
-        <a:p>
-          <a:endParaRPr lang="en-US"/>
-        </a:p>
-      </dgm:t>
-    </dgm:pt>
-    <dgm:pt modelId="{7DC74118-4F4D-455C-9713-B8167C57A725}" type="sibTrans" cxnId="{8C2627A7-857A-4805-B42C-B7E5BA86DF05}">
-      <dgm:prSet/>
-      <dgm:spPr/>
-      <dgm:t>
-        <a:bodyPr/>
-        <a:lstStyle/>
-        <a:p>
-          <a:endParaRPr lang="en-US"/>
-        </a:p>
-      </dgm:t>
-    </dgm:pt>
-    <dgm:pt modelId="{7A52EA71-8D4D-4686-AF4E-3D24AFB461A4}" type="pres">
-      <dgm:prSet presAssocID="{D7A587FD-9156-4FE6-B857-4DFDD965F980}" presName="root" presStyleCnt="0">
-        <dgm:presLayoutVars>
-          <dgm:dir/>
-          <dgm:resizeHandles val="exact"/>
-        </dgm:presLayoutVars>
-      </dgm:prSet>
-      <dgm:spPr/>
-    </dgm:pt>
-    <dgm:pt modelId="{42A36A07-0ED9-4410-BA40-601E822F558F}" type="pres">
-      <dgm:prSet presAssocID="{BF62DA4A-DF28-4FD2-857D-A4415BD37848}" presName="compNode" presStyleCnt="0"/>
-      <dgm:spPr/>
-    </dgm:pt>
-    <dgm:pt modelId="{2D4DAB30-F952-4900-9379-7325F1D9DD42}" type="pres">
-      <dgm:prSet presAssocID="{BF62DA4A-DF28-4FD2-857D-A4415BD37848}" presName="iconBgRect" presStyleLbl="bgShp" presStyleIdx="0" presStyleCnt="4"/>
-      <dgm:spPr/>
-    </dgm:pt>
-    <dgm:pt modelId="{C02F6B60-578D-4416-AE28-4D9AB25FB4F3}" type="pres">
-      <dgm:prSet presAssocID="{BF62DA4A-DF28-4FD2-857D-A4415BD37848}" presName="iconRect" presStyleLbl="node1" presStyleIdx="0" presStyleCnt="4"/>
-      <dgm:spPr>
-        <a:blipFill>
-          <a:blip xmlns:r="http://schemas.openxmlformats.org/officeDocument/2006/relationships" r:embed="rId1">
-            <a:extLst>
-              <a:ext uri="{28A0092B-C50C-407E-A947-70E740481C1C}">
-                <a14:useLocalDpi xmlns:a14="http://schemas.microsoft.com/office/drawing/2010/main" val="0"/>
-              </a:ext>
-              <a:ext uri="{96DAC541-7B7A-43D3-8B79-37D633B846F1}">
-                <asvg:svgBlip xmlns:asvg="http://schemas.microsoft.com/office/drawing/2016/SVG/main" r:embed="rId2"/>
-              </a:ext>
-            </a:extLst>
-          </a:blip>
-          <a:stretch>
-            <a:fillRect/>
-          </a:stretch>
-        </a:blipFill>
-        <a:ln>
-          <a:noFill/>
-        </a:ln>
-      </dgm:spPr>
-      <dgm:extLst>
-        <a:ext uri="{E40237B7-FDA0-4F09-8148-C483321AD2D9}">
-          <dgm14:cNvPr xmlns:dgm14="http://schemas.microsoft.com/office/drawing/2010/diagram" id="0" name="" descr="Server"/>
-        </a:ext>
-      </dgm:extLst>
-    </dgm:pt>
-    <dgm:pt modelId="{97716320-DEDF-4D18-A372-540D6730F21A}" type="pres">
-      <dgm:prSet presAssocID="{BF62DA4A-DF28-4FD2-857D-A4415BD37848}" presName="spaceRect" presStyleCnt="0"/>
-      <dgm:spPr/>
-    </dgm:pt>
-    <dgm:pt modelId="{7149BEF5-8D2C-4C39-B077-E1AEF50621A5}" type="pres">
-      <dgm:prSet presAssocID="{BF62DA4A-DF28-4FD2-857D-A4415BD37848}" presName="textRect" presStyleLbl="revTx" presStyleIdx="0" presStyleCnt="4">
-        <dgm:presLayoutVars>
-          <dgm:chMax val="1"/>
-          <dgm:chPref val="1"/>
-        </dgm:presLayoutVars>
-      </dgm:prSet>
-      <dgm:spPr/>
-    </dgm:pt>
-    <dgm:pt modelId="{6703ED8B-F896-4FEB-95C4-9C1B3B4D85A5}" type="pres">
-      <dgm:prSet presAssocID="{A6CAC2AA-54D7-4E8F-B2BD-E2268B9E23AD}" presName="sibTrans" presStyleCnt="0"/>
-      <dgm:spPr/>
-    </dgm:pt>
-    <dgm:pt modelId="{1906995B-FEE5-42F5-91D2-3B2D37FA3147}" type="pres">
-      <dgm:prSet presAssocID="{87939433-38E9-41D8-BF09-AF6D41D58208}" presName="compNode" presStyleCnt="0"/>
-      <dgm:spPr/>
-    </dgm:pt>
-    <dgm:pt modelId="{757C14B6-E1C8-4DFF-A405-0176323D99EC}" type="pres">
-      <dgm:prSet presAssocID="{87939433-38E9-41D8-BF09-AF6D41D58208}" presName="iconBgRect" presStyleLbl="bgShp" presStyleIdx="1" presStyleCnt="4"/>
-      <dgm:spPr/>
-    </dgm:pt>
-    <dgm:pt modelId="{F1326E29-1472-4D5F-8029-8F55051E4141}" type="pres">
-      <dgm:prSet presAssocID="{87939433-38E9-41D8-BF09-AF6D41D58208}" presName="iconRect" presStyleLbl="node1" presStyleIdx="1" presStyleCnt="4"/>
-      <dgm:spPr>
-        <a:blipFill>
-          <a:blip xmlns:r="http://schemas.openxmlformats.org/officeDocument/2006/relationships" r:embed="rId3">
-            <a:extLst>
-              <a:ext uri="{28A0092B-C50C-407E-A947-70E740481C1C}">
-                <a14:useLocalDpi xmlns:a14="http://schemas.microsoft.com/office/drawing/2010/main" val="0"/>
-              </a:ext>
-              <a:ext uri="{96DAC541-7B7A-43D3-8B79-37D633B846F1}">
-                <asvg:svgBlip xmlns:asvg="http://schemas.microsoft.com/office/drawing/2016/SVG/main" r:embed="rId4"/>
-              </a:ext>
-            </a:extLst>
-          </a:blip>
-          <a:stretch>
-            <a:fillRect/>
-          </a:stretch>
-        </a:blipFill>
-        <a:ln>
-          <a:noFill/>
-        </a:ln>
-      </dgm:spPr>
-      <dgm:extLst>
-        <a:ext uri="{E40237B7-FDA0-4F09-8148-C483321AD2D9}">
-          <dgm14:cNvPr xmlns:dgm14="http://schemas.microsoft.com/office/drawing/2010/diagram" id="0" name="" descr="Database"/>
-        </a:ext>
-      </dgm:extLst>
-    </dgm:pt>
-    <dgm:pt modelId="{30242C15-4A2D-4812-9874-28F5734D0704}" type="pres">
-      <dgm:prSet presAssocID="{87939433-38E9-41D8-BF09-AF6D41D58208}" presName="spaceRect" presStyleCnt="0"/>
-      <dgm:spPr/>
-    </dgm:pt>
-    <dgm:pt modelId="{D86B5B5B-B45C-4F81-A6F4-1AF9B76114CF}" type="pres">
-      <dgm:prSet presAssocID="{87939433-38E9-41D8-BF09-AF6D41D58208}" presName="textRect" presStyleLbl="revTx" presStyleIdx="1" presStyleCnt="4">
-        <dgm:presLayoutVars>
-          <dgm:chMax val="1"/>
-          <dgm:chPref val="1"/>
-        </dgm:presLayoutVars>
-      </dgm:prSet>
-      <dgm:spPr/>
-    </dgm:pt>
-    <dgm:pt modelId="{B30C4ED3-42CE-45F1-B7D3-C9BA03F6A728}" type="pres">
-      <dgm:prSet presAssocID="{B60901D6-3504-4CD6-8562-A2D4E8652D2C}" presName="sibTrans" presStyleCnt="0"/>
-      <dgm:spPr/>
-    </dgm:pt>
-    <dgm:pt modelId="{2A6907FF-C9C1-4FB1-8E15-76859BB4BCCF}" type="pres">
-      <dgm:prSet presAssocID="{5CB1800A-08B9-465A-AD09-408F83201E76}" presName="compNode" presStyleCnt="0"/>
-      <dgm:spPr/>
-    </dgm:pt>
-    <dgm:pt modelId="{29ECC7B9-929E-4E1D-9E07-8023F0948DD4}" type="pres">
-      <dgm:prSet presAssocID="{5CB1800A-08B9-465A-AD09-408F83201E76}" presName="iconBgRect" presStyleLbl="bgShp" presStyleIdx="2" presStyleCnt="4"/>
-      <dgm:spPr/>
-    </dgm:pt>
-    <dgm:pt modelId="{2E9329FE-42EB-4F86-BFEA-DD87D1A5B8F7}" type="pres">
-      <dgm:prSet presAssocID="{5CB1800A-08B9-465A-AD09-408F83201E76}" presName="iconRect" presStyleLbl="node1" presStyleIdx="2" presStyleCnt="4"/>
-      <dgm:spPr>
-        <a:blipFill>
-          <a:blip xmlns:r="http://schemas.openxmlformats.org/officeDocument/2006/relationships" r:embed="rId5">
-            <a:extLst>
-              <a:ext uri="{28A0092B-C50C-407E-A947-70E740481C1C}">
-                <a14:useLocalDpi xmlns:a14="http://schemas.microsoft.com/office/drawing/2010/main" val="0"/>
-              </a:ext>
-              <a:ext uri="{96DAC541-7B7A-43D3-8B79-37D633B846F1}">
-                <asvg:svgBlip xmlns:asvg="http://schemas.microsoft.com/office/drawing/2016/SVG/main" r:embed="rId6"/>
-              </a:ext>
-            </a:extLst>
-          </a:blip>
-          <a:stretch>
-            <a:fillRect/>
-          </a:stretch>
-        </a:blipFill>
-        <a:ln>
-          <a:noFill/>
-        </a:ln>
-      </dgm:spPr>
-      <dgm:extLst>
-        <a:ext uri="{E40237B7-FDA0-4F09-8148-C483321AD2D9}">
-          <dgm14:cNvPr xmlns:dgm14="http://schemas.microsoft.com/office/drawing/2010/diagram" id="0" name="" descr="Processor"/>
-        </a:ext>
-      </dgm:extLst>
-    </dgm:pt>
-    <dgm:pt modelId="{5FAA32D0-004F-4D7C-95C9-01EE3BC7E1D6}" type="pres">
-      <dgm:prSet presAssocID="{5CB1800A-08B9-465A-AD09-408F83201E76}" presName="spaceRect" presStyleCnt="0"/>
-      <dgm:spPr/>
-    </dgm:pt>
-    <dgm:pt modelId="{3C2538A6-F9D3-4160-9510-00B93C5C6C0C}" type="pres">
-      <dgm:prSet presAssocID="{5CB1800A-08B9-465A-AD09-408F83201E76}" presName="textRect" presStyleLbl="revTx" presStyleIdx="2" presStyleCnt="4">
-        <dgm:presLayoutVars>
-          <dgm:chMax val="1"/>
-          <dgm:chPref val="1"/>
-        </dgm:presLayoutVars>
-      </dgm:prSet>
-      <dgm:spPr/>
-    </dgm:pt>
-    <dgm:pt modelId="{423E16E7-3C6C-40B2-B9DF-0C06D63F1978}" type="pres">
-      <dgm:prSet presAssocID="{464DA420-84CA-406D-93E1-08ADFBCE8186}" presName="sibTrans" presStyleCnt="0"/>
-      <dgm:spPr/>
-    </dgm:pt>
-    <dgm:pt modelId="{6F5F47B7-F733-4CD3-AF2E-9F9DCEEE3A8E}" type="pres">
-      <dgm:prSet presAssocID="{EEBD2ABA-4BED-481B-8187-0B6E736FA4C0}" presName="compNode" presStyleCnt="0"/>
-      <dgm:spPr/>
-    </dgm:pt>
-    <dgm:pt modelId="{9C1AC9DF-FD0E-4719-8EC7-6088F64C6E31}" type="pres">
-      <dgm:prSet presAssocID="{EEBD2ABA-4BED-481B-8187-0B6E736FA4C0}" presName="iconBgRect" presStyleLbl="bgShp" presStyleIdx="3" presStyleCnt="4"/>
-      <dgm:spPr/>
-    </dgm:pt>
-    <dgm:pt modelId="{94C15A07-E121-4A20-8F76-E25090BCC874}" type="pres">
-      <dgm:prSet presAssocID="{EEBD2ABA-4BED-481B-8187-0B6E736FA4C0}" presName="iconRect" presStyleLbl="node1" presStyleIdx="3" presStyleCnt="4"/>
-      <dgm:spPr>
-        <a:blipFill>
-          <a:blip xmlns:r="http://schemas.openxmlformats.org/officeDocument/2006/relationships" r:embed="rId7">
-            <a:extLst>
-              <a:ext uri="{28A0092B-C50C-407E-A947-70E740481C1C}">
-                <a14:useLocalDpi xmlns:a14="http://schemas.microsoft.com/office/drawing/2010/main" val="0"/>
-              </a:ext>
-              <a:ext uri="{96DAC541-7B7A-43D3-8B79-37D633B846F1}">
-                <asvg:svgBlip xmlns:asvg="http://schemas.microsoft.com/office/drawing/2016/SVG/main" r:embed="rId8"/>
-              </a:ext>
-            </a:extLst>
-          </a:blip>
-          <a:stretch>
-            <a:fillRect/>
-          </a:stretch>
-        </a:blipFill>
-        <a:ln>
-          <a:noFill/>
-        </a:ln>
-      </dgm:spPr>
-      <dgm:extLst>
-        <a:ext uri="{E40237B7-FDA0-4F09-8148-C483321AD2D9}">
-          <dgm14:cNvPr xmlns:dgm14="http://schemas.microsoft.com/office/drawing/2010/diagram" id="0" name="" descr="Paper"/>
-        </a:ext>
-      </dgm:extLst>
-    </dgm:pt>
-    <dgm:pt modelId="{B82014F4-4465-4861-A45B-81C9B5717147}" type="pres">
-      <dgm:prSet presAssocID="{EEBD2ABA-4BED-481B-8187-0B6E736FA4C0}" presName="spaceRect" presStyleCnt="0"/>
-      <dgm:spPr/>
-    </dgm:pt>
-    <dgm:pt modelId="{3508E053-1E2D-47D4-B58E-BB2F71B1947B}" type="pres">
-      <dgm:prSet presAssocID="{EEBD2ABA-4BED-481B-8187-0B6E736FA4C0}" presName="textRect" presStyleLbl="revTx" presStyleIdx="3" presStyleCnt="4">
-        <dgm:presLayoutVars>
-          <dgm:chMax val="1"/>
-          <dgm:chPref val="1"/>
-        </dgm:presLayoutVars>
-      </dgm:prSet>
-      <dgm:spPr/>
-    </dgm:pt>
-  </dgm:ptLst>
-  <dgm:cxnLst>
-    <dgm:cxn modelId="{69B5CF3A-49F4-414C-96A9-BF89710DE56D}" srcId="{D7A587FD-9156-4FE6-B857-4DFDD965F980}" destId="{BF62DA4A-DF28-4FD2-857D-A4415BD37848}" srcOrd="0" destOrd="0" parTransId="{05F084E6-0467-4DB7-B014-2A21F5BD37AD}" sibTransId="{A6CAC2AA-54D7-4E8F-B2BD-E2268B9E23AD}"/>
-    <dgm:cxn modelId="{ADFE2CA0-84C8-4D19-B7A0-731894342679}" type="presOf" srcId="{5CB1800A-08B9-465A-AD09-408F83201E76}" destId="{3C2538A6-F9D3-4160-9510-00B93C5C6C0C}" srcOrd="0" destOrd="0" presId="urn:microsoft.com/office/officeart/2018/5/layout/IconCircleLabelList"/>
-    <dgm:cxn modelId="{8C2627A7-857A-4805-B42C-B7E5BA86DF05}" srcId="{D7A587FD-9156-4FE6-B857-4DFDD965F980}" destId="{EEBD2ABA-4BED-481B-8187-0B6E736FA4C0}" srcOrd="3" destOrd="0" parTransId="{00070A6F-6FFE-44A7-A215-C16BAF618BBB}" sibTransId="{7DC74118-4F4D-455C-9713-B8167C57A725}"/>
-    <dgm:cxn modelId="{FCE8CDAB-1811-4250-BBAC-413401D737DA}" type="presOf" srcId="{87939433-38E9-41D8-BF09-AF6D41D58208}" destId="{D86B5B5B-B45C-4F81-A6F4-1AF9B76114CF}" srcOrd="0" destOrd="0" presId="urn:microsoft.com/office/officeart/2018/5/layout/IconCircleLabelList"/>
-    <dgm:cxn modelId="{C44A1AB6-3B02-4F5C-A836-9C7071834EE2}" srcId="{D7A587FD-9156-4FE6-B857-4DFDD965F980}" destId="{5CB1800A-08B9-465A-AD09-408F83201E76}" srcOrd="2" destOrd="0" parTransId="{799A4015-637D-4C70-97AC-344A4B8C3E99}" sibTransId="{464DA420-84CA-406D-93E1-08ADFBCE8186}"/>
-    <dgm:cxn modelId="{E8A251CC-749D-41FF-AA75-680CB76520C7}" type="presOf" srcId="{D7A587FD-9156-4FE6-B857-4DFDD965F980}" destId="{7A52EA71-8D4D-4686-AF4E-3D24AFB461A4}" srcOrd="0" destOrd="0" presId="urn:microsoft.com/office/officeart/2018/5/layout/IconCircleLabelList"/>
-    <dgm:cxn modelId="{0B8C94D3-26D4-45B9-8A3D-9CF2461DEF1F}" type="presOf" srcId="{EEBD2ABA-4BED-481B-8187-0B6E736FA4C0}" destId="{3508E053-1E2D-47D4-B58E-BB2F71B1947B}" srcOrd="0" destOrd="0" presId="urn:microsoft.com/office/officeart/2018/5/layout/IconCircleLabelList"/>
-    <dgm:cxn modelId="{4A70A4DF-28AE-4459-AA21-CA1D81362110}" srcId="{D7A587FD-9156-4FE6-B857-4DFDD965F980}" destId="{87939433-38E9-41D8-BF09-AF6D41D58208}" srcOrd="1" destOrd="0" parTransId="{D9E1509D-960F-466F-B4E6-D9F9091EE54B}" sibTransId="{B60901D6-3504-4CD6-8562-A2D4E8652D2C}"/>
-    <dgm:cxn modelId="{D9BF06E6-6BCE-4F0F-AF8B-506162455C77}" type="presOf" srcId="{BF62DA4A-DF28-4FD2-857D-A4415BD37848}" destId="{7149BEF5-8D2C-4C39-B077-E1AEF50621A5}" srcOrd="0" destOrd="0" presId="urn:microsoft.com/office/officeart/2018/5/layout/IconCircleLabelList"/>
-    <dgm:cxn modelId="{97E2CA77-A9C3-43CA-BAF7-15DE2622E14E}" type="presParOf" srcId="{7A52EA71-8D4D-4686-AF4E-3D24AFB461A4}" destId="{42A36A07-0ED9-4410-BA40-601E822F558F}" srcOrd="0" destOrd="0" presId="urn:microsoft.com/office/officeart/2018/5/layout/IconCircleLabelList"/>
-    <dgm:cxn modelId="{561A4D8C-9626-4D46-AA14-DF5A595D8E6E}" type="presParOf" srcId="{42A36A07-0ED9-4410-BA40-601E822F558F}" destId="{2D4DAB30-F952-4900-9379-7325F1D9DD42}" srcOrd="0" destOrd="0" presId="urn:microsoft.com/office/officeart/2018/5/layout/IconCircleLabelList"/>
-    <dgm:cxn modelId="{09CF210A-1F3F-4724-8A90-9A963B4ADC5D}" type="presParOf" srcId="{42A36A07-0ED9-4410-BA40-601E822F558F}" destId="{C02F6B60-578D-4416-AE28-4D9AB25FB4F3}" srcOrd="1" destOrd="0" presId="urn:microsoft.com/office/officeart/2018/5/layout/IconCircleLabelList"/>
-    <dgm:cxn modelId="{93B71271-CF74-4D22-BFF4-9AEFF136E20F}" type="presParOf" srcId="{42A36A07-0ED9-4410-BA40-601E822F558F}" destId="{97716320-DEDF-4D18-A372-540D6730F21A}" srcOrd="2" destOrd="0" presId="urn:microsoft.com/office/officeart/2018/5/layout/IconCircleLabelList"/>
-    <dgm:cxn modelId="{E46C14F1-0660-4552-8D22-3763C34DE241}" type="presParOf" srcId="{42A36A07-0ED9-4410-BA40-601E822F558F}" destId="{7149BEF5-8D2C-4C39-B077-E1AEF50621A5}" srcOrd="3" destOrd="0" presId="urn:microsoft.com/office/officeart/2018/5/layout/IconCircleLabelList"/>
-    <dgm:cxn modelId="{BB0ADF02-1CFA-4904-8542-5669AD0A22D5}" type="presParOf" srcId="{7A52EA71-8D4D-4686-AF4E-3D24AFB461A4}" destId="{6703ED8B-F896-4FEB-95C4-9C1B3B4D85A5}" srcOrd="1" destOrd="0" presId="urn:microsoft.com/office/officeart/2018/5/layout/IconCircleLabelList"/>
-    <dgm:cxn modelId="{FE5B8860-3DD8-45AE-BD90-A8711ABB368C}" type="presParOf" srcId="{7A52EA71-8D4D-4686-AF4E-3D24AFB461A4}" destId="{1906995B-FEE5-42F5-91D2-3B2D37FA3147}" srcOrd="2" destOrd="0" presId="urn:microsoft.com/office/officeart/2018/5/layout/IconCircleLabelList"/>
-    <dgm:cxn modelId="{65041BF9-C9AB-4554-8254-57E456FFD235}" type="presParOf" srcId="{1906995B-FEE5-42F5-91D2-3B2D37FA3147}" destId="{757C14B6-E1C8-4DFF-A405-0176323D99EC}" srcOrd="0" destOrd="0" presId="urn:microsoft.com/office/officeart/2018/5/layout/IconCircleLabelList"/>
-    <dgm:cxn modelId="{2ADA9B00-4F0F-4F38-8A22-5647D76F8D46}" type="presParOf" srcId="{1906995B-FEE5-42F5-91D2-3B2D37FA3147}" destId="{F1326E29-1472-4D5F-8029-8F55051E4141}" srcOrd="1" destOrd="0" presId="urn:microsoft.com/office/officeart/2018/5/layout/IconCircleLabelList"/>
-    <dgm:cxn modelId="{49485B45-45FD-4440-A9BD-EC1BE5764070}" type="presParOf" srcId="{1906995B-FEE5-42F5-91D2-3B2D37FA3147}" destId="{30242C15-4A2D-4812-9874-28F5734D0704}" srcOrd="2" destOrd="0" presId="urn:microsoft.com/office/officeart/2018/5/layout/IconCircleLabelList"/>
-    <dgm:cxn modelId="{72723F42-5D62-4FBF-B36C-196782FEFF8D}" type="presParOf" srcId="{1906995B-FEE5-42F5-91D2-3B2D37FA3147}" destId="{D86B5B5B-B45C-4F81-A6F4-1AF9B76114CF}" srcOrd="3" destOrd="0" presId="urn:microsoft.com/office/officeart/2018/5/layout/IconCircleLabelList"/>
-    <dgm:cxn modelId="{930B2284-C255-4A64-969A-92BB49AFD906}" type="presParOf" srcId="{7A52EA71-8D4D-4686-AF4E-3D24AFB461A4}" destId="{B30C4ED3-42CE-45F1-B7D3-C9BA03F6A728}" srcOrd="3" destOrd="0" presId="urn:microsoft.com/office/officeart/2018/5/layout/IconCircleLabelList"/>
-    <dgm:cxn modelId="{A5839A33-5675-4D51-8BCA-1CA8FD13252D}" type="presParOf" srcId="{7A52EA71-8D4D-4686-AF4E-3D24AFB461A4}" destId="{2A6907FF-C9C1-4FB1-8E15-76859BB4BCCF}" srcOrd="4" destOrd="0" presId="urn:microsoft.com/office/officeart/2018/5/layout/IconCircleLabelList"/>
-    <dgm:cxn modelId="{543FD3E3-293C-4DE7-82ED-BDE41A6C0778}" type="presParOf" srcId="{2A6907FF-C9C1-4FB1-8E15-76859BB4BCCF}" destId="{29ECC7B9-929E-4E1D-9E07-8023F0948DD4}" srcOrd="0" destOrd="0" presId="urn:microsoft.com/office/officeart/2018/5/layout/IconCircleLabelList"/>
-    <dgm:cxn modelId="{09CCA058-09EB-4A1B-A663-1DCAFE4EE995}" type="presParOf" srcId="{2A6907FF-C9C1-4FB1-8E15-76859BB4BCCF}" destId="{2E9329FE-42EB-4F86-BFEA-DD87D1A5B8F7}" srcOrd="1" destOrd="0" presId="urn:microsoft.com/office/officeart/2018/5/layout/IconCircleLabelList"/>
-    <dgm:cxn modelId="{12EED233-7CB9-4AF1-888D-833F3AD987A0}" type="presParOf" srcId="{2A6907FF-C9C1-4FB1-8E15-76859BB4BCCF}" destId="{5FAA32D0-004F-4D7C-95C9-01EE3BC7E1D6}" srcOrd="2" destOrd="0" presId="urn:microsoft.com/office/officeart/2018/5/layout/IconCircleLabelList"/>
-    <dgm:cxn modelId="{7FAB64BC-B517-4F36-AE24-A783001B16F6}" type="presParOf" srcId="{2A6907FF-C9C1-4FB1-8E15-76859BB4BCCF}" destId="{3C2538A6-F9D3-4160-9510-00B93C5C6C0C}" srcOrd="3" destOrd="0" presId="urn:microsoft.com/office/officeart/2018/5/layout/IconCircleLabelList"/>
-    <dgm:cxn modelId="{9B730656-8F1F-408F-BA9F-EDF611509D47}" type="presParOf" srcId="{7A52EA71-8D4D-4686-AF4E-3D24AFB461A4}" destId="{423E16E7-3C6C-40B2-B9DF-0C06D63F1978}" srcOrd="5" destOrd="0" presId="urn:microsoft.com/office/officeart/2018/5/layout/IconCircleLabelList"/>
-    <dgm:cxn modelId="{284AFA44-434A-432D-90EE-4245210503CC}" type="presParOf" srcId="{7A52EA71-8D4D-4686-AF4E-3D24AFB461A4}" destId="{6F5F47B7-F733-4CD3-AF2E-9F9DCEEE3A8E}" srcOrd="6" destOrd="0" presId="urn:microsoft.com/office/officeart/2018/5/layout/IconCircleLabelList"/>
-    <dgm:cxn modelId="{371D1E1A-3DC3-436F-B5B4-4092B891DAEC}" type="presParOf" srcId="{6F5F47B7-F733-4CD3-AF2E-9F9DCEEE3A8E}" destId="{9C1AC9DF-FD0E-4719-8EC7-6088F64C6E31}" srcOrd="0" destOrd="0" presId="urn:microsoft.com/office/officeart/2018/5/layout/IconCircleLabelList"/>
-    <dgm:cxn modelId="{7886F95A-0D13-41C5-9D43-E4B329F3B164}" type="presParOf" srcId="{6F5F47B7-F733-4CD3-AF2E-9F9DCEEE3A8E}" destId="{94C15A07-E121-4A20-8F76-E25090BCC874}" srcOrd="1" destOrd="0" presId="urn:microsoft.com/office/officeart/2018/5/layout/IconCircleLabelList"/>
-    <dgm:cxn modelId="{61D3E6DC-5FC1-4455-A8D5-0DCF1D889A41}" type="presParOf" srcId="{6F5F47B7-F733-4CD3-AF2E-9F9DCEEE3A8E}" destId="{B82014F4-4465-4861-A45B-81C9B5717147}" srcOrd="2" destOrd="0" presId="urn:microsoft.com/office/officeart/2018/5/layout/IconCircleLabelList"/>
-    <dgm:cxn modelId="{7C912410-B53E-40EF-A570-A2BEED51CC3C}" type="presParOf" srcId="{6F5F47B7-F733-4CD3-AF2E-9F9DCEEE3A8E}" destId="{3508E053-1E2D-47D4-B58E-BB2F71B1947B}" srcOrd="3" destOrd="0" presId="urn:microsoft.com/office/officeart/2018/5/layout/IconCircleLabelList"/>
-  </dgm:cxnLst>
-  <dgm:bg/>
-  <dgm:whole/>
-  <dgm:extLst>
-    <a:ext uri="http://schemas.microsoft.com/office/drawing/2008/diagram">
-      <dsp:dataModelExt xmlns:dsp="http://schemas.microsoft.com/office/drawing/2008/diagram" relId="rId8" minVer="http://schemas.openxmlformats.org/drawingml/2006/diagram"/>
     </a:ext>
   </dgm:extLst>
 </dgm:dataModel>
@@ -4752,6 +4755,618 @@
       <dsp:cNvGrpSpPr/>
     </dsp:nvGrpSpPr>
     <dsp:grpSpPr/>
+    <dsp:sp modelId="{2D4DAB30-F952-4900-9379-7325F1D9DD42}">
+      <dsp:nvSpPr>
+        <dsp:cNvPr id="0" name=""/>
+        <dsp:cNvSpPr/>
+      </dsp:nvSpPr>
+      <dsp:spPr>
+        <a:xfrm>
+          <a:off x="1217048" y="34175"/>
+          <a:ext cx="1098000" cy="1098000"/>
+        </a:xfrm>
+        <a:prstGeom prst="ellipse">
+          <a:avLst/>
+        </a:prstGeom>
+        <a:solidFill>
+          <a:schemeClr val="dk2">
+            <a:hueOff val="0"/>
+            <a:satOff val="0"/>
+            <a:lumOff val="0"/>
+            <a:alphaOff val="0"/>
+          </a:schemeClr>
+        </a:solidFill>
+        <a:ln>
+          <a:noFill/>
+        </a:ln>
+        <a:effectLst/>
+      </dsp:spPr>
+      <dsp:style>
+        <a:lnRef idx="0">
+          <a:scrgbClr r="0" g="0" b="0"/>
+        </a:lnRef>
+        <a:fillRef idx="1">
+          <a:scrgbClr r="0" g="0" b="0"/>
+        </a:fillRef>
+        <a:effectRef idx="0">
+          <a:scrgbClr r="0" g="0" b="0"/>
+        </a:effectRef>
+        <a:fontRef idx="minor"/>
+      </dsp:style>
+    </dsp:sp>
+    <dsp:sp modelId="{C02F6B60-578D-4416-AE28-4D9AB25FB4F3}">
+      <dsp:nvSpPr>
+        <dsp:cNvPr id="0" name=""/>
+        <dsp:cNvSpPr/>
+      </dsp:nvSpPr>
+      <dsp:spPr>
+        <a:xfrm>
+          <a:off x="1451048" y="268175"/>
+          <a:ext cx="630000" cy="630000"/>
+        </a:xfrm>
+        <a:prstGeom prst="rect">
+          <a:avLst/>
+        </a:prstGeom>
+        <a:blipFill>
+          <a:blip xmlns:r="http://schemas.openxmlformats.org/officeDocument/2006/relationships" r:embed="rId1">
+            <a:extLst>
+              <a:ext uri="{28A0092B-C50C-407E-A947-70E740481C1C}">
+                <a14:useLocalDpi xmlns:a14="http://schemas.microsoft.com/office/drawing/2010/main" val="0"/>
+              </a:ext>
+              <a:ext uri="{96DAC541-7B7A-43D3-8B79-37D633B846F1}">
+                <asvg:svgBlip xmlns:asvg="http://schemas.microsoft.com/office/drawing/2016/SVG/main" r:embed="rId2"/>
+              </a:ext>
+            </a:extLst>
+          </a:blip>
+          <a:stretch>
+            <a:fillRect/>
+          </a:stretch>
+        </a:blipFill>
+        <a:ln w="12700" cap="flat" cmpd="sng" algn="ctr">
+          <a:noFill/>
+          <a:prstDash val="solid"/>
+          <a:miter lim="800000"/>
+        </a:ln>
+        <a:effectLst/>
+      </dsp:spPr>
+      <dsp:style>
+        <a:lnRef idx="2">
+          <a:scrgbClr r="0" g="0" b="0"/>
+        </a:lnRef>
+        <a:fillRef idx="1">
+          <a:scrgbClr r="0" g="0" b="0"/>
+        </a:fillRef>
+        <a:effectRef idx="0">
+          <a:scrgbClr r="0" g="0" b="0"/>
+        </a:effectRef>
+        <a:fontRef idx="minor">
+          <a:schemeClr val="lt1"/>
+        </a:fontRef>
+      </dsp:style>
+    </dsp:sp>
+    <dsp:sp modelId="{7149BEF5-8D2C-4C39-B077-E1AEF50621A5}">
+      <dsp:nvSpPr>
+        <dsp:cNvPr id="0" name=""/>
+        <dsp:cNvSpPr/>
+      </dsp:nvSpPr>
+      <dsp:spPr>
+        <a:xfrm>
+          <a:off x="866048" y="1474175"/>
+          <a:ext cx="1800000" cy="1202343"/>
+        </a:xfrm>
+        <a:prstGeom prst="rect">
+          <a:avLst/>
+        </a:prstGeom>
+        <a:noFill/>
+        <a:ln>
+          <a:noFill/>
+        </a:ln>
+        <a:effectLst/>
+      </dsp:spPr>
+      <dsp:style>
+        <a:lnRef idx="0">
+          <a:scrgbClr r="0" g="0" b="0"/>
+        </a:lnRef>
+        <a:fillRef idx="0">
+          <a:scrgbClr r="0" g="0" b="0"/>
+        </a:fillRef>
+        <a:effectRef idx="0">
+          <a:scrgbClr r="0" g="0" b="0"/>
+        </a:effectRef>
+        <a:fontRef idx="minor"/>
+      </dsp:style>
+      <dsp:txBody>
+        <a:bodyPr spcFirstLastPara="0" vert="horz" wrap="square" lIns="0" tIns="0" rIns="0" bIns="0" numCol="1" spcCol="1270" anchor="t" anchorCtr="0">
+          <a:noAutofit/>
+        </a:bodyPr>
+        <a:lstStyle/>
+        <a:p>
+          <a:pPr marL="0" lvl="0" indent="0" algn="ctr" defTabSz="488950">
+            <a:lnSpc>
+              <a:spcPct val="100000"/>
+            </a:lnSpc>
+            <a:spcBef>
+              <a:spcPct val="0"/>
+            </a:spcBef>
+            <a:spcAft>
+              <a:spcPct val="35000"/>
+            </a:spcAft>
+            <a:buNone/>
+            <a:defRPr cap="all"/>
+          </a:pPr>
+          <a:r>
+            <a:rPr lang="en-US" sz="1100" b="1" kern="1200" dirty="0"/>
+            <a:t>The back-end consists of a web server, application server, and payment gateway.</a:t>
+          </a:r>
+        </a:p>
+      </dsp:txBody>
+      <dsp:txXfrm>
+        <a:off x="866048" y="1474175"/>
+        <a:ext cx="1800000" cy="1202343"/>
+      </dsp:txXfrm>
+    </dsp:sp>
+    <dsp:sp modelId="{757C14B6-E1C8-4DFF-A405-0176323D99EC}">
+      <dsp:nvSpPr>
+        <dsp:cNvPr id="0" name=""/>
+        <dsp:cNvSpPr/>
+      </dsp:nvSpPr>
+      <dsp:spPr>
+        <a:xfrm>
+          <a:off x="3332048" y="34175"/>
+          <a:ext cx="1098000" cy="1098000"/>
+        </a:xfrm>
+        <a:prstGeom prst="ellipse">
+          <a:avLst/>
+        </a:prstGeom>
+        <a:solidFill>
+          <a:schemeClr val="dk2">
+            <a:hueOff val="0"/>
+            <a:satOff val="0"/>
+            <a:lumOff val="0"/>
+            <a:alphaOff val="0"/>
+          </a:schemeClr>
+        </a:solidFill>
+        <a:ln>
+          <a:noFill/>
+        </a:ln>
+        <a:effectLst/>
+      </dsp:spPr>
+      <dsp:style>
+        <a:lnRef idx="0">
+          <a:scrgbClr r="0" g="0" b="0"/>
+        </a:lnRef>
+        <a:fillRef idx="1">
+          <a:scrgbClr r="0" g="0" b="0"/>
+        </a:fillRef>
+        <a:effectRef idx="0">
+          <a:scrgbClr r="0" g="0" b="0"/>
+        </a:effectRef>
+        <a:fontRef idx="minor"/>
+      </dsp:style>
+    </dsp:sp>
+    <dsp:sp modelId="{F1326E29-1472-4D5F-8029-8F55051E4141}">
+      <dsp:nvSpPr>
+        <dsp:cNvPr id="0" name=""/>
+        <dsp:cNvSpPr/>
+      </dsp:nvSpPr>
+      <dsp:spPr>
+        <a:xfrm>
+          <a:off x="3566048" y="268175"/>
+          <a:ext cx="630000" cy="630000"/>
+        </a:xfrm>
+        <a:prstGeom prst="rect">
+          <a:avLst/>
+        </a:prstGeom>
+        <a:blipFill>
+          <a:blip xmlns:r="http://schemas.openxmlformats.org/officeDocument/2006/relationships" r:embed="rId3">
+            <a:extLst>
+              <a:ext uri="{28A0092B-C50C-407E-A947-70E740481C1C}">
+                <a14:useLocalDpi xmlns:a14="http://schemas.microsoft.com/office/drawing/2010/main" val="0"/>
+              </a:ext>
+              <a:ext uri="{96DAC541-7B7A-43D3-8B79-37D633B846F1}">
+                <asvg:svgBlip xmlns:asvg="http://schemas.microsoft.com/office/drawing/2016/SVG/main" r:embed="rId4"/>
+              </a:ext>
+            </a:extLst>
+          </a:blip>
+          <a:stretch>
+            <a:fillRect/>
+          </a:stretch>
+        </a:blipFill>
+        <a:ln w="12700" cap="flat" cmpd="sng" algn="ctr">
+          <a:noFill/>
+          <a:prstDash val="solid"/>
+          <a:miter lim="800000"/>
+        </a:ln>
+        <a:effectLst/>
+      </dsp:spPr>
+      <dsp:style>
+        <a:lnRef idx="2">
+          <a:scrgbClr r="0" g="0" b="0"/>
+        </a:lnRef>
+        <a:fillRef idx="1">
+          <a:scrgbClr r="0" g="0" b="0"/>
+        </a:fillRef>
+        <a:effectRef idx="0">
+          <a:scrgbClr r="0" g="0" b="0"/>
+        </a:effectRef>
+        <a:fontRef idx="minor">
+          <a:schemeClr val="lt1"/>
+        </a:fontRef>
+      </dsp:style>
+    </dsp:sp>
+    <dsp:sp modelId="{D86B5B5B-B45C-4F81-A6F4-1AF9B76114CF}">
+      <dsp:nvSpPr>
+        <dsp:cNvPr id="0" name=""/>
+        <dsp:cNvSpPr/>
+      </dsp:nvSpPr>
+      <dsp:spPr>
+        <a:xfrm>
+          <a:off x="2981048" y="1474175"/>
+          <a:ext cx="1800000" cy="1202343"/>
+        </a:xfrm>
+        <a:prstGeom prst="rect">
+          <a:avLst/>
+        </a:prstGeom>
+        <a:noFill/>
+        <a:ln>
+          <a:noFill/>
+        </a:ln>
+        <a:effectLst/>
+      </dsp:spPr>
+      <dsp:style>
+        <a:lnRef idx="0">
+          <a:scrgbClr r="0" g="0" b="0"/>
+        </a:lnRef>
+        <a:fillRef idx="0">
+          <a:scrgbClr r="0" g="0" b="0"/>
+        </a:fillRef>
+        <a:effectRef idx="0">
+          <a:scrgbClr r="0" g="0" b="0"/>
+        </a:effectRef>
+        <a:fontRef idx="minor"/>
+      </dsp:style>
+      <dsp:txBody>
+        <a:bodyPr spcFirstLastPara="0" vert="horz" wrap="square" lIns="0" tIns="0" rIns="0" bIns="0" numCol="1" spcCol="1270" anchor="t" anchorCtr="0">
+          <a:noAutofit/>
+        </a:bodyPr>
+        <a:lstStyle/>
+        <a:p>
+          <a:pPr marL="0" lvl="0" indent="0" algn="ctr" defTabSz="488950">
+            <a:lnSpc>
+              <a:spcPct val="100000"/>
+            </a:lnSpc>
+            <a:spcBef>
+              <a:spcPct val="0"/>
+            </a:spcBef>
+            <a:spcAft>
+              <a:spcPct val="35000"/>
+            </a:spcAft>
+            <a:buNone/>
+            <a:defRPr cap="all"/>
+          </a:pPr>
+          <a:r>
+            <a:rPr lang="en-US" sz="1100" b="1" kern="1200" dirty="0"/>
+            <a:t>The database stores all user and order information, as well as food items and their availability.</a:t>
+          </a:r>
+        </a:p>
+      </dsp:txBody>
+      <dsp:txXfrm>
+        <a:off x="2981048" y="1474175"/>
+        <a:ext cx="1800000" cy="1202343"/>
+      </dsp:txXfrm>
+    </dsp:sp>
+    <dsp:sp modelId="{29ECC7B9-929E-4E1D-9E07-8023F0948DD4}">
+      <dsp:nvSpPr>
+        <dsp:cNvPr id="0" name=""/>
+        <dsp:cNvSpPr/>
+      </dsp:nvSpPr>
+      <dsp:spPr>
+        <a:xfrm>
+          <a:off x="5447048" y="34175"/>
+          <a:ext cx="1098000" cy="1098000"/>
+        </a:xfrm>
+        <a:prstGeom prst="ellipse">
+          <a:avLst/>
+        </a:prstGeom>
+        <a:solidFill>
+          <a:schemeClr val="dk2">
+            <a:hueOff val="0"/>
+            <a:satOff val="0"/>
+            <a:lumOff val="0"/>
+            <a:alphaOff val="0"/>
+          </a:schemeClr>
+        </a:solidFill>
+        <a:ln>
+          <a:noFill/>
+        </a:ln>
+        <a:effectLst/>
+      </dsp:spPr>
+      <dsp:style>
+        <a:lnRef idx="0">
+          <a:scrgbClr r="0" g="0" b="0"/>
+        </a:lnRef>
+        <a:fillRef idx="1">
+          <a:scrgbClr r="0" g="0" b="0"/>
+        </a:fillRef>
+        <a:effectRef idx="0">
+          <a:scrgbClr r="0" g="0" b="0"/>
+        </a:effectRef>
+        <a:fontRef idx="minor"/>
+      </dsp:style>
+    </dsp:sp>
+    <dsp:sp modelId="{2E9329FE-42EB-4F86-BFEA-DD87D1A5B8F7}">
+      <dsp:nvSpPr>
+        <dsp:cNvPr id="0" name=""/>
+        <dsp:cNvSpPr/>
+      </dsp:nvSpPr>
+      <dsp:spPr>
+        <a:xfrm>
+          <a:off x="5681048" y="268175"/>
+          <a:ext cx="630000" cy="630000"/>
+        </a:xfrm>
+        <a:prstGeom prst="rect">
+          <a:avLst/>
+        </a:prstGeom>
+        <a:blipFill>
+          <a:blip xmlns:r="http://schemas.openxmlformats.org/officeDocument/2006/relationships" r:embed="rId5">
+            <a:extLst>
+              <a:ext uri="{28A0092B-C50C-407E-A947-70E740481C1C}">
+                <a14:useLocalDpi xmlns:a14="http://schemas.microsoft.com/office/drawing/2010/main" val="0"/>
+              </a:ext>
+              <a:ext uri="{96DAC541-7B7A-43D3-8B79-37D633B846F1}">
+                <asvg:svgBlip xmlns:asvg="http://schemas.microsoft.com/office/drawing/2016/SVG/main" r:embed="rId6"/>
+              </a:ext>
+            </a:extLst>
+          </a:blip>
+          <a:stretch>
+            <a:fillRect/>
+          </a:stretch>
+        </a:blipFill>
+        <a:ln w="12700" cap="flat" cmpd="sng" algn="ctr">
+          <a:noFill/>
+          <a:prstDash val="solid"/>
+          <a:miter lim="800000"/>
+        </a:ln>
+        <a:effectLst/>
+      </dsp:spPr>
+      <dsp:style>
+        <a:lnRef idx="2">
+          <a:scrgbClr r="0" g="0" b="0"/>
+        </a:lnRef>
+        <a:fillRef idx="1">
+          <a:scrgbClr r="0" g="0" b="0"/>
+        </a:fillRef>
+        <a:effectRef idx="0">
+          <a:scrgbClr r="0" g="0" b="0"/>
+        </a:effectRef>
+        <a:fontRef idx="minor">
+          <a:schemeClr val="lt1"/>
+        </a:fontRef>
+      </dsp:style>
+    </dsp:sp>
+    <dsp:sp modelId="{3C2538A6-F9D3-4160-9510-00B93C5C6C0C}">
+      <dsp:nvSpPr>
+        <dsp:cNvPr id="0" name=""/>
+        <dsp:cNvSpPr/>
+      </dsp:nvSpPr>
+      <dsp:spPr>
+        <a:xfrm>
+          <a:off x="5096048" y="1474175"/>
+          <a:ext cx="1800000" cy="1202343"/>
+        </a:xfrm>
+        <a:prstGeom prst="rect">
+          <a:avLst/>
+        </a:prstGeom>
+        <a:noFill/>
+        <a:ln>
+          <a:noFill/>
+        </a:ln>
+        <a:effectLst/>
+      </dsp:spPr>
+      <dsp:style>
+        <a:lnRef idx="0">
+          <a:scrgbClr r="0" g="0" b="0"/>
+        </a:lnRef>
+        <a:fillRef idx="0">
+          <a:scrgbClr r="0" g="0" b="0"/>
+        </a:fillRef>
+        <a:effectRef idx="0">
+          <a:scrgbClr r="0" g="0" b="0"/>
+        </a:effectRef>
+        <a:fontRef idx="minor"/>
+      </dsp:style>
+      <dsp:txBody>
+        <a:bodyPr spcFirstLastPara="0" vert="horz" wrap="square" lIns="0" tIns="0" rIns="0" bIns="0" numCol="1" spcCol="1270" anchor="t" anchorCtr="0">
+          <a:noAutofit/>
+        </a:bodyPr>
+        <a:lstStyle/>
+        <a:p>
+          <a:pPr marL="0" lvl="0" indent="0" algn="ctr" defTabSz="488950">
+            <a:lnSpc>
+              <a:spcPct val="100000"/>
+            </a:lnSpc>
+            <a:spcBef>
+              <a:spcPct val="0"/>
+            </a:spcBef>
+            <a:spcAft>
+              <a:spcPct val="35000"/>
+            </a:spcAft>
+            <a:buNone/>
+            <a:defRPr cap="all"/>
+          </a:pPr>
+          <a:r>
+            <a:rPr lang="en-US" sz="1100" b="1" kern="1200" dirty="0"/>
+            <a:t>The login page allows users to authenticate themselves using their email and password, and the order page allows them to select food items and place an order.</a:t>
+          </a:r>
+        </a:p>
+      </dsp:txBody>
+      <dsp:txXfrm>
+        <a:off x="5096048" y="1474175"/>
+        <a:ext cx="1800000" cy="1202343"/>
+      </dsp:txXfrm>
+    </dsp:sp>
+    <dsp:sp modelId="{9C1AC9DF-FD0E-4719-8EC7-6088F64C6E31}">
+      <dsp:nvSpPr>
+        <dsp:cNvPr id="0" name=""/>
+        <dsp:cNvSpPr/>
+      </dsp:nvSpPr>
+      <dsp:spPr>
+        <a:xfrm>
+          <a:off x="7562048" y="34175"/>
+          <a:ext cx="1098000" cy="1098000"/>
+        </a:xfrm>
+        <a:prstGeom prst="ellipse">
+          <a:avLst/>
+        </a:prstGeom>
+        <a:solidFill>
+          <a:schemeClr val="dk2">
+            <a:hueOff val="0"/>
+            <a:satOff val="0"/>
+            <a:lumOff val="0"/>
+            <a:alphaOff val="0"/>
+          </a:schemeClr>
+        </a:solidFill>
+        <a:ln>
+          <a:noFill/>
+        </a:ln>
+        <a:effectLst/>
+      </dsp:spPr>
+      <dsp:style>
+        <a:lnRef idx="0">
+          <a:scrgbClr r="0" g="0" b="0"/>
+        </a:lnRef>
+        <a:fillRef idx="1">
+          <a:scrgbClr r="0" g="0" b="0"/>
+        </a:fillRef>
+        <a:effectRef idx="0">
+          <a:scrgbClr r="0" g="0" b="0"/>
+        </a:effectRef>
+        <a:fontRef idx="minor"/>
+      </dsp:style>
+    </dsp:sp>
+    <dsp:sp modelId="{94C15A07-E121-4A20-8F76-E25090BCC874}">
+      <dsp:nvSpPr>
+        <dsp:cNvPr id="0" name=""/>
+        <dsp:cNvSpPr/>
+      </dsp:nvSpPr>
+      <dsp:spPr>
+        <a:xfrm>
+          <a:off x="7796048" y="268175"/>
+          <a:ext cx="630000" cy="630000"/>
+        </a:xfrm>
+        <a:prstGeom prst="rect">
+          <a:avLst/>
+        </a:prstGeom>
+        <a:blipFill>
+          <a:blip xmlns:r="http://schemas.openxmlformats.org/officeDocument/2006/relationships" r:embed="rId7">
+            <a:extLst>
+              <a:ext uri="{28A0092B-C50C-407E-A947-70E740481C1C}">
+                <a14:useLocalDpi xmlns:a14="http://schemas.microsoft.com/office/drawing/2010/main" val="0"/>
+              </a:ext>
+              <a:ext uri="{96DAC541-7B7A-43D3-8B79-37D633B846F1}">
+                <asvg:svgBlip xmlns:asvg="http://schemas.microsoft.com/office/drawing/2016/SVG/main" r:embed="rId8"/>
+              </a:ext>
+            </a:extLst>
+          </a:blip>
+          <a:stretch>
+            <a:fillRect/>
+          </a:stretch>
+        </a:blipFill>
+        <a:ln w="12700" cap="flat" cmpd="sng" algn="ctr">
+          <a:noFill/>
+          <a:prstDash val="solid"/>
+          <a:miter lim="800000"/>
+        </a:ln>
+        <a:effectLst/>
+      </dsp:spPr>
+      <dsp:style>
+        <a:lnRef idx="2">
+          <a:scrgbClr r="0" g="0" b="0"/>
+        </a:lnRef>
+        <a:fillRef idx="1">
+          <a:scrgbClr r="0" g="0" b="0"/>
+        </a:fillRef>
+        <a:effectRef idx="0">
+          <a:scrgbClr r="0" g="0" b="0"/>
+        </a:effectRef>
+        <a:fontRef idx="minor">
+          <a:schemeClr val="lt1"/>
+        </a:fontRef>
+      </dsp:style>
+    </dsp:sp>
+    <dsp:sp modelId="{3508E053-1E2D-47D4-B58E-BB2F71B1947B}">
+      <dsp:nvSpPr>
+        <dsp:cNvPr id="0" name=""/>
+        <dsp:cNvSpPr/>
+      </dsp:nvSpPr>
+      <dsp:spPr>
+        <a:xfrm>
+          <a:off x="7211048" y="1474175"/>
+          <a:ext cx="1800000" cy="1202343"/>
+        </a:xfrm>
+        <a:prstGeom prst="rect">
+          <a:avLst/>
+        </a:prstGeom>
+        <a:noFill/>
+        <a:ln>
+          <a:noFill/>
+        </a:ln>
+        <a:effectLst/>
+      </dsp:spPr>
+      <dsp:style>
+        <a:lnRef idx="0">
+          <a:scrgbClr r="0" g="0" b="0"/>
+        </a:lnRef>
+        <a:fillRef idx="0">
+          <a:scrgbClr r="0" g="0" b="0"/>
+        </a:fillRef>
+        <a:effectRef idx="0">
+          <a:scrgbClr r="0" g="0" b="0"/>
+        </a:effectRef>
+        <a:fontRef idx="minor"/>
+      </dsp:style>
+      <dsp:txBody>
+        <a:bodyPr spcFirstLastPara="0" vert="horz" wrap="square" lIns="0" tIns="0" rIns="0" bIns="0" numCol="1" spcCol="1270" anchor="t" anchorCtr="0">
+          <a:noAutofit/>
+        </a:bodyPr>
+        <a:lstStyle/>
+        <a:p>
+          <a:pPr marL="0" lvl="0" indent="0" algn="ctr" defTabSz="488950">
+            <a:lnSpc>
+              <a:spcPct val="100000"/>
+            </a:lnSpc>
+            <a:spcBef>
+              <a:spcPct val="0"/>
+            </a:spcBef>
+            <a:spcAft>
+              <a:spcPct val="35000"/>
+            </a:spcAft>
+            <a:buNone/>
+            <a:defRPr cap="all"/>
+          </a:pPr>
+          <a:r>
+            <a:rPr lang="en-US" sz="1100" b="1" kern="1200" dirty="0"/>
+            <a:t>The front-end for both pages will have client-side validation and order submission.</a:t>
+          </a:r>
+        </a:p>
+      </dsp:txBody>
+      <dsp:txXfrm>
+        <a:off x="7211048" y="1474175"/>
+        <a:ext cx="1800000" cy="1202343"/>
+      </dsp:txXfrm>
+    </dsp:sp>
+  </dsp:spTree>
+</dsp:drawing>
+</file>
+
+<file path=ppt/diagrams/drawing3.xml><?xml version="1.0" encoding="utf-8"?>
+<dsp:drawing xmlns:dgm="http://schemas.openxmlformats.org/drawingml/2006/diagram" xmlns:dsp="http://schemas.microsoft.com/office/drawing/2008/diagram" xmlns:a="http://schemas.openxmlformats.org/drawingml/2006/main">
+  <dsp:spTree>
+    <dsp:nvGrpSpPr>
+      <dsp:cNvPr id="0" name=""/>
+      <dsp:cNvGrpSpPr/>
+    </dsp:nvGrpSpPr>
+    <dsp:grpSpPr/>
     <dsp:sp modelId="{353CD773-A03A-48DD-BE85-46A46B7DC854}">
       <dsp:nvSpPr>
         <dsp:cNvPr id="0" name=""/>
@@ -5185,618 +5800,6 @@
 </dsp:drawing>
 </file>
 
-<file path=ppt/diagrams/drawing3.xml><?xml version="1.0" encoding="utf-8"?>
-<dsp:drawing xmlns:dgm="http://schemas.openxmlformats.org/drawingml/2006/diagram" xmlns:dsp="http://schemas.microsoft.com/office/drawing/2008/diagram" xmlns:a="http://schemas.openxmlformats.org/drawingml/2006/main">
-  <dsp:spTree>
-    <dsp:nvGrpSpPr>
-      <dsp:cNvPr id="0" name=""/>
-      <dsp:cNvGrpSpPr/>
-    </dsp:nvGrpSpPr>
-    <dsp:grpSpPr/>
-    <dsp:sp modelId="{2D4DAB30-F952-4900-9379-7325F1D9DD42}">
-      <dsp:nvSpPr>
-        <dsp:cNvPr id="0" name=""/>
-        <dsp:cNvSpPr/>
-      </dsp:nvSpPr>
-      <dsp:spPr>
-        <a:xfrm>
-          <a:off x="695192" y="16883"/>
-          <a:ext cx="1251969" cy="1251969"/>
-        </a:xfrm>
-        <a:prstGeom prst="ellipse">
-          <a:avLst/>
-        </a:prstGeom>
-        <a:solidFill>
-          <a:schemeClr val="dk2">
-            <a:hueOff val="0"/>
-            <a:satOff val="0"/>
-            <a:lumOff val="0"/>
-            <a:alphaOff val="0"/>
-          </a:schemeClr>
-        </a:solidFill>
-        <a:ln>
-          <a:noFill/>
-        </a:ln>
-        <a:effectLst/>
-      </dsp:spPr>
-      <dsp:style>
-        <a:lnRef idx="0">
-          <a:scrgbClr r="0" g="0" b="0"/>
-        </a:lnRef>
-        <a:fillRef idx="1">
-          <a:scrgbClr r="0" g="0" b="0"/>
-        </a:fillRef>
-        <a:effectRef idx="0">
-          <a:scrgbClr r="0" g="0" b="0"/>
-        </a:effectRef>
-        <a:fontRef idx="minor"/>
-      </dsp:style>
-    </dsp:sp>
-    <dsp:sp modelId="{C02F6B60-578D-4416-AE28-4D9AB25FB4F3}">
-      <dsp:nvSpPr>
-        <dsp:cNvPr id="0" name=""/>
-        <dsp:cNvSpPr/>
-      </dsp:nvSpPr>
-      <dsp:spPr>
-        <a:xfrm>
-          <a:off x="962005" y="283696"/>
-          <a:ext cx="718343" cy="718343"/>
-        </a:xfrm>
-        <a:prstGeom prst="rect">
-          <a:avLst/>
-        </a:prstGeom>
-        <a:blipFill>
-          <a:blip xmlns:r="http://schemas.openxmlformats.org/officeDocument/2006/relationships" r:embed="rId1">
-            <a:extLst>
-              <a:ext uri="{28A0092B-C50C-407E-A947-70E740481C1C}">
-                <a14:useLocalDpi xmlns:a14="http://schemas.microsoft.com/office/drawing/2010/main" val="0"/>
-              </a:ext>
-              <a:ext uri="{96DAC541-7B7A-43D3-8B79-37D633B846F1}">
-                <asvg:svgBlip xmlns:asvg="http://schemas.microsoft.com/office/drawing/2016/SVG/main" r:embed="rId2"/>
-              </a:ext>
-            </a:extLst>
-          </a:blip>
-          <a:stretch>
-            <a:fillRect/>
-          </a:stretch>
-        </a:blipFill>
-        <a:ln w="12700" cap="flat" cmpd="sng" algn="ctr">
-          <a:noFill/>
-          <a:prstDash val="solid"/>
-          <a:miter lim="800000"/>
-        </a:ln>
-        <a:effectLst/>
-      </dsp:spPr>
-      <dsp:style>
-        <a:lnRef idx="2">
-          <a:scrgbClr r="0" g="0" b="0"/>
-        </a:lnRef>
-        <a:fillRef idx="1">
-          <a:scrgbClr r="0" g="0" b="0"/>
-        </a:fillRef>
-        <a:effectRef idx="0">
-          <a:scrgbClr r="0" g="0" b="0"/>
-        </a:effectRef>
-        <a:fontRef idx="minor">
-          <a:schemeClr val="lt1"/>
-        </a:fontRef>
-      </dsp:style>
-    </dsp:sp>
-    <dsp:sp modelId="{7149BEF5-8D2C-4C39-B077-E1AEF50621A5}">
-      <dsp:nvSpPr>
-        <dsp:cNvPr id="0" name=""/>
-        <dsp:cNvSpPr/>
-      </dsp:nvSpPr>
-      <dsp:spPr>
-        <a:xfrm>
-          <a:off x="294972" y="1658810"/>
-          <a:ext cx="2052409" cy="1035000"/>
-        </a:xfrm>
-        <a:prstGeom prst="rect">
-          <a:avLst/>
-        </a:prstGeom>
-        <a:noFill/>
-        <a:ln>
-          <a:noFill/>
-        </a:ln>
-        <a:effectLst/>
-      </dsp:spPr>
-      <dsp:style>
-        <a:lnRef idx="0">
-          <a:scrgbClr r="0" g="0" b="0"/>
-        </a:lnRef>
-        <a:fillRef idx="0">
-          <a:scrgbClr r="0" g="0" b="0"/>
-        </a:fillRef>
-        <a:effectRef idx="0">
-          <a:scrgbClr r="0" g="0" b="0"/>
-        </a:effectRef>
-        <a:fontRef idx="minor"/>
-      </dsp:style>
-      <dsp:txBody>
-        <a:bodyPr spcFirstLastPara="0" vert="horz" wrap="square" lIns="0" tIns="0" rIns="0" bIns="0" numCol="1" spcCol="1270" anchor="t" anchorCtr="0">
-          <a:noAutofit/>
-        </a:bodyPr>
-        <a:lstStyle/>
-        <a:p>
-          <a:pPr marL="0" lvl="0" indent="0" algn="ctr" defTabSz="488950">
-            <a:lnSpc>
-              <a:spcPct val="100000"/>
-            </a:lnSpc>
-            <a:spcBef>
-              <a:spcPct val="0"/>
-            </a:spcBef>
-            <a:spcAft>
-              <a:spcPct val="35000"/>
-            </a:spcAft>
-            <a:buNone/>
-            <a:defRPr cap="all"/>
-          </a:pPr>
-          <a:r>
-            <a:rPr lang="en-US" sz="1100" kern="1200"/>
-            <a:t>The back-end consists of a web server, application server, and payment gateway.</a:t>
-          </a:r>
-        </a:p>
-      </dsp:txBody>
-      <dsp:txXfrm>
-        <a:off x="294972" y="1658810"/>
-        <a:ext cx="2052409" cy="1035000"/>
-      </dsp:txXfrm>
-    </dsp:sp>
-    <dsp:sp modelId="{757C14B6-E1C8-4DFF-A405-0176323D99EC}">
-      <dsp:nvSpPr>
-        <dsp:cNvPr id="0" name=""/>
-        <dsp:cNvSpPr/>
-      </dsp:nvSpPr>
-      <dsp:spPr>
-        <a:xfrm>
-          <a:off x="3106773" y="16883"/>
-          <a:ext cx="1251969" cy="1251969"/>
-        </a:xfrm>
-        <a:prstGeom prst="ellipse">
-          <a:avLst/>
-        </a:prstGeom>
-        <a:solidFill>
-          <a:schemeClr val="dk2">
-            <a:hueOff val="0"/>
-            <a:satOff val="0"/>
-            <a:lumOff val="0"/>
-            <a:alphaOff val="0"/>
-          </a:schemeClr>
-        </a:solidFill>
-        <a:ln>
-          <a:noFill/>
-        </a:ln>
-        <a:effectLst/>
-      </dsp:spPr>
-      <dsp:style>
-        <a:lnRef idx="0">
-          <a:scrgbClr r="0" g="0" b="0"/>
-        </a:lnRef>
-        <a:fillRef idx="1">
-          <a:scrgbClr r="0" g="0" b="0"/>
-        </a:fillRef>
-        <a:effectRef idx="0">
-          <a:scrgbClr r="0" g="0" b="0"/>
-        </a:effectRef>
-        <a:fontRef idx="minor"/>
-      </dsp:style>
-    </dsp:sp>
-    <dsp:sp modelId="{F1326E29-1472-4D5F-8029-8F55051E4141}">
-      <dsp:nvSpPr>
-        <dsp:cNvPr id="0" name=""/>
-        <dsp:cNvSpPr/>
-      </dsp:nvSpPr>
-      <dsp:spPr>
-        <a:xfrm>
-          <a:off x="3373586" y="283696"/>
-          <a:ext cx="718343" cy="718343"/>
-        </a:xfrm>
-        <a:prstGeom prst="rect">
-          <a:avLst/>
-        </a:prstGeom>
-        <a:blipFill>
-          <a:blip xmlns:r="http://schemas.openxmlformats.org/officeDocument/2006/relationships" r:embed="rId3">
-            <a:extLst>
-              <a:ext uri="{28A0092B-C50C-407E-A947-70E740481C1C}">
-                <a14:useLocalDpi xmlns:a14="http://schemas.microsoft.com/office/drawing/2010/main" val="0"/>
-              </a:ext>
-              <a:ext uri="{96DAC541-7B7A-43D3-8B79-37D633B846F1}">
-                <asvg:svgBlip xmlns:asvg="http://schemas.microsoft.com/office/drawing/2016/SVG/main" r:embed="rId4"/>
-              </a:ext>
-            </a:extLst>
-          </a:blip>
-          <a:stretch>
-            <a:fillRect/>
-          </a:stretch>
-        </a:blipFill>
-        <a:ln w="12700" cap="flat" cmpd="sng" algn="ctr">
-          <a:noFill/>
-          <a:prstDash val="solid"/>
-          <a:miter lim="800000"/>
-        </a:ln>
-        <a:effectLst/>
-      </dsp:spPr>
-      <dsp:style>
-        <a:lnRef idx="2">
-          <a:scrgbClr r="0" g="0" b="0"/>
-        </a:lnRef>
-        <a:fillRef idx="1">
-          <a:scrgbClr r="0" g="0" b="0"/>
-        </a:fillRef>
-        <a:effectRef idx="0">
-          <a:scrgbClr r="0" g="0" b="0"/>
-        </a:effectRef>
-        <a:fontRef idx="minor">
-          <a:schemeClr val="lt1"/>
-        </a:fontRef>
-      </dsp:style>
-    </dsp:sp>
-    <dsp:sp modelId="{D86B5B5B-B45C-4F81-A6F4-1AF9B76114CF}">
-      <dsp:nvSpPr>
-        <dsp:cNvPr id="0" name=""/>
-        <dsp:cNvSpPr/>
-      </dsp:nvSpPr>
-      <dsp:spPr>
-        <a:xfrm>
-          <a:off x="2706553" y="1658810"/>
-          <a:ext cx="2052409" cy="1035000"/>
-        </a:xfrm>
-        <a:prstGeom prst="rect">
-          <a:avLst/>
-        </a:prstGeom>
-        <a:noFill/>
-        <a:ln>
-          <a:noFill/>
-        </a:ln>
-        <a:effectLst/>
-      </dsp:spPr>
-      <dsp:style>
-        <a:lnRef idx="0">
-          <a:scrgbClr r="0" g="0" b="0"/>
-        </a:lnRef>
-        <a:fillRef idx="0">
-          <a:scrgbClr r="0" g="0" b="0"/>
-        </a:fillRef>
-        <a:effectRef idx="0">
-          <a:scrgbClr r="0" g="0" b="0"/>
-        </a:effectRef>
-        <a:fontRef idx="minor"/>
-      </dsp:style>
-      <dsp:txBody>
-        <a:bodyPr spcFirstLastPara="0" vert="horz" wrap="square" lIns="0" tIns="0" rIns="0" bIns="0" numCol="1" spcCol="1270" anchor="t" anchorCtr="0">
-          <a:noAutofit/>
-        </a:bodyPr>
-        <a:lstStyle/>
-        <a:p>
-          <a:pPr marL="0" lvl="0" indent="0" algn="ctr" defTabSz="488950">
-            <a:lnSpc>
-              <a:spcPct val="100000"/>
-            </a:lnSpc>
-            <a:spcBef>
-              <a:spcPct val="0"/>
-            </a:spcBef>
-            <a:spcAft>
-              <a:spcPct val="35000"/>
-            </a:spcAft>
-            <a:buNone/>
-            <a:defRPr cap="all"/>
-          </a:pPr>
-          <a:r>
-            <a:rPr lang="en-US" sz="1100" kern="1200"/>
-            <a:t>The database stores all user and order information, as well as food items and their availability.</a:t>
-          </a:r>
-        </a:p>
-      </dsp:txBody>
-      <dsp:txXfrm>
-        <a:off x="2706553" y="1658810"/>
-        <a:ext cx="2052409" cy="1035000"/>
-      </dsp:txXfrm>
-    </dsp:sp>
-    <dsp:sp modelId="{29ECC7B9-929E-4E1D-9E07-8023F0948DD4}">
-      <dsp:nvSpPr>
-        <dsp:cNvPr id="0" name=""/>
-        <dsp:cNvSpPr/>
-      </dsp:nvSpPr>
-      <dsp:spPr>
-        <a:xfrm>
-          <a:off x="5518354" y="16883"/>
-          <a:ext cx="1251969" cy="1251969"/>
-        </a:xfrm>
-        <a:prstGeom prst="ellipse">
-          <a:avLst/>
-        </a:prstGeom>
-        <a:solidFill>
-          <a:schemeClr val="dk2">
-            <a:hueOff val="0"/>
-            <a:satOff val="0"/>
-            <a:lumOff val="0"/>
-            <a:alphaOff val="0"/>
-          </a:schemeClr>
-        </a:solidFill>
-        <a:ln>
-          <a:noFill/>
-        </a:ln>
-        <a:effectLst/>
-      </dsp:spPr>
-      <dsp:style>
-        <a:lnRef idx="0">
-          <a:scrgbClr r="0" g="0" b="0"/>
-        </a:lnRef>
-        <a:fillRef idx="1">
-          <a:scrgbClr r="0" g="0" b="0"/>
-        </a:fillRef>
-        <a:effectRef idx="0">
-          <a:scrgbClr r="0" g="0" b="0"/>
-        </a:effectRef>
-        <a:fontRef idx="minor"/>
-      </dsp:style>
-    </dsp:sp>
-    <dsp:sp modelId="{2E9329FE-42EB-4F86-BFEA-DD87D1A5B8F7}">
-      <dsp:nvSpPr>
-        <dsp:cNvPr id="0" name=""/>
-        <dsp:cNvSpPr/>
-      </dsp:nvSpPr>
-      <dsp:spPr>
-        <a:xfrm>
-          <a:off x="5785167" y="283696"/>
-          <a:ext cx="718343" cy="718343"/>
-        </a:xfrm>
-        <a:prstGeom prst="rect">
-          <a:avLst/>
-        </a:prstGeom>
-        <a:blipFill>
-          <a:blip xmlns:r="http://schemas.openxmlformats.org/officeDocument/2006/relationships" r:embed="rId5">
-            <a:extLst>
-              <a:ext uri="{28A0092B-C50C-407E-A947-70E740481C1C}">
-                <a14:useLocalDpi xmlns:a14="http://schemas.microsoft.com/office/drawing/2010/main" val="0"/>
-              </a:ext>
-              <a:ext uri="{96DAC541-7B7A-43D3-8B79-37D633B846F1}">
-                <asvg:svgBlip xmlns:asvg="http://schemas.microsoft.com/office/drawing/2016/SVG/main" r:embed="rId6"/>
-              </a:ext>
-            </a:extLst>
-          </a:blip>
-          <a:stretch>
-            <a:fillRect/>
-          </a:stretch>
-        </a:blipFill>
-        <a:ln w="12700" cap="flat" cmpd="sng" algn="ctr">
-          <a:noFill/>
-          <a:prstDash val="solid"/>
-          <a:miter lim="800000"/>
-        </a:ln>
-        <a:effectLst/>
-      </dsp:spPr>
-      <dsp:style>
-        <a:lnRef idx="2">
-          <a:scrgbClr r="0" g="0" b="0"/>
-        </a:lnRef>
-        <a:fillRef idx="1">
-          <a:scrgbClr r="0" g="0" b="0"/>
-        </a:fillRef>
-        <a:effectRef idx="0">
-          <a:scrgbClr r="0" g="0" b="0"/>
-        </a:effectRef>
-        <a:fontRef idx="minor">
-          <a:schemeClr val="lt1"/>
-        </a:fontRef>
-      </dsp:style>
-    </dsp:sp>
-    <dsp:sp modelId="{3C2538A6-F9D3-4160-9510-00B93C5C6C0C}">
-      <dsp:nvSpPr>
-        <dsp:cNvPr id="0" name=""/>
-        <dsp:cNvSpPr/>
-      </dsp:nvSpPr>
-      <dsp:spPr>
-        <a:xfrm>
-          <a:off x="5118134" y="1658810"/>
-          <a:ext cx="2052409" cy="1035000"/>
-        </a:xfrm>
-        <a:prstGeom prst="rect">
-          <a:avLst/>
-        </a:prstGeom>
-        <a:noFill/>
-        <a:ln>
-          <a:noFill/>
-        </a:ln>
-        <a:effectLst/>
-      </dsp:spPr>
-      <dsp:style>
-        <a:lnRef idx="0">
-          <a:scrgbClr r="0" g="0" b="0"/>
-        </a:lnRef>
-        <a:fillRef idx="0">
-          <a:scrgbClr r="0" g="0" b="0"/>
-        </a:fillRef>
-        <a:effectRef idx="0">
-          <a:scrgbClr r="0" g="0" b="0"/>
-        </a:effectRef>
-        <a:fontRef idx="minor"/>
-      </dsp:style>
-      <dsp:txBody>
-        <a:bodyPr spcFirstLastPara="0" vert="horz" wrap="square" lIns="0" tIns="0" rIns="0" bIns="0" numCol="1" spcCol="1270" anchor="t" anchorCtr="0">
-          <a:noAutofit/>
-        </a:bodyPr>
-        <a:lstStyle/>
-        <a:p>
-          <a:pPr marL="0" lvl="0" indent="0" algn="ctr" defTabSz="488950">
-            <a:lnSpc>
-              <a:spcPct val="100000"/>
-            </a:lnSpc>
-            <a:spcBef>
-              <a:spcPct val="0"/>
-            </a:spcBef>
-            <a:spcAft>
-              <a:spcPct val="35000"/>
-            </a:spcAft>
-            <a:buNone/>
-            <a:defRPr cap="all"/>
-          </a:pPr>
-          <a:r>
-            <a:rPr lang="en-US" sz="1100" kern="1200"/>
-            <a:t>The login page allows users to authenticate themselves using their email and password, and the order page allows them to select food items and place an order.</a:t>
-          </a:r>
-        </a:p>
-      </dsp:txBody>
-      <dsp:txXfrm>
-        <a:off x="5118134" y="1658810"/>
-        <a:ext cx="2052409" cy="1035000"/>
-      </dsp:txXfrm>
-    </dsp:sp>
-    <dsp:sp modelId="{9C1AC9DF-FD0E-4719-8EC7-6088F64C6E31}">
-      <dsp:nvSpPr>
-        <dsp:cNvPr id="0" name=""/>
-        <dsp:cNvSpPr/>
-      </dsp:nvSpPr>
-      <dsp:spPr>
-        <a:xfrm>
-          <a:off x="7929935" y="16883"/>
-          <a:ext cx="1251969" cy="1251969"/>
-        </a:xfrm>
-        <a:prstGeom prst="ellipse">
-          <a:avLst/>
-        </a:prstGeom>
-        <a:solidFill>
-          <a:schemeClr val="dk2">
-            <a:hueOff val="0"/>
-            <a:satOff val="0"/>
-            <a:lumOff val="0"/>
-            <a:alphaOff val="0"/>
-          </a:schemeClr>
-        </a:solidFill>
-        <a:ln>
-          <a:noFill/>
-        </a:ln>
-        <a:effectLst/>
-      </dsp:spPr>
-      <dsp:style>
-        <a:lnRef idx="0">
-          <a:scrgbClr r="0" g="0" b="0"/>
-        </a:lnRef>
-        <a:fillRef idx="1">
-          <a:scrgbClr r="0" g="0" b="0"/>
-        </a:fillRef>
-        <a:effectRef idx="0">
-          <a:scrgbClr r="0" g="0" b="0"/>
-        </a:effectRef>
-        <a:fontRef idx="minor"/>
-      </dsp:style>
-    </dsp:sp>
-    <dsp:sp modelId="{94C15A07-E121-4A20-8F76-E25090BCC874}">
-      <dsp:nvSpPr>
-        <dsp:cNvPr id="0" name=""/>
-        <dsp:cNvSpPr/>
-      </dsp:nvSpPr>
-      <dsp:spPr>
-        <a:xfrm>
-          <a:off x="8196748" y="283696"/>
-          <a:ext cx="718343" cy="718343"/>
-        </a:xfrm>
-        <a:prstGeom prst="rect">
-          <a:avLst/>
-        </a:prstGeom>
-        <a:blipFill>
-          <a:blip xmlns:r="http://schemas.openxmlformats.org/officeDocument/2006/relationships" r:embed="rId7">
-            <a:extLst>
-              <a:ext uri="{28A0092B-C50C-407E-A947-70E740481C1C}">
-                <a14:useLocalDpi xmlns:a14="http://schemas.microsoft.com/office/drawing/2010/main" val="0"/>
-              </a:ext>
-              <a:ext uri="{96DAC541-7B7A-43D3-8B79-37D633B846F1}">
-                <asvg:svgBlip xmlns:asvg="http://schemas.microsoft.com/office/drawing/2016/SVG/main" r:embed="rId8"/>
-              </a:ext>
-            </a:extLst>
-          </a:blip>
-          <a:stretch>
-            <a:fillRect/>
-          </a:stretch>
-        </a:blipFill>
-        <a:ln w="12700" cap="flat" cmpd="sng" algn="ctr">
-          <a:noFill/>
-          <a:prstDash val="solid"/>
-          <a:miter lim="800000"/>
-        </a:ln>
-        <a:effectLst/>
-      </dsp:spPr>
-      <dsp:style>
-        <a:lnRef idx="2">
-          <a:scrgbClr r="0" g="0" b="0"/>
-        </a:lnRef>
-        <a:fillRef idx="1">
-          <a:scrgbClr r="0" g="0" b="0"/>
-        </a:fillRef>
-        <a:effectRef idx="0">
-          <a:scrgbClr r="0" g="0" b="0"/>
-        </a:effectRef>
-        <a:fontRef idx="minor">
-          <a:schemeClr val="lt1"/>
-        </a:fontRef>
-      </dsp:style>
-    </dsp:sp>
-    <dsp:sp modelId="{3508E053-1E2D-47D4-B58E-BB2F71B1947B}">
-      <dsp:nvSpPr>
-        <dsp:cNvPr id="0" name=""/>
-        <dsp:cNvSpPr/>
-      </dsp:nvSpPr>
-      <dsp:spPr>
-        <a:xfrm>
-          <a:off x="7529715" y="1658810"/>
-          <a:ext cx="2052409" cy="1035000"/>
-        </a:xfrm>
-        <a:prstGeom prst="rect">
-          <a:avLst/>
-        </a:prstGeom>
-        <a:noFill/>
-        <a:ln>
-          <a:noFill/>
-        </a:ln>
-        <a:effectLst/>
-      </dsp:spPr>
-      <dsp:style>
-        <a:lnRef idx="0">
-          <a:scrgbClr r="0" g="0" b="0"/>
-        </a:lnRef>
-        <a:fillRef idx="0">
-          <a:scrgbClr r="0" g="0" b="0"/>
-        </a:fillRef>
-        <a:effectRef idx="0">
-          <a:scrgbClr r="0" g="0" b="0"/>
-        </a:effectRef>
-        <a:fontRef idx="minor"/>
-      </dsp:style>
-      <dsp:txBody>
-        <a:bodyPr spcFirstLastPara="0" vert="horz" wrap="square" lIns="0" tIns="0" rIns="0" bIns="0" numCol="1" spcCol="1270" anchor="t" anchorCtr="0">
-          <a:noAutofit/>
-        </a:bodyPr>
-        <a:lstStyle/>
-        <a:p>
-          <a:pPr marL="0" lvl="0" indent="0" algn="ctr" defTabSz="488950">
-            <a:lnSpc>
-              <a:spcPct val="100000"/>
-            </a:lnSpc>
-            <a:spcBef>
-              <a:spcPct val="0"/>
-            </a:spcBef>
-            <a:spcAft>
-              <a:spcPct val="35000"/>
-            </a:spcAft>
-            <a:buNone/>
-            <a:defRPr cap="all"/>
-          </a:pPr>
-          <a:r>
-            <a:rPr lang="en-US" sz="1100" kern="1200"/>
-            <a:t>The front-end for both pages will have client-side validation and order submission.</a:t>
-          </a:r>
-        </a:p>
-      </dsp:txBody>
-      <dsp:txXfrm>
-        <a:off x="7529715" y="1658810"/>
-        <a:ext cx="2052409" cy="1035000"/>
-      </dsp:txXfrm>
-    </dsp:sp>
-  </dsp:spTree>
-</dsp:drawing>
-</file>
-
 <file path=ppt/diagrams/layout1.xml><?xml version="1.0" encoding="utf-8"?>
 <dgm:layoutDef xmlns:dgm="http://schemas.openxmlformats.org/drawingml/2006/diagram" xmlns:a="http://schemas.openxmlformats.org/drawingml/2006/main" uniqueId="urn:microsoft.com/office/officeart/2018/2/layout/IconLabelList">
   <dgm:title val="Icon Label List"/>
@@ -5988,215 +5991,6 @@
 </file>
 
 <file path=ppt/diagrams/layout2.xml><?xml version="1.0" encoding="utf-8"?>
-<dgm:layoutDef xmlns:dgm="http://schemas.openxmlformats.org/drawingml/2006/diagram" xmlns:a="http://schemas.openxmlformats.org/drawingml/2006/main" uniqueId="urn:microsoft.com/office/officeart/2018/2/layout/IconLabelDescriptionList">
-  <dgm:title val="Icon Label Description List"/>
-  <dgm:desc val="Use to show non-sequential or grouped chunks of information. The placeholder holds an icon or small picture, and corresponding text boxes show Level 1 and Level 2 text respectively. Works well for minimal Level 1 text accompanied by lengthier Level two text."/>
-  <dgm:catLst>
-    <dgm:cat type="icon" pri="500"/>
-  </dgm:catLst>
-  <dgm:sampData useDef="1">
-    <dgm:dataModel>
-      <dgm:ptLst/>
-      <dgm:bg/>
-      <dgm:whole/>
-    </dgm:dataModel>
-  </dgm:sampData>
-  <dgm:styleData useDef="1">
-    <dgm:dataModel>
-      <dgm:ptLst/>
-      <dgm:bg/>
-      <dgm:whole/>
-    </dgm:dataModel>
-  </dgm:styleData>
-  <dgm:clrData useDef="1">
-    <dgm:dataModel>
-      <dgm:ptLst/>
-      <dgm:bg/>
-      <dgm:whole/>
-    </dgm:dataModel>
-  </dgm:clrData>
-  <dgm:layoutNode name="root">
-    <dgm:varLst>
-      <dgm:dir/>
-      <dgm:resizeHandles val="exact"/>
-    </dgm:varLst>
-    <dgm:choose name="Name0">
-      <dgm:if name="Name1" axis="self" func="var" arg="dir" op="equ" val="norm">
-        <dgm:alg type="lin"/>
-      </dgm:if>
-      <dgm:else name="Name2">
-        <dgm:alg type="lin">
-          <dgm:param type="linDir" val="fromR"/>
-        </dgm:alg>
-      </dgm:else>
-    </dgm:choose>
-    <dgm:shape xmlns:r="http://schemas.openxmlformats.org/officeDocument/2006/relationships" r:blip="">
-      <dgm:adjLst/>
-    </dgm:shape>
-    <dgm:presOf/>
-    <dgm:constrLst>
-      <dgm:constr type="h" for="ch" forName="compNode" refType="h" fact="0.45"/>
-      <dgm:constr type="w" for="ch" forName="compNode" val="120"/>
-      <dgm:constr type="w" for="ch" forName="sibTrans" refType="w" refFor="ch" refForName="compNode" fact="0.175"/>
-      <dgm:constr type="primFontSz" for="des" forName="parTx" val="36"/>
-      <dgm:constr type="primFontSz" for="des" forName="desTx" refType="primFontSz" refFor="des" refForName="parTx" op="lte" fact="0.75"/>
-      <dgm:constr type="h" for="des" forName="compNode" op="equ"/>
-      <dgm:constr type="h" for="des" forName="iconRect" op="equ"/>
-      <dgm:constr type="w" for="des" forName="iconRect" op="equ"/>
-      <dgm:constr type="h" for="des" forName="iconSpace" op="equ"/>
-      <dgm:constr type="h" for="des" forName="parTx" op="equ"/>
-      <dgm:constr type="h" for="des" forName="txSpace" op="equ"/>
-      <dgm:constr type="h" for="des" forName="desTx" op="equ"/>
-    </dgm:constrLst>
-    <dgm:ruleLst>
-      <dgm:rule type="w" for="ch" forName="compNode" val="0" fact="NaN" max="NaN"/>
-    </dgm:ruleLst>
-    <dgm:forEach name="Name3" axis="ch" ptType="node">
-      <dgm:layoutNode name="compNode">
-        <dgm:alg type="composite"/>
-        <dgm:shape xmlns:r="http://schemas.openxmlformats.org/officeDocument/2006/relationships" r:blip="">
-          <dgm:adjLst/>
-        </dgm:shape>
-        <dgm:presOf axis="self"/>
-        <dgm:constrLst>
-          <dgm:constr type="w" for="ch" forName="iconRect" refType="w" fact="0.35"/>
-          <dgm:constr type="h" for="ch" forName="iconRect" refType="w" refFor="ch" refForName="iconRect"/>
-          <dgm:constr type="l" for="ch" forName="iconRect"/>
-          <dgm:constr type="t" for="ch" forName="iconRect"/>
-          <dgm:constr type="w" for="ch" forName="iconSpace" refType="w"/>
-          <dgm:constr type="h" for="ch" forName="iconSpace" refType="h" fact="0.043"/>
-          <dgm:constr type="l" for="ch" forName="iconSpace"/>
-          <dgm:constr type="t" for="ch" forName="iconSpace" refType="b" refFor="ch" refForName="iconRect"/>
-          <dgm:constr type="w" for="ch" forName="parTx" refType="w"/>
-          <dgm:constr type="h" for="ch" forName="parTx" refType="w" fact="0.15"/>
-          <dgm:constr type="l" for="ch" forName="parTx"/>
-          <dgm:constr type="t" for="ch" forName="parTx" refType="b" refFor="ch" refForName="iconSpace"/>
-          <dgm:constr type="h" for="ch" forName="txSpace" refType="h" fact="0.02"/>
-          <dgm:constr type="w" for="ch" forName="txSpace" refType="w"/>
-          <dgm:constr type="l" for="ch" forName="txSpace"/>
-          <dgm:constr type="t" for="ch" forName="txSpace" refType="b" refFor="ch" refForName="parTx"/>
-          <dgm:constr type="w" for="ch" forName="desTx" refType="w"/>
-          <dgm:constr type="l" for="ch" forName="desTx"/>
-          <dgm:constr type="t" for="ch" forName="desTx" refType="b" refFor="ch" refForName="txSpace"/>
-        </dgm:constrLst>
-        <dgm:ruleLst>
-          <dgm:rule type="h" val="INF" fact="NaN" max="NaN"/>
-        </dgm:ruleLst>
-        <dgm:layoutNode name="iconRect" styleLbl="node1">
-          <dgm:alg type="sp"/>
-          <dgm:shape xmlns:r="http://schemas.openxmlformats.org/officeDocument/2006/relationships" type="rect" r:blip="" blipPhldr="1">
-            <dgm:adjLst/>
-          </dgm:shape>
-          <dgm:presOf/>
-          <dgm:constrLst/>
-          <dgm:ruleLst/>
-        </dgm:layoutNode>
-        <dgm:layoutNode name="iconSpace">
-          <dgm:alg type="sp"/>
-          <dgm:shape xmlns:r="http://schemas.openxmlformats.org/officeDocument/2006/relationships" r:blip="">
-            <dgm:adjLst/>
-          </dgm:shape>
-          <dgm:presOf/>
-          <dgm:constrLst/>
-          <dgm:ruleLst/>
-        </dgm:layoutNode>
-        <dgm:layoutNode name="parTx" styleLbl="revTx">
-          <dgm:varLst>
-            <dgm:chMax val="0"/>
-            <dgm:chPref val="0"/>
-          </dgm:varLst>
-          <dgm:alg type="tx">
-            <dgm:param type="txAnchorVert" val="t"/>
-            <dgm:param type="parTxLTRAlign" val="l"/>
-            <dgm:param type="shpTxLTRAlignCh" val="l"/>
-            <dgm:param type="parTxRTLAlign" val="r"/>
-            <dgm:param type="shpTxRTLAlignCh" val="r"/>
-          </dgm:alg>
-          <dgm:shape xmlns:r="http://schemas.openxmlformats.org/officeDocument/2006/relationships" type="rect" r:blip="">
-            <dgm:adjLst/>
-          </dgm:shape>
-          <dgm:presOf axis="self" ptType="node"/>
-          <dgm:constrLst>
-            <dgm:constr type="lMarg"/>
-            <dgm:constr type="rMarg"/>
-            <dgm:constr type="tMarg"/>
-            <dgm:constr type="bMarg"/>
-          </dgm:constrLst>
-          <dgm:ruleLst>
-            <dgm:rule type="primFontSz" val="14" fact="NaN" max="NaN"/>
-            <dgm:rule type="h" val="INF" fact="NaN" max="NaN"/>
-          </dgm:ruleLst>
-        </dgm:layoutNode>
-        <dgm:layoutNode name="txSpace">
-          <dgm:alg type="sp"/>
-          <dgm:shape xmlns:r="http://schemas.openxmlformats.org/officeDocument/2006/relationships" r:blip="">
-            <dgm:adjLst/>
-          </dgm:shape>
-          <dgm:presOf/>
-          <dgm:constrLst/>
-          <dgm:ruleLst/>
-        </dgm:layoutNode>
-        <dgm:layoutNode name="desTx" styleLbl="revTx">
-          <dgm:varLst/>
-          <dgm:alg type="tx">
-            <dgm:param type="stBulletLvl" val="0"/>
-            <dgm:param type="txAnchorVert" val="t"/>
-            <dgm:param type="parTxLTRAlign" val="l"/>
-            <dgm:param type="shpTxLTRAlignCh" val="l"/>
-            <dgm:param type="parTxRTLAlign" val="r"/>
-            <dgm:param type="shpTxRTLAlignCh" val="r"/>
-          </dgm:alg>
-          <dgm:shape xmlns:r="http://schemas.openxmlformats.org/officeDocument/2006/relationships" type="rect" r:blip="">
-            <dgm:adjLst/>
-          </dgm:shape>
-          <dgm:presOf axis="des" ptType="node"/>
-          <dgm:constrLst>
-            <dgm:constr type="secFontSz" refType="primFontSz"/>
-            <dgm:constr type="lMarg"/>
-            <dgm:constr type="rMarg"/>
-            <dgm:constr type="tMarg"/>
-            <dgm:constr type="bMarg"/>
-          </dgm:constrLst>
-          <dgm:ruleLst>
-            <dgm:rule type="primFontSz" val="NaN" fact="NaN" max="17"/>
-            <dgm:rule type="h" val="INF" fact="NaN" max="NaN"/>
-          </dgm:ruleLst>
-        </dgm:layoutNode>
-      </dgm:layoutNode>
-      <dgm:forEach name="Name4" axis="followSib" ptType="sibTrans" cnt="1">
-        <dgm:layoutNode name="sibTrans">
-          <dgm:alg type="sp"/>
-          <dgm:shape xmlns:r="http://schemas.openxmlformats.org/officeDocument/2006/relationships" r:blip="">
-            <dgm:adjLst/>
-          </dgm:shape>
-          <dgm:presOf axis="self"/>
-          <dgm:constrLst/>
-          <dgm:ruleLst/>
-        </dgm:layoutNode>
-      </dgm:forEach>
-    </dgm:forEach>
-  </dgm:layoutNode>
-  <dgm:extLst>
-    <a:ext uri="{68A01E43-0DF5-4B5B-8FA6-DAF915123BFB}">
-      <dgm1612:lstStyle xmlns:dgm1612="http://schemas.microsoft.com/office/drawing/2016/12/diagram">
-        <a:lvl1pPr>
-          <a:lnSpc>
-            <a:spcPct val="100000"/>
-          </a:lnSpc>
-          <a:defRPr b="1"/>
-        </a:lvl1pPr>
-        <a:lvl2pPr>
-          <a:lnSpc>
-            <a:spcPct val="100000"/>
-          </a:lnSpc>
-        </a:lvl2pPr>
-      </dgm1612:lstStyle>
-    </a:ext>
-  </dgm:extLst>
-</dgm:layoutDef>
-</file>
-
-<file path=ppt/diagrams/layout3.xml><?xml version="1.0" encoding="utf-8"?>
 <dgm:layoutDef xmlns:dgm="http://schemas.openxmlformats.org/drawingml/2006/diagram" xmlns:a="http://schemas.openxmlformats.org/drawingml/2006/main" uniqueId="urn:microsoft.com/office/officeart/2018/5/layout/IconCircleLabelList">
   <dgm:title val="Icon Circle Label List"/>
   <dgm:desc val="Use to show non-sequential or grouped chunks of information accompanied by a related visuals. Works best with icons or small pictures with short text captions."/>
@@ -6411,6 +6205,215 @@
 </dgm:layoutDef>
 </file>
 
+<file path=ppt/diagrams/layout3.xml><?xml version="1.0" encoding="utf-8"?>
+<dgm:layoutDef xmlns:dgm="http://schemas.openxmlformats.org/drawingml/2006/diagram" xmlns:a="http://schemas.openxmlformats.org/drawingml/2006/main" uniqueId="urn:microsoft.com/office/officeart/2018/2/layout/IconLabelDescriptionList">
+  <dgm:title val="Icon Label Description List"/>
+  <dgm:desc val="Use to show non-sequential or grouped chunks of information. The placeholder holds an icon or small picture, and corresponding text boxes show Level 1 and Level 2 text respectively. Works well for minimal Level 1 text accompanied by lengthier Level two text."/>
+  <dgm:catLst>
+    <dgm:cat type="icon" pri="500"/>
+  </dgm:catLst>
+  <dgm:sampData useDef="1">
+    <dgm:dataModel>
+      <dgm:ptLst/>
+      <dgm:bg/>
+      <dgm:whole/>
+    </dgm:dataModel>
+  </dgm:sampData>
+  <dgm:styleData useDef="1">
+    <dgm:dataModel>
+      <dgm:ptLst/>
+      <dgm:bg/>
+      <dgm:whole/>
+    </dgm:dataModel>
+  </dgm:styleData>
+  <dgm:clrData useDef="1">
+    <dgm:dataModel>
+      <dgm:ptLst/>
+      <dgm:bg/>
+      <dgm:whole/>
+    </dgm:dataModel>
+  </dgm:clrData>
+  <dgm:layoutNode name="root">
+    <dgm:varLst>
+      <dgm:dir/>
+      <dgm:resizeHandles val="exact"/>
+    </dgm:varLst>
+    <dgm:choose name="Name0">
+      <dgm:if name="Name1" axis="self" func="var" arg="dir" op="equ" val="norm">
+        <dgm:alg type="lin"/>
+      </dgm:if>
+      <dgm:else name="Name2">
+        <dgm:alg type="lin">
+          <dgm:param type="linDir" val="fromR"/>
+        </dgm:alg>
+      </dgm:else>
+    </dgm:choose>
+    <dgm:shape xmlns:r="http://schemas.openxmlformats.org/officeDocument/2006/relationships" r:blip="">
+      <dgm:adjLst/>
+    </dgm:shape>
+    <dgm:presOf/>
+    <dgm:constrLst>
+      <dgm:constr type="h" for="ch" forName="compNode" refType="h" fact="0.45"/>
+      <dgm:constr type="w" for="ch" forName="compNode" val="120"/>
+      <dgm:constr type="w" for="ch" forName="sibTrans" refType="w" refFor="ch" refForName="compNode" fact="0.175"/>
+      <dgm:constr type="primFontSz" for="des" forName="parTx" val="36"/>
+      <dgm:constr type="primFontSz" for="des" forName="desTx" refType="primFontSz" refFor="des" refForName="parTx" op="lte" fact="0.75"/>
+      <dgm:constr type="h" for="des" forName="compNode" op="equ"/>
+      <dgm:constr type="h" for="des" forName="iconRect" op="equ"/>
+      <dgm:constr type="w" for="des" forName="iconRect" op="equ"/>
+      <dgm:constr type="h" for="des" forName="iconSpace" op="equ"/>
+      <dgm:constr type="h" for="des" forName="parTx" op="equ"/>
+      <dgm:constr type="h" for="des" forName="txSpace" op="equ"/>
+      <dgm:constr type="h" for="des" forName="desTx" op="equ"/>
+    </dgm:constrLst>
+    <dgm:ruleLst>
+      <dgm:rule type="w" for="ch" forName="compNode" val="0" fact="NaN" max="NaN"/>
+    </dgm:ruleLst>
+    <dgm:forEach name="Name3" axis="ch" ptType="node">
+      <dgm:layoutNode name="compNode">
+        <dgm:alg type="composite"/>
+        <dgm:shape xmlns:r="http://schemas.openxmlformats.org/officeDocument/2006/relationships" r:blip="">
+          <dgm:adjLst/>
+        </dgm:shape>
+        <dgm:presOf axis="self"/>
+        <dgm:constrLst>
+          <dgm:constr type="w" for="ch" forName="iconRect" refType="w" fact="0.35"/>
+          <dgm:constr type="h" for="ch" forName="iconRect" refType="w" refFor="ch" refForName="iconRect"/>
+          <dgm:constr type="l" for="ch" forName="iconRect"/>
+          <dgm:constr type="t" for="ch" forName="iconRect"/>
+          <dgm:constr type="w" for="ch" forName="iconSpace" refType="w"/>
+          <dgm:constr type="h" for="ch" forName="iconSpace" refType="h" fact="0.043"/>
+          <dgm:constr type="l" for="ch" forName="iconSpace"/>
+          <dgm:constr type="t" for="ch" forName="iconSpace" refType="b" refFor="ch" refForName="iconRect"/>
+          <dgm:constr type="w" for="ch" forName="parTx" refType="w"/>
+          <dgm:constr type="h" for="ch" forName="parTx" refType="w" fact="0.15"/>
+          <dgm:constr type="l" for="ch" forName="parTx"/>
+          <dgm:constr type="t" for="ch" forName="parTx" refType="b" refFor="ch" refForName="iconSpace"/>
+          <dgm:constr type="h" for="ch" forName="txSpace" refType="h" fact="0.02"/>
+          <dgm:constr type="w" for="ch" forName="txSpace" refType="w"/>
+          <dgm:constr type="l" for="ch" forName="txSpace"/>
+          <dgm:constr type="t" for="ch" forName="txSpace" refType="b" refFor="ch" refForName="parTx"/>
+          <dgm:constr type="w" for="ch" forName="desTx" refType="w"/>
+          <dgm:constr type="l" for="ch" forName="desTx"/>
+          <dgm:constr type="t" for="ch" forName="desTx" refType="b" refFor="ch" refForName="txSpace"/>
+        </dgm:constrLst>
+        <dgm:ruleLst>
+          <dgm:rule type="h" val="INF" fact="NaN" max="NaN"/>
+        </dgm:ruleLst>
+        <dgm:layoutNode name="iconRect" styleLbl="node1">
+          <dgm:alg type="sp"/>
+          <dgm:shape xmlns:r="http://schemas.openxmlformats.org/officeDocument/2006/relationships" type="rect" r:blip="" blipPhldr="1">
+            <dgm:adjLst/>
+          </dgm:shape>
+          <dgm:presOf/>
+          <dgm:constrLst/>
+          <dgm:ruleLst/>
+        </dgm:layoutNode>
+        <dgm:layoutNode name="iconSpace">
+          <dgm:alg type="sp"/>
+          <dgm:shape xmlns:r="http://schemas.openxmlformats.org/officeDocument/2006/relationships" r:blip="">
+            <dgm:adjLst/>
+          </dgm:shape>
+          <dgm:presOf/>
+          <dgm:constrLst/>
+          <dgm:ruleLst/>
+        </dgm:layoutNode>
+        <dgm:layoutNode name="parTx" styleLbl="revTx">
+          <dgm:varLst>
+            <dgm:chMax val="0"/>
+            <dgm:chPref val="0"/>
+          </dgm:varLst>
+          <dgm:alg type="tx">
+            <dgm:param type="txAnchorVert" val="t"/>
+            <dgm:param type="parTxLTRAlign" val="l"/>
+            <dgm:param type="shpTxLTRAlignCh" val="l"/>
+            <dgm:param type="parTxRTLAlign" val="r"/>
+            <dgm:param type="shpTxRTLAlignCh" val="r"/>
+          </dgm:alg>
+          <dgm:shape xmlns:r="http://schemas.openxmlformats.org/officeDocument/2006/relationships" type="rect" r:blip="">
+            <dgm:adjLst/>
+          </dgm:shape>
+          <dgm:presOf axis="self" ptType="node"/>
+          <dgm:constrLst>
+            <dgm:constr type="lMarg"/>
+            <dgm:constr type="rMarg"/>
+            <dgm:constr type="tMarg"/>
+            <dgm:constr type="bMarg"/>
+          </dgm:constrLst>
+          <dgm:ruleLst>
+            <dgm:rule type="primFontSz" val="14" fact="NaN" max="NaN"/>
+            <dgm:rule type="h" val="INF" fact="NaN" max="NaN"/>
+          </dgm:ruleLst>
+        </dgm:layoutNode>
+        <dgm:layoutNode name="txSpace">
+          <dgm:alg type="sp"/>
+          <dgm:shape xmlns:r="http://schemas.openxmlformats.org/officeDocument/2006/relationships" r:blip="">
+            <dgm:adjLst/>
+          </dgm:shape>
+          <dgm:presOf/>
+          <dgm:constrLst/>
+          <dgm:ruleLst/>
+        </dgm:layoutNode>
+        <dgm:layoutNode name="desTx" styleLbl="revTx">
+          <dgm:varLst/>
+          <dgm:alg type="tx">
+            <dgm:param type="stBulletLvl" val="0"/>
+            <dgm:param type="txAnchorVert" val="t"/>
+            <dgm:param type="parTxLTRAlign" val="l"/>
+            <dgm:param type="shpTxLTRAlignCh" val="l"/>
+            <dgm:param type="parTxRTLAlign" val="r"/>
+            <dgm:param type="shpTxRTLAlignCh" val="r"/>
+          </dgm:alg>
+          <dgm:shape xmlns:r="http://schemas.openxmlformats.org/officeDocument/2006/relationships" type="rect" r:blip="">
+            <dgm:adjLst/>
+          </dgm:shape>
+          <dgm:presOf axis="des" ptType="node"/>
+          <dgm:constrLst>
+            <dgm:constr type="secFontSz" refType="primFontSz"/>
+            <dgm:constr type="lMarg"/>
+            <dgm:constr type="rMarg"/>
+            <dgm:constr type="tMarg"/>
+            <dgm:constr type="bMarg"/>
+          </dgm:constrLst>
+          <dgm:ruleLst>
+            <dgm:rule type="primFontSz" val="NaN" fact="NaN" max="17"/>
+            <dgm:rule type="h" val="INF" fact="NaN" max="NaN"/>
+          </dgm:ruleLst>
+        </dgm:layoutNode>
+      </dgm:layoutNode>
+      <dgm:forEach name="Name4" axis="followSib" ptType="sibTrans" cnt="1">
+        <dgm:layoutNode name="sibTrans">
+          <dgm:alg type="sp"/>
+          <dgm:shape xmlns:r="http://schemas.openxmlformats.org/officeDocument/2006/relationships" r:blip="">
+            <dgm:adjLst/>
+          </dgm:shape>
+          <dgm:presOf axis="self"/>
+          <dgm:constrLst/>
+          <dgm:ruleLst/>
+        </dgm:layoutNode>
+      </dgm:forEach>
+    </dgm:forEach>
+  </dgm:layoutNode>
+  <dgm:extLst>
+    <a:ext uri="{68A01E43-0DF5-4B5B-8FA6-DAF915123BFB}">
+      <dgm1612:lstStyle xmlns:dgm1612="http://schemas.microsoft.com/office/drawing/2016/12/diagram">
+        <a:lvl1pPr>
+          <a:lnSpc>
+            <a:spcPct val="100000"/>
+          </a:lnSpc>
+          <a:defRPr b="1"/>
+        </a:lvl1pPr>
+        <a:lvl2pPr>
+          <a:lnSpc>
+            <a:spcPct val="100000"/>
+          </a:lnSpc>
+        </a:lvl2pPr>
+      </dgm1612:lstStyle>
+    </a:ext>
+  </dgm:extLst>
+</dgm:layoutDef>
+</file>
+
 <file path=ppt/diagrams/quickStyle1.xml><?xml version="1.0" encoding="utf-8"?>
 <dgm:styleDef xmlns:dgm="http://schemas.openxmlformats.org/drawingml/2006/diagram" xmlns:a="http://schemas.openxmlformats.org/drawingml/2006/main" uniqueId="urn:microsoft.com/office/officeart/2005/8/quickstyle/simple1">
   <dgm:title val=""/>
@@ -9511,6 +9514,439 @@
     </dgm:style>
   </dgm:styleLbl>
 </dgm:styleDef>
+</file>
+
+<file path=ppt/notesMasters/notesMaster1.xml><?xml version="1.0" encoding="utf-8"?>
+<p:notesMaster xmlns:a="http://schemas.openxmlformats.org/drawingml/2006/main" xmlns:r="http://schemas.openxmlformats.org/officeDocument/2006/relationships" xmlns:p="http://schemas.openxmlformats.org/presentationml/2006/main">
+  <p:cSld>
+    <p:bg>
+      <p:bgRef idx="1001">
+        <a:schemeClr val="bg1"/>
+      </p:bgRef>
+    </p:bg>
+    <p:spTree>
+      <p:nvGrpSpPr>
+        <p:cNvPr id="1" name=""/>
+        <p:cNvGrpSpPr/>
+        <p:nvPr/>
+      </p:nvGrpSpPr>
+      <p:grpSpPr>
+        <a:xfrm>
+          <a:off x="0" y="0"/>
+          <a:ext cx="0" cy="0"/>
+          <a:chOff x="0" y="0"/>
+          <a:chExt cx="0" cy="0"/>
+        </a:xfrm>
+      </p:grpSpPr>
+      <p:sp>
+        <p:nvSpPr>
+          <p:cNvPr id="2" name="Header Placeholder 1"/>
+          <p:cNvSpPr>
+            <a:spLocks noGrp="1"/>
+          </p:cNvSpPr>
+          <p:nvPr>
+            <p:ph type="hdr" sz="quarter"/>
+          </p:nvPr>
+        </p:nvSpPr>
+        <p:spPr>
+          <a:xfrm>
+            <a:off x="0" y="0"/>
+            <a:ext cx="2971800" cy="458788"/>
+          </a:xfrm>
+          <a:prstGeom prst="rect">
+            <a:avLst/>
+          </a:prstGeom>
+        </p:spPr>
+        <p:txBody>
+          <a:bodyPr vert="horz" lIns="91440" tIns="45720" rIns="91440" bIns="45720" rtlCol="0"/>
+          <a:lstStyle>
+            <a:lvl1pPr algn="l">
+              <a:defRPr sz="1200"/>
+            </a:lvl1pPr>
+          </a:lstStyle>
+          <a:p>
+            <a:endParaRPr lang="en-US"/>
+          </a:p>
+        </p:txBody>
+      </p:sp>
+      <p:sp>
+        <p:nvSpPr>
+          <p:cNvPr id="3" name="Date Placeholder 2"/>
+          <p:cNvSpPr>
+            <a:spLocks noGrp="1"/>
+          </p:cNvSpPr>
+          <p:nvPr>
+            <p:ph type="dt" idx="1"/>
+          </p:nvPr>
+        </p:nvSpPr>
+        <p:spPr>
+          <a:xfrm>
+            <a:off x="3884613" y="0"/>
+            <a:ext cx="2971800" cy="458788"/>
+          </a:xfrm>
+          <a:prstGeom prst="rect">
+            <a:avLst/>
+          </a:prstGeom>
+        </p:spPr>
+        <p:txBody>
+          <a:bodyPr vert="horz" lIns="91440" tIns="45720" rIns="91440" bIns="45720" rtlCol="0"/>
+          <a:lstStyle>
+            <a:lvl1pPr algn="r">
+              <a:defRPr sz="1200"/>
+            </a:lvl1pPr>
+          </a:lstStyle>
+          <a:p>
+            <a:fld id="{C2BF9EA7-49D1-4D7F-AC20-58765BF1CD61}" type="datetimeFigureOut">
+              <a:rPr lang="en-US" smtClean="0"/>
+              <a:t>2/15/2023</a:t>
+            </a:fld>
+            <a:endParaRPr lang="en-US"/>
+          </a:p>
+        </p:txBody>
+      </p:sp>
+      <p:sp>
+        <p:nvSpPr>
+          <p:cNvPr id="4" name="Slide Image Placeholder 3"/>
+          <p:cNvSpPr>
+            <a:spLocks noGrp="1" noRot="1" noChangeAspect="1"/>
+          </p:cNvSpPr>
+          <p:nvPr>
+            <p:ph type="sldImg" idx="2"/>
+          </p:nvPr>
+        </p:nvSpPr>
+        <p:spPr>
+          <a:xfrm>
+            <a:off x="685800" y="1143000"/>
+            <a:ext cx="5486400" cy="3086100"/>
+          </a:xfrm>
+          <a:prstGeom prst="rect">
+            <a:avLst/>
+          </a:prstGeom>
+          <a:noFill/>
+          <a:ln w="12700">
+            <a:solidFill>
+              <a:prstClr val="black"/>
+            </a:solidFill>
+          </a:ln>
+        </p:spPr>
+        <p:txBody>
+          <a:bodyPr vert="horz" lIns="91440" tIns="45720" rIns="91440" bIns="45720" rtlCol="0" anchor="ctr"/>
+          <a:lstStyle/>
+          <a:p>
+            <a:endParaRPr lang="en-US"/>
+          </a:p>
+        </p:txBody>
+      </p:sp>
+      <p:sp>
+        <p:nvSpPr>
+          <p:cNvPr id="5" name="Notes Placeholder 4"/>
+          <p:cNvSpPr>
+            <a:spLocks noGrp="1"/>
+          </p:cNvSpPr>
+          <p:nvPr>
+            <p:ph type="body" sz="quarter" idx="3"/>
+          </p:nvPr>
+        </p:nvSpPr>
+        <p:spPr>
+          <a:xfrm>
+            <a:off x="685800" y="4400550"/>
+            <a:ext cx="5486400" cy="3600450"/>
+          </a:xfrm>
+          <a:prstGeom prst="rect">
+            <a:avLst/>
+          </a:prstGeom>
+        </p:spPr>
+        <p:txBody>
+          <a:bodyPr vert="horz" lIns="91440" tIns="45720" rIns="91440" bIns="45720" rtlCol="0"/>
+          <a:lstStyle/>
+          <a:p>
+            <a:pPr lvl="0"/>
+            <a:r>
+              <a:rPr lang="en-US"/>
+              <a:t>Click to edit Master text styles</a:t>
+            </a:r>
+          </a:p>
+          <a:p>
+            <a:pPr lvl="1"/>
+            <a:r>
+              <a:rPr lang="en-US"/>
+              <a:t>Second level</a:t>
+            </a:r>
+          </a:p>
+          <a:p>
+            <a:pPr lvl="2"/>
+            <a:r>
+              <a:rPr lang="en-US"/>
+              <a:t>Third level</a:t>
+            </a:r>
+          </a:p>
+          <a:p>
+            <a:pPr lvl="3"/>
+            <a:r>
+              <a:rPr lang="en-US"/>
+              <a:t>Fourth level</a:t>
+            </a:r>
+          </a:p>
+          <a:p>
+            <a:pPr lvl="4"/>
+            <a:r>
+              <a:rPr lang="en-US"/>
+              <a:t>Fifth level</a:t>
+            </a:r>
+          </a:p>
+        </p:txBody>
+      </p:sp>
+      <p:sp>
+        <p:nvSpPr>
+          <p:cNvPr id="6" name="Footer Placeholder 5"/>
+          <p:cNvSpPr>
+            <a:spLocks noGrp="1"/>
+          </p:cNvSpPr>
+          <p:nvPr>
+            <p:ph type="ftr" sz="quarter" idx="4"/>
+          </p:nvPr>
+        </p:nvSpPr>
+        <p:spPr>
+          <a:xfrm>
+            <a:off x="0" y="8685213"/>
+            <a:ext cx="2971800" cy="458787"/>
+          </a:xfrm>
+          <a:prstGeom prst="rect">
+            <a:avLst/>
+          </a:prstGeom>
+        </p:spPr>
+        <p:txBody>
+          <a:bodyPr vert="horz" lIns="91440" tIns="45720" rIns="91440" bIns="45720" rtlCol="0" anchor="b"/>
+          <a:lstStyle>
+            <a:lvl1pPr algn="l">
+              <a:defRPr sz="1200"/>
+            </a:lvl1pPr>
+          </a:lstStyle>
+          <a:p>
+            <a:endParaRPr lang="en-US"/>
+          </a:p>
+        </p:txBody>
+      </p:sp>
+      <p:sp>
+        <p:nvSpPr>
+          <p:cNvPr id="7" name="Slide Number Placeholder 6"/>
+          <p:cNvSpPr>
+            <a:spLocks noGrp="1"/>
+          </p:cNvSpPr>
+          <p:nvPr>
+            <p:ph type="sldNum" sz="quarter" idx="5"/>
+          </p:nvPr>
+        </p:nvSpPr>
+        <p:spPr>
+          <a:xfrm>
+            <a:off x="3884613" y="8685213"/>
+            <a:ext cx="2971800" cy="458787"/>
+          </a:xfrm>
+          <a:prstGeom prst="rect">
+            <a:avLst/>
+          </a:prstGeom>
+        </p:spPr>
+        <p:txBody>
+          <a:bodyPr vert="horz" lIns="91440" tIns="45720" rIns="91440" bIns="45720" rtlCol="0" anchor="b"/>
+          <a:lstStyle>
+            <a:lvl1pPr algn="r">
+              <a:defRPr sz="1200"/>
+            </a:lvl1pPr>
+          </a:lstStyle>
+          <a:p>
+            <a:fld id="{931B2E0F-79FD-4E04-BFD5-D72548272325}" type="slidenum">
+              <a:rPr lang="en-US" smtClean="0"/>
+              <a:t>‹#›</a:t>
+            </a:fld>
+            <a:endParaRPr lang="en-US"/>
+          </a:p>
+        </p:txBody>
+      </p:sp>
+    </p:spTree>
+    <p:extLst>
+      <p:ext uri="{BB962C8B-B14F-4D97-AF65-F5344CB8AC3E}">
+        <p14:creationId xmlns:p14="http://schemas.microsoft.com/office/powerpoint/2010/main" val="736525340"/>
+      </p:ext>
+    </p:extLst>
+  </p:cSld>
+  <p:clrMap bg1="lt1" tx1="dk1" bg2="lt2" tx2="dk2" accent1="accent1" accent2="accent2" accent3="accent3" accent4="accent4" accent5="accent5" accent6="accent6" hlink="hlink" folHlink="folHlink"/>
+  <p:notesStyle>
+    <a:lvl1pPr marL="0" algn="l" defTabSz="914400" rtl="0" eaLnBrk="1" latinLnBrk="0" hangingPunct="1">
+      <a:defRPr sz="1200" kern="1200">
+        <a:solidFill>
+          <a:schemeClr val="tx1"/>
+        </a:solidFill>
+        <a:latin typeface="+mn-lt"/>
+        <a:ea typeface="+mn-ea"/>
+        <a:cs typeface="+mn-cs"/>
+      </a:defRPr>
+    </a:lvl1pPr>
+    <a:lvl2pPr marL="457200" algn="l" defTabSz="914400" rtl="0" eaLnBrk="1" latinLnBrk="0" hangingPunct="1">
+      <a:defRPr sz="1200" kern="1200">
+        <a:solidFill>
+          <a:schemeClr val="tx1"/>
+        </a:solidFill>
+        <a:latin typeface="+mn-lt"/>
+        <a:ea typeface="+mn-ea"/>
+        <a:cs typeface="+mn-cs"/>
+      </a:defRPr>
+    </a:lvl2pPr>
+    <a:lvl3pPr marL="914400" algn="l" defTabSz="914400" rtl="0" eaLnBrk="1" latinLnBrk="0" hangingPunct="1">
+      <a:defRPr sz="1200" kern="1200">
+        <a:solidFill>
+          <a:schemeClr val="tx1"/>
+        </a:solidFill>
+        <a:latin typeface="+mn-lt"/>
+        <a:ea typeface="+mn-ea"/>
+        <a:cs typeface="+mn-cs"/>
+      </a:defRPr>
+    </a:lvl3pPr>
+    <a:lvl4pPr marL="1371600" algn="l" defTabSz="914400" rtl="0" eaLnBrk="1" latinLnBrk="0" hangingPunct="1">
+      <a:defRPr sz="1200" kern="1200">
+        <a:solidFill>
+          <a:schemeClr val="tx1"/>
+        </a:solidFill>
+        <a:latin typeface="+mn-lt"/>
+        <a:ea typeface="+mn-ea"/>
+        <a:cs typeface="+mn-cs"/>
+      </a:defRPr>
+    </a:lvl4pPr>
+    <a:lvl5pPr marL="1828800" algn="l" defTabSz="914400" rtl="0" eaLnBrk="1" latinLnBrk="0" hangingPunct="1">
+      <a:defRPr sz="1200" kern="1200">
+        <a:solidFill>
+          <a:schemeClr val="tx1"/>
+        </a:solidFill>
+        <a:latin typeface="+mn-lt"/>
+        <a:ea typeface="+mn-ea"/>
+        <a:cs typeface="+mn-cs"/>
+      </a:defRPr>
+    </a:lvl5pPr>
+    <a:lvl6pPr marL="2286000" algn="l" defTabSz="914400" rtl="0" eaLnBrk="1" latinLnBrk="0" hangingPunct="1">
+      <a:defRPr sz="1200" kern="1200">
+        <a:solidFill>
+          <a:schemeClr val="tx1"/>
+        </a:solidFill>
+        <a:latin typeface="+mn-lt"/>
+        <a:ea typeface="+mn-ea"/>
+        <a:cs typeface="+mn-cs"/>
+      </a:defRPr>
+    </a:lvl6pPr>
+    <a:lvl7pPr marL="2743200" algn="l" defTabSz="914400" rtl="0" eaLnBrk="1" latinLnBrk="0" hangingPunct="1">
+      <a:defRPr sz="1200" kern="1200">
+        <a:solidFill>
+          <a:schemeClr val="tx1"/>
+        </a:solidFill>
+        <a:latin typeface="+mn-lt"/>
+        <a:ea typeface="+mn-ea"/>
+        <a:cs typeface="+mn-cs"/>
+      </a:defRPr>
+    </a:lvl7pPr>
+    <a:lvl8pPr marL="3200400" algn="l" defTabSz="914400" rtl="0" eaLnBrk="1" latinLnBrk="0" hangingPunct="1">
+      <a:defRPr sz="1200" kern="1200">
+        <a:solidFill>
+          <a:schemeClr val="tx1"/>
+        </a:solidFill>
+        <a:latin typeface="+mn-lt"/>
+        <a:ea typeface="+mn-ea"/>
+        <a:cs typeface="+mn-cs"/>
+      </a:defRPr>
+    </a:lvl8pPr>
+    <a:lvl9pPr marL="3657600" algn="l" defTabSz="914400" rtl="0" eaLnBrk="1" latinLnBrk="0" hangingPunct="1">
+      <a:defRPr sz="1200" kern="1200">
+        <a:solidFill>
+          <a:schemeClr val="tx1"/>
+        </a:solidFill>
+        <a:latin typeface="+mn-lt"/>
+        <a:ea typeface="+mn-ea"/>
+        <a:cs typeface="+mn-cs"/>
+      </a:defRPr>
+    </a:lvl9pPr>
+  </p:notesStyle>
+</p:notesMaster>
+</file>
+
+<file path=ppt/notesSlides/notesSlide1.xml><?xml version="1.0" encoding="utf-8"?>
+<p:notes xmlns:a="http://schemas.openxmlformats.org/drawingml/2006/main" xmlns:r="http://schemas.openxmlformats.org/officeDocument/2006/relationships" xmlns:p="http://schemas.openxmlformats.org/presentationml/2006/main">
+  <p:cSld>
+    <p:spTree>
+      <p:nvGrpSpPr>
+        <p:cNvPr id="1" name=""/>
+        <p:cNvGrpSpPr/>
+        <p:nvPr/>
+      </p:nvGrpSpPr>
+      <p:grpSpPr>
+        <a:xfrm>
+          <a:off x="0" y="0"/>
+          <a:ext cx="0" cy="0"/>
+          <a:chOff x="0" y="0"/>
+          <a:chExt cx="0" cy="0"/>
+        </a:xfrm>
+      </p:grpSpPr>
+      <p:sp>
+        <p:nvSpPr>
+          <p:cNvPr id="2" name="Slide Image Placeholder 1"/>
+          <p:cNvSpPr>
+            <a:spLocks noGrp="1" noRot="1" noChangeAspect="1"/>
+          </p:cNvSpPr>
+          <p:nvPr>
+            <p:ph type="sldImg"/>
+          </p:nvPr>
+        </p:nvSpPr>
+        <p:spPr/>
+      </p:sp>
+      <p:sp>
+        <p:nvSpPr>
+          <p:cNvPr id="3" name="Notes Placeholder 2"/>
+          <p:cNvSpPr>
+            <a:spLocks noGrp="1"/>
+          </p:cNvSpPr>
+          <p:nvPr>
+            <p:ph type="body" idx="1"/>
+          </p:nvPr>
+        </p:nvSpPr>
+        <p:spPr/>
+        <p:txBody>
+          <a:bodyPr/>
+          <a:lstStyle/>
+          <a:p>
+            <a:endParaRPr lang="en-US" dirty="0"/>
+          </a:p>
+        </p:txBody>
+      </p:sp>
+      <p:sp>
+        <p:nvSpPr>
+          <p:cNvPr id="4" name="Slide Number Placeholder 3"/>
+          <p:cNvSpPr>
+            <a:spLocks noGrp="1"/>
+          </p:cNvSpPr>
+          <p:nvPr>
+            <p:ph type="sldNum" sz="quarter" idx="5"/>
+          </p:nvPr>
+        </p:nvSpPr>
+        <p:spPr/>
+        <p:txBody>
+          <a:bodyPr/>
+          <a:lstStyle/>
+          <a:p>
+            <a:fld id="{931B2E0F-79FD-4E04-BFD5-D72548272325}" type="slidenum">
+              <a:rPr lang="en-US" smtClean="0"/>
+              <a:t>2</a:t>
+            </a:fld>
+            <a:endParaRPr lang="en-US"/>
+          </a:p>
+        </p:txBody>
+      </p:sp>
+    </p:spTree>
+    <p:extLst>
+      <p:ext uri="{BB962C8B-B14F-4D97-AF65-F5344CB8AC3E}">
+        <p14:creationId xmlns:p14="http://schemas.microsoft.com/office/powerpoint/2010/main" val="3336662924"/>
+      </p:ext>
+    </p:extLst>
+  </p:cSld>
+  <p:clrMapOvr>
+    <a:masterClrMapping/>
+  </p:clrMapOvr>
+</p:notes>
 </file>
 
 <file path=ppt/slideLayouts/slideLayout1.xml><?xml version="1.0" encoding="utf-8"?>
@@ -15799,7 +16235,7 @@
           <p:nvPr/>
         </p:nvPicPr>
         <p:blipFill>
-          <a:blip r:embed="rId2"/>
+          <a:blip r:embed="rId3"/>
           <a:stretch>
             <a:fillRect/>
           </a:stretch>
@@ -15830,7 +16266,7 @@
         </p:nvSpPr>
         <p:spPr>
           <a:xfrm>
-            <a:off x="547255" y="283369"/>
+            <a:off x="838200" y="214945"/>
             <a:ext cx="10515600" cy="1325563"/>
           </a:xfrm>
           <a:prstGeom prst="rect">
@@ -15862,12 +16298,17 @@
           </a:lstStyle>
           <a:p>
             <a:r>
-              <a:rPr lang="en-US" sz="6000" b="1">
+              <a:rPr lang="en-US" b="1" dirty="0">
+                <a:latin typeface="Times New Roman" panose="02020603050405020304" pitchFamily="18" charset="0"/>
                 <a:ea typeface="Meiryo"/>
+                <a:cs typeface="Times New Roman" panose="02020603050405020304" pitchFamily="18" charset="0"/>
               </a:rPr>
               <a:t>Vision</a:t>
             </a:r>
-            <a:endParaRPr lang="en-US"/>
+            <a:endParaRPr lang="en-US" dirty="0">
+              <a:latin typeface="Times New Roman" panose="02020603050405020304" pitchFamily="18" charset="0"/>
+              <a:cs typeface="Times New Roman" panose="02020603050405020304" pitchFamily="18" charset="0"/>
+            </a:endParaRPr>
           </a:p>
         </p:txBody>
       </p:sp>
@@ -15895,7 +16336,7 @@
         </p:xfrm>
         <a:graphic>
           <a:graphicData uri="http://schemas.openxmlformats.org/drawingml/2006/diagram">
-            <dgm:relIds xmlns:dgm="http://schemas.openxmlformats.org/drawingml/2006/diagram" xmlns:r="http://schemas.openxmlformats.org/officeDocument/2006/relationships" r:dm="rId3" r:lo="rId4" r:qs="rId5" r:cs="rId6"/>
+            <dgm:relIds xmlns:dgm="http://schemas.openxmlformats.org/drawingml/2006/diagram" xmlns:r="http://schemas.openxmlformats.org/officeDocument/2006/relationships" r:dm="rId4" r:lo="rId5" r:qs="rId6" r:cs="rId7"/>
           </a:graphicData>
         </a:graphic>
       </p:graphicFrame>
@@ -15913,190 +16354,6 @@
 </file>
 
 <file path=ppt/slides/slide3.xml><?xml version="1.0" encoding="utf-8"?>
-<p:sld xmlns:a="http://schemas.openxmlformats.org/drawingml/2006/main" xmlns:r="http://schemas.openxmlformats.org/officeDocument/2006/relationships" xmlns:p="http://schemas.openxmlformats.org/presentationml/2006/main">
-  <p:cSld>
-    <p:spTree>
-      <p:nvGrpSpPr>
-        <p:cNvPr id="1" name=""/>
-        <p:cNvGrpSpPr/>
-        <p:nvPr/>
-      </p:nvGrpSpPr>
-      <p:grpSpPr>
-        <a:xfrm>
-          <a:off x="0" y="0"/>
-          <a:ext cx="0" cy="0"/>
-          <a:chOff x="0" y="0"/>
-          <a:chExt cx="0" cy="0"/>
-        </a:xfrm>
-      </p:grpSpPr>
-      <p:sp>
-        <p:nvSpPr>
-          <p:cNvPr id="2" name="Title 1">
-            <a:extLst>
-              <a:ext uri="{FF2B5EF4-FFF2-40B4-BE49-F238E27FC236}">
-                <a16:creationId xmlns:a16="http://schemas.microsoft.com/office/drawing/2014/main" id="{D6473783-6023-2241-5558-694AE349A528}"/>
-              </a:ext>
-            </a:extLst>
-          </p:cNvPr>
-          <p:cNvSpPr>
-            <a:spLocks noGrp="1"/>
-          </p:cNvSpPr>
-          <p:nvPr>
-            <p:ph type="title"/>
-          </p:nvPr>
-        </p:nvSpPr>
-        <p:spPr/>
-        <p:txBody>
-          <a:bodyPr/>
-          <a:lstStyle/>
-          <a:p>
-            <a:r>
-              <a:rPr lang="en-US" sz="6000" b="1">
-                <a:ea typeface="Meiryo"/>
-              </a:rPr>
-              <a:t>Vision</a:t>
-            </a:r>
-            <a:endParaRPr lang="en-US"/>
-          </a:p>
-        </p:txBody>
-      </p:sp>
-      <p:pic>
-        <p:nvPicPr>
-          <p:cNvPr id="5" name="Picture 4" descr="Background pattern&#10;&#10;Description automatically generated with low confidence">
-            <a:extLst>
-              <a:ext uri="{FF2B5EF4-FFF2-40B4-BE49-F238E27FC236}">
-                <a16:creationId xmlns:a16="http://schemas.microsoft.com/office/drawing/2014/main" id="{940A9957-783C-6590-205B-C56D97F8A0E9}"/>
-              </a:ext>
-            </a:extLst>
-          </p:cNvPr>
-          <p:cNvPicPr>
-            <a:picLocks noChangeAspect="1"/>
-          </p:cNvPicPr>
-          <p:nvPr/>
-        </p:nvPicPr>
-        <p:blipFill>
-          <a:blip r:embed="rId2"/>
-          <a:stretch>
-            <a:fillRect/>
-          </a:stretch>
-        </p:blipFill>
-        <p:spPr>
-          <a:xfrm>
-            <a:off x="36770" y="0"/>
-            <a:ext cx="12155229" cy="6857143"/>
-          </a:xfrm>
-          <a:prstGeom prst="rect">
-            <a:avLst/>
-          </a:prstGeom>
-        </p:spPr>
-      </p:pic>
-      <p:sp>
-        <p:nvSpPr>
-          <p:cNvPr id="6" name="Title 1">
-            <a:extLst>
-              <a:ext uri="{FF2B5EF4-FFF2-40B4-BE49-F238E27FC236}">
-                <a16:creationId xmlns:a16="http://schemas.microsoft.com/office/drawing/2014/main" id="{F30DCAFD-5678-5A19-5B40-343DA2D17F50}"/>
-              </a:ext>
-            </a:extLst>
-          </p:cNvPr>
-          <p:cNvSpPr txBox="1">
-            <a:spLocks/>
-          </p:cNvSpPr>
-          <p:nvPr/>
-        </p:nvSpPr>
-        <p:spPr>
-          <a:xfrm>
-            <a:off x="547255" y="283369"/>
-            <a:ext cx="10611976" cy="1325563"/>
-          </a:xfrm>
-          <a:prstGeom prst="rect">
-            <a:avLst/>
-          </a:prstGeom>
-        </p:spPr>
-        <p:txBody>
-          <a:bodyPr vert="horz" lIns="91440" tIns="45720" rIns="91440" bIns="45720" rtlCol="0" anchor="ctr">
-            <a:normAutofit/>
-          </a:bodyPr>
-          <a:lstStyle>
-            <a:lvl1pPr algn="l" defTabSz="914400" rtl="0" eaLnBrk="1" latinLnBrk="0" hangingPunct="1">
-              <a:lnSpc>
-                <a:spcPct val="90000"/>
-              </a:lnSpc>
-              <a:spcBef>
-                <a:spcPct val="0"/>
-              </a:spcBef>
-              <a:buNone/>
-              <a:defRPr sz="4400" kern="1200">
-                <a:solidFill>
-                  <a:schemeClr val="tx1"/>
-                </a:solidFill>
-                <a:latin typeface="+mj-lt"/>
-                <a:ea typeface="+mj-ea"/>
-                <a:cs typeface="+mj-cs"/>
-              </a:defRPr>
-            </a:lvl1pPr>
-          </a:lstStyle>
-          <a:p>
-            <a:r>
-              <a:rPr lang="en-US" b="1">
-                <a:latin typeface="Times New Roman" panose="02020603050405020304" pitchFamily="18" charset="0"/>
-                <a:ea typeface="calibri light"/>
-                <a:cs typeface="Times New Roman" panose="02020603050405020304" pitchFamily="18" charset="0"/>
-              </a:rPr>
-              <a:t>Software Architecture / Challenges &amp; Risks</a:t>
-            </a:r>
-            <a:endParaRPr lang="en-US" sz="3200">
-              <a:latin typeface="Times New Roman" panose="02020603050405020304" pitchFamily="18" charset="0"/>
-              <a:cs typeface="Times New Roman" panose="02020603050405020304" pitchFamily="18" charset="0"/>
-            </a:endParaRPr>
-          </a:p>
-        </p:txBody>
-      </p:sp>
-      <p:graphicFrame>
-        <p:nvGraphicFramePr>
-          <p:cNvPr id="8" name="Content Placeholder 2">
-            <a:extLst>
-              <a:ext uri="{FF2B5EF4-FFF2-40B4-BE49-F238E27FC236}">
-                <a16:creationId xmlns:a16="http://schemas.microsoft.com/office/drawing/2014/main" id="{98CC7BD7-CCFB-9300-974E-C6B0CC1EF7E9}"/>
-              </a:ext>
-            </a:extLst>
-          </p:cNvPr>
-          <p:cNvGraphicFramePr>
-            <a:graphicFrameLocks noGrp="1"/>
-          </p:cNvGraphicFramePr>
-          <p:nvPr>
-            <p:ph sz="half" idx="1"/>
-            <p:extLst>
-              <p:ext uri="{D42A27DB-BD31-4B8C-83A1-F6EECF244321}">
-                <p14:modId xmlns:p14="http://schemas.microsoft.com/office/powerpoint/2010/main" val="4174543943"/>
-              </p:ext>
-            </p:extLst>
-          </p:nvPr>
-        </p:nvGraphicFramePr>
-        <p:xfrm>
-          <a:off x="3616720" y="1184979"/>
-          <a:ext cx="5658473" cy="3719210"/>
-        </p:xfrm>
-        <a:graphic>
-          <a:graphicData uri="http://schemas.openxmlformats.org/drawingml/2006/diagram">
-            <dgm:relIds xmlns:dgm="http://schemas.openxmlformats.org/drawingml/2006/diagram" xmlns:r="http://schemas.openxmlformats.org/officeDocument/2006/relationships" r:dm="rId3" r:lo="rId4" r:qs="rId5" r:cs="rId6"/>
-          </a:graphicData>
-        </a:graphic>
-      </p:graphicFrame>
-    </p:spTree>
-    <p:extLst>
-      <p:ext uri="{BB962C8B-B14F-4D97-AF65-F5344CB8AC3E}">
-        <p14:creationId xmlns:p14="http://schemas.microsoft.com/office/powerpoint/2010/main" val="4234676037"/>
-      </p:ext>
-    </p:extLst>
-  </p:cSld>
-  <p:clrMapOvr>
-    <a:masterClrMapping/>
-  </p:clrMapOvr>
-</p:sld>
-</file>
-
-<file path=ppt/slides/slide4.xml><?xml version="1.0" encoding="utf-8"?>
 <p:sld xmlns:a="http://schemas.openxmlformats.org/drawingml/2006/main" xmlns:r="http://schemas.openxmlformats.org/officeDocument/2006/relationships" xmlns:p="http://schemas.openxmlformats.org/presentationml/2006/main">
   <p:cSld>
     <p:bg>
@@ -17649,7 +17906,7 @@
         </p:blipFill>
         <p:spPr>
           <a:xfrm>
-            <a:off x="-2645" y="0"/>
+            <a:off x="-1" y="0"/>
             <a:ext cx="12155229" cy="6857143"/>
           </a:xfrm>
           <a:prstGeom prst="rect">
@@ -17679,38 +17936,12 @@
         </p:blipFill>
         <p:spPr>
           <a:xfrm>
-            <a:off x="2516806" y="184355"/>
-            <a:ext cx="7407690" cy="2708799"/>
+            <a:off x="2854669" y="4299974"/>
+            <a:ext cx="6482662" cy="2370541"/>
           </a:xfrm>
-          <a:prstGeom prst="roundRect">
-            <a:avLst>
-              <a:gd name="adj" fmla="val 4167"/>
-            </a:avLst>
+          <a:prstGeom prst="rect">
+            <a:avLst/>
           </a:prstGeom>
-          <a:solidFill>
-            <a:srgbClr val="FFFFFF"/>
-          </a:solidFill>
-          <a:ln w="76200" cap="sq">
-            <a:solidFill>
-              <a:srgbClr val="EAEAEA"/>
-            </a:solidFill>
-            <a:miter lim="800000"/>
-          </a:ln>
-          <a:effectLst>
-            <a:reflection blurRad="12700" stA="33000" endPos="28000" dist="5000" dir="5400000" sy="-100000" algn="bl" rotWithShape="0"/>
-          </a:effectLst>
-          <a:scene3d>
-            <a:camera prst="orthographicFront"/>
-            <a:lightRig rig="threePt" dir="t">
-              <a:rot lat="0" lon="0" rev="2700000"/>
-            </a:lightRig>
-          </a:scene3d>
-          <a:sp3d contourW="6350">
-            <a:bevelT h="38100"/>
-            <a:contourClr>
-              <a:srgbClr val="C0C0C0"/>
-            </a:contourClr>
-          </a:sp3d>
         </p:spPr>
       </p:pic>
       <p:graphicFrame>
@@ -17726,13 +17957,13 @@
           <p:nvPr>
             <p:extLst>
               <p:ext uri="{D42A27DB-BD31-4B8C-83A1-F6EECF244321}">
-                <p14:modId xmlns:p14="http://schemas.microsoft.com/office/powerpoint/2010/main" val="884322939"/>
+                <p14:modId xmlns:p14="http://schemas.microsoft.com/office/powerpoint/2010/main" val="1713081705"/>
               </p:ext>
             </p:extLst>
           </p:nvPr>
         </p:nvGraphicFramePr>
         <p:xfrm>
-          <a:off x="1534511" y="3067368"/>
+          <a:off x="1015649" y="1447500"/>
           <a:ext cx="9877097" cy="2710694"/>
         </p:xfrm>
         <a:graphic>
@@ -17741,10 +17972,286 @@
           </a:graphicData>
         </a:graphic>
       </p:graphicFrame>
+      <p:sp>
+        <p:nvSpPr>
+          <p:cNvPr id="2" name="Title 1">
+            <a:extLst>
+              <a:ext uri="{FF2B5EF4-FFF2-40B4-BE49-F238E27FC236}">
+                <a16:creationId xmlns:a16="http://schemas.microsoft.com/office/drawing/2014/main" id="{450B0B65-B63A-E497-A065-B18BC77588D3}"/>
+              </a:ext>
+            </a:extLst>
+          </p:cNvPr>
+          <p:cNvSpPr txBox="1">
+            <a:spLocks/>
+          </p:cNvSpPr>
+          <p:nvPr/>
+        </p:nvSpPr>
+        <p:spPr>
+          <a:xfrm>
+            <a:off x="1287305" y="96921"/>
+            <a:ext cx="10611976" cy="1325563"/>
+          </a:xfrm>
+          <a:prstGeom prst="rect">
+            <a:avLst/>
+          </a:prstGeom>
+        </p:spPr>
+        <p:txBody>
+          <a:bodyPr vert="horz" lIns="91440" tIns="45720" rIns="91440" bIns="45720" rtlCol="0" anchor="ctr">
+            <a:normAutofit/>
+          </a:bodyPr>
+          <a:lstStyle>
+            <a:lvl1pPr algn="l" defTabSz="914400" rtl="0" eaLnBrk="1" latinLnBrk="0" hangingPunct="1">
+              <a:lnSpc>
+                <a:spcPct val="90000"/>
+              </a:lnSpc>
+              <a:spcBef>
+                <a:spcPct val="0"/>
+              </a:spcBef>
+              <a:buNone/>
+              <a:defRPr sz="4400" kern="1200">
+                <a:solidFill>
+                  <a:schemeClr val="tx1"/>
+                </a:solidFill>
+                <a:latin typeface="+mj-lt"/>
+                <a:ea typeface="+mj-ea"/>
+                <a:cs typeface="+mj-cs"/>
+              </a:defRPr>
+            </a:lvl1pPr>
+          </a:lstStyle>
+          <a:p>
+            <a:r>
+              <a:rPr lang="en-US" b="1" dirty="0">
+                <a:latin typeface="Times New Roman" panose="02020603050405020304" pitchFamily="18" charset="0"/>
+                <a:ea typeface="calibri light"/>
+                <a:cs typeface="Times New Roman" panose="02020603050405020304" pitchFamily="18" charset="0"/>
+              </a:rPr>
+              <a:t>Software Architecture</a:t>
+            </a:r>
+            <a:endParaRPr lang="en-US" sz="3200" dirty="0">
+              <a:latin typeface="Times New Roman" panose="02020603050405020304" pitchFamily="18" charset="0"/>
+              <a:cs typeface="Times New Roman" panose="02020603050405020304" pitchFamily="18" charset="0"/>
+            </a:endParaRPr>
+          </a:p>
+        </p:txBody>
+      </p:sp>
+      <p:pic>
+        <p:nvPicPr>
+          <p:cNvPr id="4" name="Picture 3">
+            <a:extLst>
+              <a:ext uri="{FF2B5EF4-FFF2-40B4-BE49-F238E27FC236}">
+                <a16:creationId xmlns:a16="http://schemas.microsoft.com/office/drawing/2014/main" id="{4C5482E8-89F7-A4E1-2C84-297CD937C6DF}"/>
+              </a:ext>
+            </a:extLst>
+          </p:cNvPr>
+          <p:cNvPicPr>
+            <a:picLocks noChangeAspect="1"/>
+          </p:cNvPicPr>
+          <p:nvPr/>
+        </p:nvPicPr>
+        <p:blipFill>
+          <a:blip r:embed="rId9"/>
+          <a:stretch>
+            <a:fillRect/>
+          </a:stretch>
+        </p:blipFill>
+        <p:spPr>
+          <a:xfrm>
+            <a:off x="9888344" y="3233984"/>
+            <a:ext cx="2010937" cy="1982311"/>
+          </a:xfrm>
+          <a:prstGeom prst="rect">
+            <a:avLst/>
+          </a:prstGeom>
+        </p:spPr>
+      </p:pic>
     </p:spTree>
     <p:extLst>
       <p:ext uri="{BB962C8B-B14F-4D97-AF65-F5344CB8AC3E}">
         <p14:creationId xmlns:p14="http://schemas.microsoft.com/office/powerpoint/2010/main" val="3242601666"/>
+      </p:ext>
+    </p:extLst>
+  </p:cSld>
+  <p:clrMapOvr>
+    <a:masterClrMapping/>
+  </p:clrMapOvr>
+</p:sld>
+</file>
+
+<file path=ppt/slides/slide4.xml><?xml version="1.0" encoding="utf-8"?>
+<p:sld xmlns:a="http://schemas.openxmlformats.org/drawingml/2006/main" xmlns:r="http://schemas.openxmlformats.org/officeDocument/2006/relationships" xmlns:p="http://schemas.openxmlformats.org/presentationml/2006/main">
+  <p:cSld>
+    <p:spTree>
+      <p:nvGrpSpPr>
+        <p:cNvPr id="1" name=""/>
+        <p:cNvGrpSpPr/>
+        <p:nvPr/>
+      </p:nvGrpSpPr>
+      <p:grpSpPr>
+        <a:xfrm>
+          <a:off x="0" y="0"/>
+          <a:ext cx="0" cy="0"/>
+          <a:chOff x="0" y="0"/>
+          <a:chExt cx="0" cy="0"/>
+        </a:xfrm>
+      </p:grpSpPr>
+      <p:sp>
+        <p:nvSpPr>
+          <p:cNvPr id="2" name="Title 1">
+            <a:extLst>
+              <a:ext uri="{FF2B5EF4-FFF2-40B4-BE49-F238E27FC236}">
+                <a16:creationId xmlns:a16="http://schemas.microsoft.com/office/drawing/2014/main" id="{D6473783-6023-2241-5558-694AE349A528}"/>
+              </a:ext>
+            </a:extLst>
+          </p:cNvPr>
+          <p:cNvSpPr>
+            <a:spLocks noGrp="1"/>
+          </p:cNvSpPr>
+          <p:nvPr>
+            <p:ph type="title"/>
+          </p:nvPr>
+        </p:nvSpPr>
+        <p:spPr/>
+        <p:txBody>
+          <a:bodyPr/>
+          <a:lstStyle/>
+          <a:p>
+            <a:r>
+              <a:rPr lang="en-US" sz="6000" b="1">
+                <a:ea typeface="Meiryo"/>
+              </a:rPr>
+              <a:t>Vision</a:t>
+            </a:r>
+            <a:endParaRPr lang="en-US"/>
+          </a:p>
+        </p:txBody>
+      </p:sp>
+      <p:pic>
+        <p:nvPicPr>
+          <p:cNvPr id="5" name="Picture 4" descr="Background pattern&#10;&#10;Description automatically generated with low confidence">
+            <a:extLst>
+              <a:ext uri="{FF2B5EF4-FFF2-40B4-BE49-F238E27FC236}">
+                <a16:creationId xmlns:a16="http://schemas.microsoft.com/office/drawing/2014/main" id="{940A9957-783C-6590-205B-C56D97F8A0E9}"/>
+              </a:ext>
+            </a:extLst>
+          </p:cNvPr>
+          <p:cNvPicPr>
+            <a:picLocks noChangeAspect="1"/>
+          </p:cNvPicPr>
+          <p:nvPr/>
+        </p:nvPicPr>
+        <p:blipFill>
+          <a:blip r:embed="rId2"/>
+          <a:stretch>
+            <a:fillRect/>
+          </a:stretch>
+        </p:blipFill>
+        <p:spPr>
+          <a:xfrm>
+            <a:off x="36771" y="0"/>
+            <a:ext cx="12155229" cy="6857143"/>
+          </a:xfrm>
+          <a:prstGeom prst="rect">
+            <a:avLst/>
+          </a:prstGeom>
+        </p:spPr>
+      </p:pic>
+      <p:sp>
+        <p:nvSpPr>
+          <p:cNvPr id="6" name="Title 1">
+            <a:extLst>
+              <a:ext uri="{FF2B5EF4-FFF2-40B4-BE49-F238E27FC236}">
+                <a16:creationId xmlns:a16="http://schemas.microsoft.com/office/drawing/2014/main" id="{F30DCAFD-5678-5A19-5B40-343DA2D17F50}"/>
+              </a:ext>
+            </a:extLst>
+          </p:cNvPr>
+          <p:cNvSpPr txBox="1">
+            <a:spLocks/>
+          </p:cNvSpPr>
+          <p:nvPr/>
+        </p:nvSpPr>
+        <p:spPr>
+          <a:xfrm>
+            <a:off x="547255" y="283369"/>
+            <a:ext cx="10611976" cy="1325563"/>
+          </a:xfrm>
+          <a:prstGeom prst="rect">
+            <a:avLst/>
+          </a:prstGeom>
+        </p:spPr>
+        <p:txBody>
+          <a:bodyPr vert="horz" lIns="91440" tIns="45720" rIns="91440" bIns="45720" rtlCol="0" anchor="ctr">
+            <a:normAutofit/>
+          </a:bodyPr>
+          <a:lstStyle>
+            <a:lvl1pPr algn="l" defTabSz="914400" rtl="0" eaLnBrk="1" latinLnBrk="0" hangingPunct="1">
+              <a:lnSpc>
+                <a:spcPct val="90000"/>
+              </a:lnSpc>
+              <a:spcBef>
+                <a:spcPct val="0"/>
+              </a:spcBef>
+              <a:buNone/>
+              <a:defRPr sz="4400" kern="1200">
+                <a:solidFill>
+                  <a:schemeClr val="tx1"/>
+                </a:solidFill>
+                <a:latin typeface="+mj-lt"/>
+                <a:ea typeface="+mj-ea"/>
+                <a:cs typeface="+mj-cs"/>
+              </a:defRPr>
+            </a:lvl1pPr>
+          </a:lstStyle>
+          <a:p>
+            <a:r>
+              <a:rPr lang="en-US" b="1" dirty="0">
+                <a:latin typeface="Times New Roman" panose="02020603050405020304" pitchFamily="18" charset="0"/>
+                <a:ea typeface="calibri light"/>
+                <a:cs typeface="Times New Roman" panose="02020603050405020304" pitchFamily="18" charset="0"/>
+              </a:rPr>
+              <a:t>Challenges &amp; Risks</a:t>
+            </a:r>
+            <a:endParaRPr lang="en-US" sz="3200" dirty="0">
+              <a:latin typeface="Times New Roman" panose="02020603050405020304" pitchFamily="18" charset="0"/>
+              <a:cs typeface="Times New Roman" panose="02020603050405020304" pitchFamily="18" charset="0"/>
+            </a:endParaRPr>
+          </a:p>
+        </p:txBody>
+      </p:sp>
+      <p:graphicFrame>
+        <p:nvGraphicFramePr>
+          <p:cNvPr id="8" name="Content Placeholder 2">
+            <a:extLst>
+              <a:ext uri="{FF2B5EF4-FFF2-40B4-BE49-F238E27FC236}">
+                <a16:creationId xmlns:a16="http://schemas.microsoft.com/office/drawing/2014/main" id="{98CC7BD7-CCFB-9300-974E-C6B0CC1EF7E9}"/>
+              </a:ext>
+            </a:extLst>
+          </p:cNvPr>
+          <p:cNvGraphicFramePr>
+            <a:graphicFrameLocks noGrp="1"/>
+          </p:cNvGraphicFramePr>
+          <p:nvPr>
+            <p:ph sz="half" idx="1"/>
+            <p:extLst>
+              <p:ext uri="{D42A27DB-BD31-4B8C-83A1-F6EECF244321}">
+                <p14:modId xmlns:p14="http://schemas.microsoft.com/office/powerpoint/2010/main" val="4174543943"/>
+              </p:ext>
+            </p:extLst>
+          </p:nvPr>
+        </p:nvGraphicFramePr>
+        <p:xfrm>
+          <a:off x="3616720" y="1184979"/>
+          <a:ext cx="5658473" cy="3719210"/>
+        </p:xfrm>
+        <a:graphic>
+          <a:graphicData uri="http://schemas.openxmlformats.org/drawingml/2006/diagram">
+            <dgm:relIds xmlns:dgm="http://schemas.openxmlformats.org/drawingml/2006/diagram" xmlns:r="http://schemas.openxmlformats.org/officeDocument/2006/relationships" r:dm="rId3" r:lo="rId4" r:qs="rId5" r:cs="rId6"/>
+          </a:graphicData>
+        </a:graphic>
+      </p:graphicFrame>
+    </p:spTree>
+    <p:extLst>
+      <p:ext uri="{BB962C8B-B14F-4D97-AF65-F5344CB8AC3E}">
+        <p14:creationId xmlns:p14="http://schemas.microsoft.com/office/powerpoint/2010/main" val="4234676037"/>
       </p:ext>
     </p:extLst>
   </p:cSld>
@@ -18308,4 +18815,299 @@
     </a:ext>
   </a:extLst>
 </a:theme>
+</file>
+
+<file path=ppt/theme/theme3.xml><?xml version="1.0" encoding="utf-8"?>
+<a:theme xmlns:a="http://schemas.openxmlformats.org/drawingml/2006/main" name="Office Theme">
+  <a:themeElements>
+    <a:clrScheme name="Office">
+      <a:dk1>
+        <a:sysClr val="windowText" lastClr="000000"/>
+      </a:dk1>
+      <a:lt1>
+        <a:sysClr val="window" lastClr="FFFFFF"/>
+      </a:lt1>
+      <a:dk2>
+        <a:srgbClr val="44546A"/>
+      </a:dk2>
+      <a:lt2>
+        <a:srgbClr val="E7E6E6"/>
+      </a:lt2>
+      <a:accent1>
+        <a:srgbClr val="4472C4"/>
+      </a:accent1>
+      <a:accent2>
+        <a:srgbClr val="ED7D31"/>
+      </a:accent2>
+      <a:accent3>
+        <a:srgbClr val="A5A5A5"/>
+      </a:accent3>
+      <a:accent4>
+        <a:srgbClr val="FFC000"/>
+      </a:accent4>
+      <a:accent5>
+        <a:srgbClr val="5B9BD5"/>
+      </a:accent5>
+      <a:accent6>
+        <a:srgbClr val="70AD47"/>
+      </a:accent6>
+      <a:hlink>
+        <a:srgbClr val="0563C1"/>
+      </a:hlink>
+      <a:folHlink>
+        <a:srgbClr val="954F72"/>
+      </a:folHlink>
+    </a:clrScheme>
+    <a:fontScheme name="Office">
+      <a:majorFont>
+        <a:latin typeface="Calibri Light" panose="020F0302020204030204"/>
+        <a:ea typeface=""/>
+        <a:cs typeface=""/>
+        <a:font script="Jpan" typeface="游ゴシック Light"/>
+        <a:font script="Hang" typeface="맑은 고딕"/>
+        <a:font script="Hans" typeface="等线 Light"/>
+        <a:font script="Hant" typeface="新細明體"/>
+        <a:font script="Arab" typeface="Times New Roman"/>
+        <a:font script="Hebr" typeface="Times New Roman"/>
+        <a:font script="Thai" typeface="Angsana New"/>
+        <a:font script="Ethi" typeface="Nyala"/>
+        <a:font script="Beng" typeface="Vrinda"/>
+        <a:font script="Gujr" typeface="Shruti"/>
+        <a:font script="Khmr" typeface="MoolBoran"/>
+        <a:font script="Knda" typeface="Tunga"/>
+        <a:font script="Guru" typeface="Raavi"/>
+        <a:font script="Cans" typeface="Euphemia"/>
+        <a:font script="Cher" typeface="Plantagenet Cherokee"/>
+        <a:font script="Yiii" typeface="Microsoft Yi Baiti"/>
+        <a:font script="Tibt" typeface="Microsoft Himalaya"/>
+        <a:font script="Thaa" typeface="MV Boli"/>
+        <a:font script="Deva" typeface="Mangal"/>
+        <a:font script="Telu" typeface="Gautami"/>
+        <a:font script="Taml" typeface="Latha"/>
+        <a:font script="Syrc" typeface="Estrangelo Edessa"/>
+        <a:font script="Orya" typeface="Kalinga"/>
+        <a:font script="Mlym" typeface="Kartika"/>
+        <a:font script="Laoo" typeface="DokChampa"/>
+        <a:font script="Sinh" typeface="Iskoola Pota"/>
+        <a:font script="Mong" typeface="Mongolian Baiti"/>
+        <a:font script="Viet" typeface="Times New Roman"/>
+        <a:font script="Uigh" typeface="Microsoft Uighur"/>
+        <a:font script="Geor" typeface="Sylfaen"/>
+        <a:font script="Armn" typeface="Arial"/>
+        <a:font script="Bugi" typeface="Leelawadee UI"/>
+        <a:font script="Bopo" typeface="Microsoft JhengHei"/>
+        <a:font script="Java" typeface="Javanese Text"/>
+        <a:font script="Lisu" typeface="Segoe UI"/>
+        <a:font script="Mymr" typeface="Myanmar Text"/>
+        <a:font script="Nkoo" typeface="Ebrima"/>
+        <a:font script="Olck" typeface="Nirmala UI"/>
+        <a:font script="Osma" typeface="Ebrima"/>
+        <a:font script="Phag" typeface="Phagspa"/>
+        <a:font script="Syrn" typeface="Estrangelo Edessa"/>
+        <a:font script="Syrj" typeface="Estrangelo Edessa"/>
+        <a:font script="Syre" typeface="Estrangelo Edessa"/>
+        <a:font script="Sora" typeface="Nirmala UI"/>
+        <a:font script="Tale" typeface="Microsoft Tai Le"/>
+        <a:font script="Talu" typeface="Microsoft New Tai Lue"/>
+        <a:font script="Tfng" typeface="Ebrima"/>
+      </a:majorFont>
+      <a:minorFont>
+        <a:latin typeface="Calibri" panose="020F0502020204030204"/>
+        <a:ea typeface=""/>
+        <a:cs typeface=""/>
+        <a:font script="Jpan" typeface="游ゴシック"/>
+        <a:font script="Hang" typeface="맑은 고딕"/>
+        <a:font script="Hans" typeface="等线"/>
+        <a:font script="Hant" typeface="新細明體"/>
+        <a:font script="Arab" typeface="Arial"/>
+        <a:font script="Hebr" typeface="Arial"/>
+        <a:font script="Thai" typeface="Cordia New"/>
+        <a:font script="Ethi" typeface="Nyala"/>
+        <a:font script="Beng" typeface="Vrinda"/>
+        <a:font script="Gujr" typeface="Shruti"/>
+        <a:font script="Khmr" typeface="DaunPenh"/>
+        <a:font script="Knda" typeface="Tunga"/>
+        <a:font script="Guru" typeface="Raavi"/>
+        <a:font script="Cans" typeface="Euphemia"/>
+        <a:font script="Cher" typeface="Plantagenet Cherokee"/>
+        <a:font script="Yiii" typeface="Microsoft Yi Baiti"/>
+        <a:font script="Tibt" typeface="Microsoft Himalaya"/>
+        <a:font script="Thaa" typeface="MV Boli"/>
+        <a:font script="Deva" typeface="Mangal"/>
+        <a:font script="Telu" typeface="Gautami"/>
+        <a:font script="Taml" typeface="Latha"/>
+        <a:font script="Syrc" typeface="Estrangelo Edessa"/>
+        <a:font script="Orya" typeface="Kalinga"/>
+        <a:font script="Mlym" typeface="Kartika"/>
+        <a:font script="Laoo" typeface="DokChampa"/>
+        <a:font script="Sinh" typeface="Iskoola Pota"/>
+        <a:font script="Mong" typeface="Mongolian Baiti"/>
+        <a:font script="Viet" typeface="Arial"/>
+        <a:font script="Uigh" typeface="Microsoft Uighur"/>
+        <a:font script="Geor" typeface="Sylfaen"/>
+        <a:font script="Armn" typeface="Arial"/>
+        <a:font script="Bugi" typeface="Leelawadee UI"/>
+        <a:font script="Bopo" typeface="Microsoft JhengHei"/>
+        <a:font script="Java" typeface="Javanese Text"/>
+        <a:font script="Lisu" typeface="Segoe UI"/>
+        <a:font script="Mymr" typeface="Myanmar Text"/>
+        <a:font script="Nkoo" typeface="Ebrima"/>
+        <a:font script="Olck" typeface="Nirmala UI"/>
+        <a:font script="Osma" typeface="Ebrima"/>
+        <a:font script="Phag" typeface="Phagspa"/>
+        <a:font script="Syrn" typeface="Estrangelo Edessa"/>
+        <a:font script="Syrj" typeface="Estrangelo Edessa"/>
+        <a:font script="Syre" typeface="Estrangelo Edessa"/>
+        <a:font script="Sora" typeface="Nirmala UI"/>
+        <a:font script="Tale" typeface="Microsoft Tai Le"/>
+        <a:font script="Talu" typeface="Microsoft New Tai Lue"/>
+        <a:font script="Tfng" typeface="Ebrima"/>
+      </a:minorFont>
+    </a:fontScheme>
+    <a:fmtScheme name="Office">
+      <a:fillStyleLst>
+        <a:solidFill>
+          <a:schemeClr val="phClr"/>
+        </a:solidFill>
+        <a:gradFill rotWithShape="1">
+          <a:gsLst>
+            <a:gs pos="0">
+              <a:schemeClr val="phClr">
+                <a:lumMod val="110000"/>
+                <a:satMod val="105000"/>
+                <a:tint val="67000"/>
+              </a:schemeClr>
+            </a:gs>
+            <a:gs pos="50000">
+              <a:schemeClr val="phClr">
+                <a:lumMod val="105000"/>
+                <a:satMod val="103000"/>
+                <a:tint val="73000"/>
+              </a:schemeClr>
+            </a:gs>
+            <a:gs pos="100000">
+              <a:schemeClr val="phClr">
+                <a:lumMod val="105000"/>
+                <a:satMod val="109000"/>
+                <a:tint val="81000"/>
+              </a:schemeClr>
+            </a:gs>
+          </a:gsLst>
+          <a:lin ang="5400000" scaled="0"/>
+        </a:gradFill>
+        <a:gradFill rotWithShape="1">
+          <a:gsLst>
+            <a:gs pos="0">
+              <a:schemeClr val="phClr">
+                <a:satMod val="103000"/>
+                <a:lumMod val="102000"/>
+                <a:tint val="94000"/>
+              </a:schemeClr>
+            </a:gs>
+            <a:gs pos="50000">
+              <a:schemeClr val="phClr">
+                <a:satMod val="110000"/>
+                <a:lumMod val="100000"/>
+                <a:shade val="100000"/>
+              </a:schemeClr>
+            </a:gs>
+            <a:gs pos="100000">
+              <a:schemeClr val="phClr">
+                <a:lumMod val="99000"/>
+                <a:satMod val="120000"/>
+                <a:shade val="78000"/>
+              </a:schemeClr>
+            </a:gs>
+          </a:gsLst>
+          <a:lin ang="5400000" scaled="0"/>
+        </a:gradFill>
+      </a:fillStyleLst>
+      <a:lnStyleLst>
+        <a:ln w="6350" cap="flat" cmpd="sng" algn="ctr">
+          <a:solidFill>
+            <a:schemeClr val="phClr"/>
+          </a:solidFill>
+          <a:prstDash val="solid"/>
+          <a:miter lim="800000"/>
+        </a:ln>
+        <a:ln w="12700" cap="flat" cmpd="sng" algn="ctr">
+          <a:solidFill>
+            <a:schemeClr val="phClr"/>
+          </a:solidFill>
+          <a:prstDash val="solid"/>
+          <a:miter lim="800000"/>
+        </a:ln>
+        <a:ln w="19050" cap="flat" cmpd="sng" algn="ctr">
+          <a:solidFill>
+            <a:schemeClr val="phClr"/>
+          </a:solidFill>
+          <a:prstDash val="solid"/>
+          <a:miter lim="800000"/>
+        </a:ln>
+      </a:lnStyleLst>
+      <a:effectStyleLst>
+        <a:effectStyle>
+          <a:effectLst/>
+        </a:effectStyle>
+        <a:effectStyle>
+          <a:effectLst/>
+        </a:effectStyle>
+        <a:effectStyle>
+          <a:effectLst>
+            <a:outerShdw blurRad="57150" dist="19050" dir="5400000" algn="ctr" rotWithShape="0">
+              <a:srgbClr val="000000">
+                <a:alpha val="63000"/>
+              </a:srgbClr>
+            </a:outerShdw>
+          </a:effectLst>
+        </a:effectStyle>
+      </a:effectStyleLst>
+      <a:bgFillStyleLst>
+        <a:solidFill>
+          <a:schemeClr val="phClr"/>
+        </a:solidFill>
+        <a:solidFill>
+          <a:schemeClr val="phClr">
+            <a:tint val="95000"/>
+            <a:satMod val="170000"/>
+          </a:schemeClr>
+        </a:solidFill>
+        <a:gradFill rotWithShape="1">
+          <a:gsLst>
+            <a:gs pos="0">
+              <a:schemeClr val="phClr">
+                <a:tint val="93000"/>
+                <a:satMod val="150000"/>
+                <a:shade val="98000"/>
+                <a:lumMod val="102000"/>
+              </a:schemeClr>
+            </a:gs>
+            <a:gs pos="50000">
+              <a:schemeClr val="phClr">
+                <a:tint val="98000"/>
+                <a:satMod val="130000"/>
+                <a:shade val="90000"/>
+                <a:lumMod val="103000"/>
+              </a:schemeClr>
+            </a:gs>
+            <a:gs pos="100000">
+              <a:schemeClr val="phClr">
+                <a:shade val="63000"/>
+                <a:satMod val="120000"/>
+              </a:schemeClr>
+            </a:gs>
+          </a:gsLst>
+          <a:lin ang="5400000" scaled="0"/>
+        </a:gradFill>
+      </a:bgFillStyleLst>
+    </a:fmtScheme>
+  </a:themeElements>
+  <a:objectDefaults/>
+  <a:extraClrSchemeLst/>
+  <a:extLst>
+    <a:ext uri="{05A4C25C-085E-4340-85A3-A5531E510DB2}">
+      <thm15:themeFamily xmlns:thm15="http://schemas.microsoft.com/office/thememl/2012/main" name="Office Theme" id="{62F939B6-93AF-4DB8-9C6B-D6C7DFDC589F}" vid="{4A3C46E8-61CC-4603-A589-7422A47A8E4A}"/>
+    </a:ext>
+  </a:extLst>
+</a:theme>
 </file>